--- a/10.cloud/GCP.pptx
+++ b/10.cloud/GCP.pptx
@@ -8,10 +8,12 @@
     <p:sldId id="257" r:id="rId3"/>
     <p:sldId id="296" r:id="rId4"/>
     <p:sldId id="295" r:id="rId5"/>
-    <p:sldId id="292" r:id="rId6"/>
-    <p:sldId id="291" r:id="rId7"/>
-    <p:sldId id="293" r:id="rId8"/>
-    <p:sldId id="294" r:id="rId9"/>
+    <p:sldId id="297" r:id="rId6"/>
+    <p:sldId id="298" r:id="rId7"/>
+    <p:sldId id="292" r:id="rId8"/>
+    <p:sldId id="291" r:id="rId9"/>
+    <p:sldId id="293" r:id="rId10"/>
+    <p:sldId id="294" r:id="rId11"/>
   </p:sldIdLst>
   <p:sldSz cx="12192000" cy="6858000"/>
   <p:notesSz cx="6858000" cy="9144000"/>
@@ -4317,6 +4319,342 @@
           </a:p>
         </p:txBody>
       </p:sp>
+      <p:sp>
+        <p:nvSpPr>
+          <p:cNvPr id="3" name="Text Box 2"/>
+          <p:cNvSpPr txBox="1"/>
+          <p:nvPr/>
+        </p:nvSpPr>
+        <p:spPr>
+          <a:xfrm>
+            <a:off x="612140" y="240030"/>
+            <a:ext cx="4064000" cy="6185535"/>
+          </a:xfrm>
+          <a:prstGeom prst="rect">
+            <a:avLst/>
+          </a:prstGeom>
+          <a:noFill/>
+        </p:spPr>
+        <p:txBody>
+          <a:bodyPr wrap="square" rtlCol="0">
+            <a:spAutoFit/>
+          </a:bodyPr>
+          <a:p>
+            <a:r>
+              <a:rPr lang="en-US"/>
+              <a:t>TOPICS</a:t>
+            </a:r>
+            <a:endParaRPr lang="en-US"/>
+          </a:p>
+          <a:p>
+            <a:endParaRPr lang="en-US"/>
+          </a:p>
+          <a:p>
+            <a:pPr marL="342900" indent="-342900">
+              <a:buAutoNum type="arabicPeriod"/>
+            </a:pPr>
+            <a:r>
+              <a:rPr lang="en-US" altLang="en-US">
+                <a:latin typeface="var(--font-stack-text)"/>
+                <a:ea typeface="var(--font-stack-text)"/>
+                <a:sym typeface="+mn-ea"/>
+              </a:rPr>
+              <a:t>IAM</a:t>
+            </a:r>
+            <a:endParaRPr lang="en-US" altLang="en-US">
+              <a:latin typeface="var(--font-stack-text)"/>
+              <a:ea typeface="var(--font-stack-text)"/>
+              <a:sym typeface="+mn-ea"/>
+            </a:endParaRPr>
+          </a:p>
+          <a:p>
+            <a:pPr marL="342900" indent="-342900">
+              <a:buAutoNum type="arabicPeriod"/>
+            </a:pPr>
+            <a:r>
+              <a:rPr lang="en-US" altLang="en-US">
+                <a:latin typeface="var(--font-stack-text)"/>
+                <a:ea typeface="var(--font-stack-text)"/>
+                <a:sym typeface="+mn-ea"/>
+              </a:rPr>
+              <a:t>Billing</a:t>
+            </a:r>
+            <a:endParaRPr lang="en-US" altLang="en-US">
+              <a:latin typeface="var(--font-stack-text)"/>
+              <a:ea typeface="var(--font-stack-text)"/>
+              <a:sym typeface="+mn-ea"/>
+            </a:endParaRPr>
+          </a:p>
+          <a:p>
+            <a:pPr marL="342900" indent="-342900">
+              <a:buAutoNum type="arabicPeriod"/>
+            </a:pPr>
+            <a:r>
+              <a:rPr lang="en-US" altLang="en-US">
+                <a:latin typeface="var(--font-stack-text)"/>
+                <a:ea typeface="var(--font-stack-text)"/>
+                <a:sym typeface="+mn-ea"/>
+              </a:rPr>
+              <a:t>storage</a:t>
+            </a:r>
+            <a:endParaRPr lang="en-US" altLang="en-US">
+              <a:latin typeface="var(--font-stack-text)"/>
+              <a:ea typeface="var(--font-stack-text)"/>
+              <a:sym typeface="+mn-ea"/>
+            </a:endParaRPr>
+          </a:p>
+          <a:p>
+            <a:pPr marL="342900" indent="-342900">
+              <a:buAutoNum type="arabicPeriod"/>
+            </a:pPr>
+            <a:r>
+              <a:rPr lang="en-US" altLang="en-US">
+                <a:latin typeface="var(--font-stack-text)"/>
+                <a:ea typeface="var(--font-stack-text)"/>
+                <a:sym typeface="+mn-ea"/>
+              </a:rPr>
+              <a:t>compute Engine( 	cloud GPU,TPU</a:t>
+            </a:r>
+            <a:endParaRPr lang="en-US" altLang="en-US">
+              <a:latin typeface="var(--font-stack-text)"/>
+              <a:ea typeface="var(--font-stack-text)"/>
+              <a:sym typeface="+mn-ea"/>
+            </a:endParaRPr>
+          </a:p>
+          <a:p>
+            <a:pPr marL="342900" indent="-342900">
+              <a:buAutoNum type="arabicPeriod"/>
+            </a:pPr>
+            <a:r>
+              <a:rPr lang="en-US" altLang="en-US">
+                <a:latin typeface="var(--font-stack-text)"/>
+                <a:ea typeface="var(--font-stack-text)"/>
+                <a:sym typeface="+mn-ea"/>
+              </a:rPr>
+              <a:t>BigQUERY</a:t>
+            </a:r>
+            <a:endParaRPr lang="en-US" altLang="en-US">
+              <a:latin typeface="var(--font-stack-text)"/>
+              <a:ea typeface="var(--font-stack-text)"/>
+              <a:sym typeface="+mn-ea"/>
+            </a:endParaRPr>
+          </a:p>
+          <a:p>
+            <a:pPr marL="342900" indent="-342900">
+              <a:buAutoNum type="arabicPeriod"/>
+            </a:pPr>
+            <a:r>
+              <a:rPr lang="en-US" altLang="en-US">
+                <a:latin typeface="var(--font-stack-text)"/>
+                <a:ea typeface="var(--font-stack-text)"/>
+                <a:sym typeface="+mn-ea"/>
+              </a:rPr>
+              <a:t>SQL</a:t>
+            </a:r>
+            <a:endParaRPr lang="en-US" altLang="en-US">
+              <a:latin typeface="var(--font-stack-text)"/>
+              <a:ea typeface="var(--font-stack-text)"/>
+              <a:sym typeface="+mn-ea"/>
+            </a:endParaRPr>
+          </a:p>
+          <a:p>
+            <a:pPr marL="342900" indent="-342900">
+              <a:buAutoNum type="arabicPeriod"/>
+            </a:pPr>
+            <a:r>
+              <a:rPr lang="en-US" altLang="en-US">
+                <a:latin typeface="var(--font-stack-text)"/>
+                <a:ea typeface="var(--font-stack-text)"/>
+                <a:sym typeface="+mn-ea"/>
+              </a:rPr>
+              <a:t>AUTO SCALING</a:t>
+            </a:r>
+            <a:endParaRPr lang="en-US" altLang="en-US">
+              <a:latin typeface="var(--font-stack-text)"/>
+              <a:ea typeface="var(--font-stack-text)"/>
+              <a:sym typeface="+mn-ea"/>
+            </a:endParaRPr>
+          </a:p>
+          <a:p>
+            <a:pPr marL="342900" indent="-342900">
+              <a:buAutoNum type="arabicPeriod"/>
+            </a:pPr>
+            <a:r>
+              <a:rPr lang="en-US" altLang="en-US">
+                <a:latin typeface="var(--font-stack-text)"/>
+                <a:ea typeface="var(--font-stack-text)"/>
+                <a:sym typeface="+mn-ea"/>
+              </a:rPr>
+              <a:t>Load BAlancing</a:t>
+            </a:r>
+            <a:endParaRPr lang="en-US" altLang="en-US">
+              <a:latin typeface="var(--font-stack-text)"/>
+              <a:ea typeface="var(--font-stack-text)"/>
+              <a:sym typeface="+mn-ea"/>
+            </a:endParaRPr>
+          </a:p>
+          <a:p>
+            <a:pPr marL="342900" indent="-342900">
+              <a:buAutoNum type="arabicPeriod"/>
+            </a:pPr>
+            <a:r>
+              <a:rPr lang="en-US" altLang="en-US">
+                <a:latin typeface="var(--font-stack-text)"/>
+                <a:ea typeface="var(--font-stack-text)"/>
+                <a:sym typeface="+mn-ea"/>
+              </a:rPr>
+              <a:t>Vertex ai</a:t>
+            </a:r>
+            <a:endParaRPr lang="en-US" altLang="en-US">
+              <a:latin typeface="var(--font-stack-text)"/>
+              <a:ea typeface="var(--font-stack-text)"/>
+              <a:sym typeface="+mn-ea"/>
+            </a:endParaRPr>
+          </a:p>
+          <a:p>
+            <a:pPr marL="342900" indent="-342900">
+              <a:buAutoNum type="arabicPeriod"/>
+            </a:pPr>
+            <a:r>
+              <a:rPr lang="en-US" altLang="en-US">
+                <a:latin typeface="var(--font-stack-text)"/>
+                <a:ea typeface="var(--font-stack-text)"/>
+                <a:sym typeface="+mn-ea"/>
+              </a:rPr>
+              <a:t>notebook</a:t>
+            </a:r>
+            <a:endParaRPr lang="en-US" altLang="en-US">
+              <a:latin typeface="var(--font-stack-text)"/>
+              <a:ea typeface="var(--font-stack-text)"/>
+              <a:sym typeface="+mn-ea"/>
+            </a:endParaRPr>
+          </a:p>
+          <a:p>
+            <a:pPr marL="342900" indent="-342900">
+              <a:buAutoNum type="arabicPeriod"/>
+            </a:pPr>
+            <a:r>
+              <a:rPr lang="en-US" altLang="en-US">
+                <a:latin typeface="var(--font-stack-text)"/>
+                <a:ea typeface="var(--font-stack-text)"/>
+                <a:sym typeface="+mn-ea"/>
+              </a:rPr>
+              <a:t>analytics lake housse</a:t>
+            </a:r>
+            <a:endParaRPr lang="en-US" altLang="en-US">
+              <a:latin typeface="var(--font-stack-text)"/>
+              <a:ea typeface="var(--font-stack-text)"/>
+              <a:sym typeface="+mn-ea"/>
+            </a:endParaRPr>
+          </a:p>
+          <a:p>
+            <a:pPr marL="342900" indent="-342900">
+              <a:buAutoNum type="arabicPeriod"/>
+            </a:pPr>
+            <a:r>
+              <a:rPr lang="en-US" altLang="en-US">
+                <a:latin typeface="var(--font-stack-text)"/>
+                <a:ea typeface="var(--font-stack-text)"/>
+                <a:sym typeface="+mn-ea"/>
+              </a:rPr>
+              <a:t>cloud dataflow</a:t>
+            </a:r>
+            <a:endParaRPr lang="en-US" altLang="en-US">
+              <a:latin typeface="var(--font-stack-text)"/>
+              <a:ea typeface="var(--font-stack-text)"/>
+              <a:sym typeface="+mn-ea"/>
+            </a:endParaRPr>
+          </a:p>
+          <a:p>
+            <a:pPr marL="342900" indent="-342900">
+              <a:buAutoNum type="arabicPeriod"/>
+            </a:pPr>
+            <a:r>
+              <a:rPr lang="en-US" altLang="en-US">
+                <a:latin typeface="var(--font-stack-text)"/>
+                <a:ea typeface="var(--font-stack-text)"/>
+                <a:sym typeface="+mn-ea"/>
+              </a:rPr>
+              <a:t>auto ml</a:t>
+            </a:r>
+            <a:endParaRPr lang="en-US" altLang="en-US">
+              <a:latin typeface="var(--font-stack-text)"/>
+              <a:ea typeface="var(--font-stack-text)"/>
+              <a:sym typeface="+mn-ea"/>
+            </a:endParaRPr>
+          </a:p>
+          <a:p>
+            <a:pPr marL="342900" indent="-342900">
+              <a:buAutoNum type="arabicPeriod"/>
+            </a:pPr>
+            <a:r>
+              <a:rPr lang="en-US" altLang="en-US">
+                <a:latin typeface="var(--font-stack-text)"/>
+                <a:ea typeface="var(--font-stack-text)"/>
+                <a:sym typeface="+mn-ea"/>
+              </a:rPr>
+              <a:t>Google AI Studio Masterclass</a:t>
+            </a:r>
+            <a:endParaRPr lang="en-US" altLang="en-US">
+              <a:latin typeface="var(--font-stack-text)"/>
+              <a:ea typeface="var(--font-stack-text)"/>
+              <a:sym typeface="+mn-ea"/>
+            </a:endParaRPr>
+          </a:p>
+          <a:p>
+            <a:pPr marL="342900" indent="-342900">
+              <a:buAutoNum type="arabicPeriod"/>
+            </a:pPr>
+            <a:r>
+              <a:rPr lang="en-US" altLang="en-US">
+                <a:latin typeface="var(--font-stack-text)"/>
+                <a:ea typeface="var(--font-stack-text)"/>
+                <a:sym typeface="+mn-ea"/>
+              </a:rPr>
+              <a:t>container service (cloud CICD (cloud deploy),multi-cloud GKE</a:t>
+            </a:r>
+            <a:endParaRPr lang="en-US" altLang="en-US">
+              <a:latin typeface="var(--font-stack-text)"/>
+              <a:ea typeface="var(--font-stack-text)"/>
+              <a:sym typeface="+mn-ea"/>
+            </a:endParaRPr>
+          </a:p>
+          <a:p>
+            <a:pPr marL="342900" indent="-342900">
+              <a:buAutoNum type="arabicPeriod"/>
+            </a:pPr>
+            <a:endParaRPr lang="en-US"/>
+          </a:p>
+          <a:p>
+            <a:endParaRPr lang="en-US"/>
+          </a:p>
+        </p:txBody>
+      </p:sp>
+      <p:sp>
+        <p:nvSpPr>
+          <p:cNvPr id="4" name="Text Box 3"/>
+          <p:cNvSpPr txBox="1"/>
+          <p:nvPr/>
+        </p:nvSpPr>
+        <p:spPr>
+          <a:xfrm>
+            <a:off x="5932805" y="782955"/>
+            <a:ext cx="4064000" cy="368300"/>
+          </a:xfrm>
+          <a:prstGeom prst="rect">
+            <a:avLst/>
+          </a:prstGeom>
+          <a:noFill/>
+        </p:spPr>
+        <p:txBody>
+          <a:bodyPr wrap="square" rtlCol="0">
+            <a:spAutoFit/>
+          </a:bodyPr>
+          <a:p>
+            <a:endParaRPr lang="en-US"/>
+          </a:p>
+        </p:txBody>
+      </p:sp>
     </p:spTree>
   </p:cSld>
   <p:clrMapOvr>
@@ -4326,6 +4664,5155 @@
 </file>
 
 <file path=ppt/slides/slide4.xml><?xml version="1.0" encoding="utf-8"?>
+<p:sld xmlns:a="http://schemas.openxmlformats.org/drawingml/2006/main" xmlns:r="http://schemas.openxmlformats.org/officeDocument/2006/relationships" xmlns:p="http://schemas.openxmlformats.org/presentationml/2006/main">
+  <p:cSld>
+    <p:spTree>
+      <p:nvGrpSpPr>
+        <p:cNvPr id="1" name=""/>
+        <p:cNvGrpSpPr/>
+        <p:nvPr/>
+      </p:nvGrpSpPr>
+      <p:grpSpPr/>
+      <p:graphicFrame>
+        <p:nvGraphicFramePr>
+          <p:cNvPr id="3" name="Table 2"/>
+          <p:cNvGraphicFramePr/>
+          <p:nvPr/>
+        </p:nvGraphicFramePr>
+        <p:xfrm>
+          <a:off x="529590" y="393700"/>
+          <a:ext cx="10485120" cy="0"/>
+        </p:xfrm>
+        <a:graphic>
+          <a:graphicData uri="http://schemas.openxmlformats.org/drawingml/2006/table">
+            <a:tbl>
+              <a:tblPr/>
+              <a:tblGrid>
+                <a:gridCol w="1747520"/>
+                <a:gridCol w="1747520"/>
+                <a:gridCol w="1747520"/>
+                <a:gridCol w="1747520"/>
+                <a:gridCol w="1747520"/>
+                <a:gridCol w="1747520"/>
+              </a:tblGrid>
+              <a:tr h="0">
+                <a:tc>
+                  <a:txBody>
+                    <a:bodyPr/>
+                    <a:p>
+                      <a:pPr marL="0" indent="0" algn="l" fontAlgn="t">
+                        <a:spcBef>
+                          <a:spcPct val="0"/>
+                        </a:spcBef>
+                        <a:spcAft>
+                          <a:spcPct val="0"/>
+                        </a:spcAft>
+                      </a:pPr>
+                      <a:r>
+                        <a:rPr sz="1100" b="0" i="0">
+                          <a:solidFill>
+                            <a:srgbClr val="202124"/>
+                          </a:solidFill>
+                          <a:latin typeface="Roboto"/>
+                          <a:ea typeface="Roboto"/>
+                        </a:rPr>
+                        <a:t>Data analytics</a:t>
+                      </a:r>
+                      <a:endParaRPr sz="1100" b="0" i="0">
+                        <a:solidFill>
+                          <a:srgbClr val="202124"/>
+                        </a:solidFill>
+                        <a:latin typeface="Roboto"/>
+                        <a:ea typeface="Roboto"/>
+                      </a:endParaRPr>
+                    </a:p>
+                  </a:txBody>
+                  <a:tcPr marL="0" marR="0" marT="0" marB="0" anchor="t" anchorCtr="0">
+                    <a:lnL w="9525" cap="flat" cmpd="sng">
+                      <a:solidFill>
+                        <a:srgbClr val="000000"/>
+                      </a:solidFill>
+                      <a:prstDash val="solid"/>
+                      <a:headEnd type="none" w="med" len="med"/>
+                      <a:tailEnd type="none" w="med" len="med"/>
+                    </a:lnL>
+                    <a:lnR w="9525" cap="flat" cmpd="sng">
+                      <a:solidFill>
+                        <a:srgbClr val="000000"/>
+                      </a:solidFill>
+                      <a:prstDash val="solid"/>
+                      <a:headEnd type="none" w="med" len="med"/>
+                      <a:tailEnd type="none" w="med" len="med"/>
+                    </a:lnR>
+                    <a:lnT w="9525" cap="flat" cmpd="sng">
+                      <a:solidFill>
+                        <a:srgbClr val="000000"/>
+                      </a:solidFill>
+                      <a:prstDash val="solid"/>
+                      <a:headEnd type="none" w="med" len="med"/>
+                      <a:tailEnd type="none" w="med" len="med"/>
+                    </a:lnT>
+                    <a:lnB w="9525" cap="flat" cmpd="sng">
+                      <a:solidFill>
+                        <a:srgbClr val="000000"/>
+                      </a:solidFill>
+                      <a:prstDash val="solid"/>
+                      <a:headEnd type="none" w="med" len="med"/>
+                      <a:tailEnd type="none" w="med" len="med"/>
+                    </a:lnB>
+                    <a:noFill/>
+                  </a:tcPr>
+                </a:tc>
+                <a:tc>
+                  <a:txBody>
+                    <a:bodyPr/>
+                    <a:p>
+                      <a:pPr marL="0" indent="0" algn="l" fontAlgn="t">
+                        <a:spcBef>
+                          <a:spcPct val="0"/>
+                        </a:spcBef>
+                        <a:spcAft>
+                          <a:spcPct val="0"/>
+                        </a:spcAft>
+                      </a:pPr>
+                      <a:r>
+                        <a:rPr sz="1100" b="0" i="0">
+                          <a:solidFill>
+                            <a:srgbClr val="202124"/>
+                          </a:solidFill>
+                          <a:latin typeface="Roboto"/>
+                          <a:ea typeface="Roboto"/>
+                        </a:rPr>
+                        <a:t>Data integration / ETL</a:t>
+                      </a:r>
+                      <a:endParaRPr sz="1100" b="0" i="0">
+                        <a:solidFill>
+                          <a:srgbClr val="202124"/>
+                        </a:solidFill>
+                        <a:latin typeface="Roboto"/>
+                        <a:ea typeface="Roboto"/>
+                      </a:endParaRPr>
+                    </a:p>
+                  </a:txBody>
+                  <a:tcPr marL="0" marR="0" marT="0" marB="0" anchor="t" anchorCtr="0">
+                    <a:lnL w="9525" cap="flat" cmpd="sng">
+                      <a:solidFill>
+                        <a:srgbClr val="000000"/>
+                      </a:solidFill>
+                      <a:prstDash val="solid"/>
+                      <a:headEnd type="none" w="med" len="med"/>
+                      <a:tailEnd type="none" w="med" len="med"/>
+                    </a:lnL>
+                    <a:lnR w="9525" cap="flat" cmpd="sng">
+                      <a:solidFill>
+                        <a:srgbClr val="000000"/>
+                      </a:solidFill>
+                      <a:prstDash val="solid"/>
+                      <a:headEnd type="none" w="med" len="med"/>
+                      <a:tailEnd type="none" w="med" len="med"/>
+                    </a:lnR>
+                    <a:lnT w="9525" cap="flat" cmpd="sng">
+                      <a:solidFill>
+                        <a:srgbClr val="000000"/>
+                      </a:solidFill>
+                      <a:prstDash val="solid"/>
+                      <a:headEnd type="none" w="med" len="med"/>
+                      <a:tailEnd type="none" w="med" len="med"/>
+                    </a:lnT>
+                    <a:lnB w="9525" cap="flat" cmpd="sng">
+                      <a:solidFill>
+                        <a:srgbClr val="000000"/>
+                      </a:solidFill>
+                      <a:prstDash val="solid"/>
+                      <a:headEnd type="none" w="med" len="med"/>
+                      <a:tailEnd type="none" w="med" len="med"/>
+                    </a:lnB>
+                    <a:noFill/>
+                  </a:tcPr>
+                </a:tc>
+                <a:tc>
+                  <a:txBody>
+                    <a:bodyPr/>
+                    <a:p>
+                      <a:pPr marL="0" indent="0" algn="l" fontAlgn="t" latinLnBrk="0">
+                        <a:spcBef>
+                          <a:spcPct val="0"/>
+                        </a:spcBef>
+                        <a:spcAft>
+                          <a:spcPct val="0"/>
+                        </a:spcAft>
+                      </a:pPr>
+                      <a:r>
+                        <a:rPr sz="1100" b="0" i="0">
+                          <a:solidFill>
+                            <a:srgbClr val="202124"/>
+                          </a:solidFill>
+                          <a:latin typeface="Roboto"/>
+                          <a:ea typeface="Roboto"/>
+                          <a:hlinkClick r:id="rId1"/>
+                        </a:rPr>
+                        <a:t>Cloud Data Fusion</a:t>
+                      </a:r>
+                      <a:endParaRPr sz="1100" b="0" i="0">
+                        <a:solidFill>
+                          <a:srgbClr val="202124"/>
+                        </a:solidFill>
+                        <a:latin typeface="Roboto"/>
+                        <a:ea typeface="Roboto"/>
+                        <a:hlinkClick r:id="rId1"/>
+                      </a:endParaRPr>
+                    </a:p>
+                  </a:txBody>
+                  <a:tcPr marL="0" marR="0" marT="0" marB="0" anchor="t" anchorCtr="0">
+                    <a:lnL w="9525" cap="flat" cmpd="sng">
+                      <a:solidFill>
+                        <a:srgbClr val="000000"/>
+                      </a:solidFill>
+                      <a:prstDash val="solid"/>
+                      <a:headEnd type="none" w="med" len="med"/>
+                      <a:tailEnd type="none" w="med" len="med"/>
+                    </a:lnL>
+                    <a:lnR w="9525" cap="flat" cmpd="sng">
+                      <a:solidFill>
+                        <a:srgbClr val="000000"/>
+                      </a:solidFill>
+                      <a:prstDash val="solid"/>
+                      <a:headEnd type="none" w="med" len="med"/>
+                      <a:tailEnd type="none" w="med" len="med"/>
+                    </a:lnR>
+                    <a:lnT w="9525" cap="flat" cmpd="sng">
+                      <a:solidFill>
+                        <a:srgbClr val="000000"/>
+                      </a:solidFill>
+                      <a:prstDash val="solid"/>
+                      <a:headEnd type="none" w="med" len="med"/>
+                      <a:tailEnd type="none" w="med" len="med"/>
+                    </a:lnT>
+                    <a:lnB w="9525" cap="flat" cmpd="sng">
+                      <a:solidFill>
+                        <a:srgbClr val="000000"/>
+                      </a:solidFill>
+                      <a:prstDash val="solid"/>
+                      <a:headEnd type="none" w="med" len="med"/>
+                      <a:tailEnd type="none" w="med" len="med"/>
+                    </a:lnB>
+                    <a:noFill/>
+                  </a:tcPr>
+                </a:tc>
+                <a:tc>
+                  <a:txBody>
+                    <a:bodyPr/>
+                    <a:p>
+                      <a:pPr marL="0" indent="0" algn="l" fontAlgn="t">
+                        <a:spcBef>
+                          <a:spcPct val="0"/>
+                        </a:spcBef>
+                        <a:spcAft>
+                          <a:spcPct val="0"/>
+                        </a:spcAft>
+                      </a:pPr>
+                      <a:r>
+                        <a:rPr sz="1100" b="0" i="0">
+                          <a:solidFill>
+                            <a:srgbClr val="202124"/>
+                          </a:solidFill>
+                          <a:latin typeface="Roboto"/>
+                          <a:ea typeface="Roboto"/>
+                        </a:rPr>
+                        <a:t>Implement fully managed, cloud-first data integration at scale.</a:t>
+                      </a:r>
+                      <a:endParaRPr sz="1100" b="0" i="0">
+                        <a:solidFill>
+                          <a:srgbClr val="202124"/>
+                        </a:solidFill>
+                        <a:latin typeface="Roboto"/>
+                        <a:ea typeface="Roboto"/>
+                      </a:endParaRPr>
+                    </a:p>
+                  </a:txBody>
+                  <a:tcPr marL="0" marR="0" marT="0" marB="0" anchor="t" anchorCtr="0">
+                    <a:lnL w="9525" cap="flat" cmpd="sng">
+                      <a:solidFill>
+                        <a:srgbClr val="000000"/>
+                      </a:solidFill>
+                      <a:prstDash val="solid"/>
+                      <a:headEnd type="none" w="med" len="med"/>
+                      <a:tailEnd type="none" w="med" len="med"/>
+                    </a:lnL>
+                    <a:lnR w="9525" cap="flat" cmpd="sng">
+                      <a:solidFill>
+                        <a:srgbClr val="000000"/>
+                      </a:solidFill>
+                      <a:prstDash val="solid"/>
+                      <a:headEnd type="none" w="med" len="med"/>
+                      <a:tailEnd type="none" w="med" len="med"/>
+                    </a:lnR>
+                    <a:lnT w="9525" cap="flat" cmpd="sng">
+                      <a:solidFill>
+                        <a:srgbClr val="000000"/>
+                      </a:solidFill>
+                      <a:prstDash val="solid"/>
+                      <a:headEnd type="none" w="med" len="med"/>
+                      <a:tailEnd type="none" w="med" len="med"/>
+                    </a:lnT>
+                    <a:lnB w="9525" cap="flat" cmpd="sng">
+                      <a:solidFill>
+                        <a:srgbClr val="000000"/>
+                      </a:solidFill>
+                      <a:prstDash val="solid"/>
+                      <a:headEnd type="none" w="med" len="med"/>
+                      <a:tailEnd type="none" w="med" len="med"/>
+                    </a:lnB>
+                    <a:noFill/>
+                  </a:tcPr>
+                </a:tc>
+                <a:tc>
+                  <a:txBody>
+                    <a:bodyPr/>
+                    <a:p>
+                      <a:pPr marL="0" indent="0" algn="l" fontAlgn="t">
+                        <a:spcBef>
+                          <a:spcPct val="0"/>
+                        </a:spcBef>
+                        <a:spcAft>
+                          <a:spcPct val="0"/>
+                        </a:spcAft>
+                      </a:pPr>
+                      <a:r>
+                        <a:rPr sz="1100" b="0" i="0">
+                          <a:solidFill>
+                            <a:srgbClr val="202124"/>
+                          </a:solidFill>
+                          <a:latin typeface="Roboto"/>
+                          <a:ea typeface="Roboto"/>
+                        </a:rPr>
+                        <a:t>AWS Glue</a:t>
+                      </a:r>
+                      <a:endParaRPr sz="1100" b="0" i="0">
+                        <a:solidFill>
+                          <a:srgbClr val="202124"/>
+                        </a:solidFill>
+                        <a:latin typeface="Roboto"/>
+                        <a:ea typeface="Roboto"/>
+                      </a:endParaRPr>
+                    </a:p>
+                  </a:txBody>
+                  <a:tcPr marL="0" marR="0" marT="0" marB="0" anchor="t" anchorCtr="0">
+                    <a:lnL w="9525" cap="flat" cmpd="sng">
+                      <a:solidFill>
+                        <a:srgbClr val="000000"/>
+                      </a:solidFill>
+                      <a:prstDash val="solid"/>
+                      <a:headEnd type="none" w="med" len="med"/>
+                      <a:tailEnd type="none" w="med" len="med"/>
+                    </a:lnL>
+                    <a:lnR w="9525" cap="flat" cmpd="sng">
+                      <a:solidFill>
+                        <a:srgbClr val="000000"/>
+                      </a:solidFill>
+                      <a:prstDash val="solid"/>
+                      <a:headEnd type="none" w="med" len="med"/>
+                      <a:tailEnd type="none" w="med" len="med"/>
+                    </a:lnR>
+                    <a:lnT w="9525" cap="flat" cmpd="sng">
+                      <a:solidFill>
+                        <a:srgbClr val="000000"/>
+                      </a:solidFill>
+                      <a:prstDash val="solid"/>
+                      <a:headEnd type="none" w="med" len="med"/>
+                      <a:tailEnd type="none" w="med" len="med"/>
+                    </a:lnT>
+                    <a:lnB w="9525" cap="flat" cmpd="sng">
+                      <a:solidFill>
+                        <a:srgbClr val="000000"/>
+                      </a:solidFill>
+                      <a:prstDash val="solid"/>
+                      <a:headEnd type="none" w="med" len="med"/>
+                      <a:tailEnd type="none" w="med" len="med"/>
+                    </a:lnB>
+                    <a:noFill/>
+                  </a:tcPr>
+                </a:tc>
+                <a:tc>
+                  <a:txBody>
+                    <a:bodyPr/>
+                    <a:p>
+                      <a:pPr marL="0" indent="0" algn="l" fontAlgn="t">
+                        <a:spcBef>
+                          <a:spcPct val="0"/>
+                        </a:spcBef>
+                        <a:spcAft>
+                          <a:spcPct val="0"/>
+                        </a:spcAft>
+                      </a:pPr>
+                      <a:r>
+                        <a:rPr sz="1100" b="0" i="0">
+                          <a:solidFill>
+                            <a:srgbClr val="202124"/>
+                          </a:solidFill>
+                          <a:latin typeface="Roboto"/>
+                          <a:ea typeface="Roboto"/>
+                        </a:rPr>
+                        <a:t>Azure Data Factory</a:t>
+                      </a:r>
+                      <a:endParaRPr sz="1100" b="0" i="0">
+                        <a:solidFill>
+                          <a:srgbClr val="202124"/>
+                        </a:solidFill>
+                        <a:latin typeface="Roboto"/>
+                        <a:ea typeface="Roboto"/>
+                      </a:endParaRPr>
+                    </a:p>
+                  </a:txBody>
+                  <a:tcPr marL="0" marR="0" marT="0" marB="0" anchor="t" anchorCtr="0">
+                    <a:lnL w="9525" cap="flat" cmpd="sng">
+                      <a:solidFill>
+                        <a:srgbClr val="000000"/>
+                      </a:solidFill>
+                      <a:prstDash val="solid"/>
+                      <a:headEnd type="none" w="med" len="med"/>
+                      <a:tailEnd type="none" w="med" len="med"/>
+                    </a:lnL>
+                    <a:lnR w="9525" cap="flat" cmpd="sng">
+                      <a:solidFill>
+                        <a:srgbClr val="000000"/>
+                      </a:solidFill>
+                      <a:prstDash val="solid"/>
+                      <a:headEnd type="none" w="med" len="med"/>
+                      <a:tailEnd type="none" w="med" len="med"/>
+                    </a:lnR>
+                    <a:lnT w="9525" cap="flat" cmpd="sng">
+                      <a:solidFill>
+                        <a:srgbClr val="000000"/>
+                      </a:solidFill>
+                      <a:prstDash val="solid"/>
+                      <a:headEnd type="none" w="med" len="med"/>
+                      <a:tailEnd type="none" w="med" len="med"/>
+                    </a:lnT>
+                    <a:lnB w="9525" cap="flat" cmpd="sng">
+                      <a:solidFill>
+                        <a:srgbClr val="000000"/>
+                      </a:solidFill>
+                      <a:prstDash val="solid"/>
+                      <a:headEnd type="none" w="med" len="med"/>
+                      <a:tailEnd type="none" w="med" len="med"/>
+                    </a:lnB>
+                    <a:noFill/>
+                  </a:tcPr>
+                </a:tc>
+              </a:tr>
+              <a:tr h="0">
+                <a:tc>
+                  <a:txBody>
+                    <a:bodyPr/>
+                    <a:p>
+                      <a:pPr marL="0" indent="0" algn="l" fontAlgn="t">
+                        <a:spcBef>
+                          <a:spcPct val="0"/>
+                        </a:spcBef>
+                        <a:spcAft>
+                          <a:spcPct val="0"/>
+                        </a:spcAft>
+                      </a:pPr>
+                      <a:r>
+                        <a:rPr sz="1100" b="0" i="0">
+                          <a:solidFill>
+                            <a:srgbClr val="202124"/>
+                          </a:solidFill>
+                          <a:latin typeface="Roboto"/>
+                          <a:ea typeface="Roboto"/>
+                        </a:rPr>
+                        <a:t>Data analytics</a:t>
+                      </a:r>
+                      <a:endParaRPr sz="1100" b="0" i="0">
+                        <a:solidFill>
+                          <a:srgbClr val="202124"/>
+                        </a:solidFill>
+                        <a:latin typeface="Roboto"/>
+                        <a:ea typeface="Roboto"/>
+                      </a:endParaRPr>
+                    </a:p>
+                  </a:txBody>
+                  <a:tcPr marL="0" marR="0" marT="0" marB="0" anchor="t" anchorCtr="0">
+                    <a:lnL w="9525" cap="flat" cmpd="sng">
+                      <a:solidFill>
+                        <a:srgbClr val="000000"/>
+                      </a:solidFill>
+                      <a:prstDash val="solid"/>
+                      <a:headEnd type="none" w="med" len="med"/>
+                      <a:tailEnd type="none" w="med" len="med"/>
+                    </a:lnL>
+                    <a:lnR w="9525" cap="flat" cmpd="sng">
+                      <a:solidFill>
+                        <a:srgbClr val="000000"/>
+                      </a:solidFill>
+                      <a:prstDash val="solid"/>
+                      <a:headEnd type="none" w="med" len="med"/>
+                      <a:tailEnd type="none" w="med" len="med"/>
+                    </a:lnR>
+                    <a:lnT w="9525" cap="flat" cmpd="sng">
+                      <a:solidFill>
+                        <a:srgbClr val="000000"/>
+                      </a:solidFill>
+                      <a:prstDash val="solid"/>
+                      <a:headEnd type="none" w="med" len="med"/>
+                      <a:tailEnd type="none" w="med" len="med"/>
+                    </a:lnT>
+                    <a:lnB w="9525" cap="flat" cmpd="sng">
+                      <a:solidFill>
+                        <a:srgbClr val="000000"/>
+                      </a:solidFill>
+                      <a:prstDash val="solid"/>
+                      <a:headEnd type="none" w="med" len="med"/>
+                      <a:tailEnd type="none" w="med" len="med"/>
+                    </a:lnB>
+                    <a:noFill/>
+                  </a:tcPr>
+                </a:tc>
+                <a:tc>
+                  <a:txBody>
+                    <a:bodyPr/>
+                    <a:p>
+                      <a:pPr marL="0" indent="0" algn="l" fontAlgn="t">
+                        <a:spcBef>
+                          <a:spcPct val="0"/>
+                        </a:spcBef>
+                        <a:spcAft>
+                          <a:spcPct val="0"/>
+                        </a:spcAft>
+                      </a:pPr>
+                      <a:r>
+                        <a:rPr sz="1100" b="0" i="0">
+                          <a:solidFill>
+                            <a:srgbClr val="202124"/>
+                          </a:solidFill>
+                          <a:latin typeface="Roboto"/>
+                          <a:ea typeface="Roboto"/>
+                        </a:rPr>
+                        <a:t>Data processing</a:t>
+                      </a:r>
+                      <a:endParaRPr sz="1100" b="0" i="0">
+                        <a:solidFill>
+                          <a:srgbClr val="202124"/>
+                        </a:solidFill>
+                        <a:latin typeface="Roboto"/>
+                        <a:ea typeface="Roboto"/>
+                      </a:endParaRPr>
+                    </a:p>
+                  </a:txBody>
+                  <a:tcPr marL="0" marR="0" marT="0" marB="0" anchor="t" anchorCtr="0">
+                    <a:lnL w="9525" cap="flat" cmpd="sng">
+                      <a:solidFill>
+                        <a:srgbClr val="000000"/>
+                      </a:solidFill>
+                      <a:prstDash val="solid"/>
+                      <a:headEnd type="none" w="med" len="med"/>
+                      <a:tailEnd type="none" w="med" len="med"/>
+                    </a:lnL>
+                    <a:lnR w="9525" cap="flat" cmpd="sng">
+                      <a:solidFill>
+                        <a:srgbClr val="000000"/>
+                      </a:solidFill>
+                      <a:prstDash val="solid"/>
+                      <a:headEnd type="none" w="med" len="med"/>
+                      <a:tailEnd type="none" w="med" len="med"/>
+                    </a:lnR>
+                    <a:lnT w="9525" cap="flat" cmpd="sng">
+                      <a:solidFill>
+                        <a:srgbClr val="000000"/>
+                      </a:solidFill>
+                      <a:prstDash val="solid"/>
+                      <a:headEnd type="none" w="med" len="med"/>
+                      <a:tailEnd type="none" w="med" len="med"/>
+                    </a:lnT>
+                    <a:lnB w="9525" cap="flat" cmpd="sng">
+                      <a:solidFill>
+                        <a:srgbClr val="000000"/>
+                      </a:solidFill>
+                      <a:prstDash val="solid"/>
+                      <a:headEnd type="none" w="med" len="med"/>
+                      <a:tailEnd type="none" w="med" len="med"/>
+                    </a:lnB>
+                    <a:noFill/>
+                  </a:tcPr>
+                </a:tc>
+                <a:tc>
+                  <a:txBody>
+                    <a:bodyPr/>
+                    <a:p>
+                      <a:pPr marL="0" indent="0" algn="l" fontAlgn="t" latinLnBrk="0">
+                        <a:spcBef>
+                          <a:spcPct val="0"/>
+                        </a:spcBef>
+                        <a:spcAft>
+                          <a:spcPct val="0"/>
+                        </a:spcAft>
+                      </a:pPr>
+                      <a:r>
+                        <a:rPr sz="1100" b="0" i="0">
+                          <a:solidFill>
+                            <a:srgbClr val="202124"/>
+                          </a:solidFill>
+                          <a:latin typeface="Roboto"/>
+                          <a:ea typeface="Roboto"/>
+                          <a:hlinkClick r:id="rId2"/>
+                        </a:rPr>
+                        <a:t>Dataproc</a:t>
+                      </a:r>
+                      <a:endParaRPr sz="1100" b="0" i="0">
+                        <a:solidFill>
+                          <a:srgbClr val="202124"/>
+                        </a:solidFill>
+                        <a:latin typeface="Roboto"/>
+                        <a:ea typeface="Roboto"/>
+                        <a:hlinkClick r:id="rId2"/>
+                      </a:endParaRPr>
+                    </a:p>
+                  </a:txBody>
+                  <a:tcPr marL="0" marR="0" marT="0" marB="0" anchor="t" anchorCtr="0">
+                    <a:lnL w="9525" cap="flat" cmpd="sng">
+                      <a:solidFill>
+                        <a:srgbClr val="000000"/>
+                      </a:solidFill>
+                      <a:prstDash val="solid"/>
+                      <a:headEnd type="none" w="med" len="med"/>
+                      <a:tailEnd type="none" w="med" len="med"/>
+                    </a:lnL>
+                    <a:lnR w="9525" cap="flat" cmpd="sng">
+                      <a:solidFill>
+                        <a:srgbClr val="000000"/>
+                      </a:solidFill>
+                      <a:prstDash val="solid"/>
+                      <a:headEnd type="none" w="med" len="med"/>
+                      <a:tailEnd type="none" w="med" len="med"/>
+                    </a:lnR>
+                    <a:lnT w="9525" cap="flat" cmpd="sng">
+                      <a:solidFill>
+                        <a:srgbClr val="000000"/>
+                      </a:solidFill>
+                      <a:prstDash val="solid"/>
+                      <a:headEnd type="none" w="med" len="med"/>
+                      <a:tailEnd type="none" w="med" len="med"/>
+                    </a:lnT>
+                    <a:lnB w="9525" cap="flat" cmpd="sng">
+                      <a:solidFill>
+                        <a:srgbClr val="000000"/>
+                      </a:solidFill>
+                      <a:prstDash val="solid"/>
+                      <a:headEnd type="none" w="med" len="med"/>
+                      <a:tailEnd type="none" w="med" len="med"/>
+                    </a:lnB>
+                    <a:noFill/>
+                  </a:tcPr>
+                </a:tc>
+                <a:tc>
+                  <a:txBody>
+                    <a:bodyPr/>
+                    <a:p>
+                      <a:pPr marL="0" indent="0" algn="l" fontAlgn="t">
+                        <a:spcBef>
+                          <a:spcPct val="0"/>
+                        </a:spcBef>
+                        <a:spcAft>
+                          <a:spcPct val="0"/>
+                        </a:spcAft>
+                      </a:pPr>
+                      <a:r>
+                        <a:rPr sz="1100" b="0" i="0">
+                          <a:solidFill>
+                            <a:srgbClr val="202124"/>
+                          </a:solidFill>
+                          <a:latin typeface="Roboto"/>
+                          <a:ea typeface="Roboto"/>
+                        </a:rPr>
+                        <a:t>Managed Hadoop and Spark services for data engineering, data science, and machine learning.</a:t>
+                      </a:r>
+                      <a:endParaRPr sz="1100" b="0" i="0">
+                        <a:solidFill>
+                          <a:srgbClr val="202124"/>
+                        </a:solidFill>
+                        <a:latin typeface="Roboto"/>
+                        <a:ea typeface="Roboto"/>
+                      </a:endParaRPr>
+                    </a:p>
+                  </a:txBody>
+                  <a:tcPr marL="0" marR="0" marT="0" marB="0" anchor="t" anchorCtr="0">
+                    <a:lnL w="9525" cap="flat" cmpd="sng">
+                      <a:solidFill>
+                        <a:srgbClr val="000000"/>
+                      </a:solidFill>
+                      <a:prstDash val="solid"/>
+                      <a:headEnd type="none" w="med" len="med"/>
+                      <a:tailEnd type="none" w="med" len="med"/>
+                    </a:lnL>
+                    <a:lnR w="9525" cap="flat" cmpd="sng">
+                      <a:solidFill>
+                        <a:srgbClr val="000000"/>
+                      </a:solidFill>
+                      <a:prstDash val="solid"/>
+                      <a:headEnd type="none" w="med" len="med"/>
+                      <a:tailEnd type="none" w="med" len="med"/>
+                    </a:lnR>
+                    <a:lnT w="9525" cap="flat" cmpd="sng">
+                      <a:solidFill>
+                        <a:srgbClr val="000000"/>
+                      </a:solidFill>
+                      <a:prstDash val="solid"/>
+                      <a:headEnd type="none" w="med" len="med"/>
+                      <a:tailEnd type="none" w="med" len="med"/>
+                    </a:lnT>
+                    <a:lnB w="9525" cap="flat" cmpd="sng">
+                      <a:solidFill>
+                        <a:srgbClr val="000000"/>
+                      </a:solidFill>
+                      <a:prstDash val="solid"/>
+                      <a:headEnd type="none" w="med" len="med"/>
+                      <a:tailEnd type="none" w="med" len="med"/>
+                    </a:lnB>
+                    <a:noFill/>
+                  </a:tcPr>
+                </a:tc>
+                <a:tc>
+                  <a:txBody>
+                    <a:bodyPr/>
+                    <a:p>
+                      <a:pPr marL="0" indent="0" algn="l" fontAlgn="t">
+                        <a:spcBef>
+                          <a:spcPct val="0"/>
+                        </a:spcBef>
+                        <a:spcAft>
+                          <a:spcPct val="0"/>
+                        </a:spcAft>
+                      </a:pPr>
+                      <a:r>
+                        <a:rPr sz="1100" b="0" i="0">
+                          <a:solidFill>
+                            <a:srgbClr val="202124"/>
+                          </a:solidFill>
+                          <a:latin typeface="Roboto"/>
+                          <a:ea typeface="Roboto"/>
+                        </a:rPr>
+                        <a:t>Amazon Elastic MapReduce (EMR), AWS Batch, AWS Glue</a:t>
+                      </a:r>
+                      <a:endParaRPr sz="1100" b="0" i="0">
+                        <a:solidFill>
+                          <a:srgbClr val="202124"/>
+                        </a:solidFill>
+                        <a:latin typeface="Roboto"/>
+                        <a:ea typeface="Roboto"/>
+                      </a:endParaRPr>
+                    </a:p>
+                  </a:txBody>
+                  <a:tcPr marL="0" marR="0" marT="0" marB="0" anchor="t" anchorCtr="0">
+                    <a:lnL w="9525" cap="flat" cmpd="sng">
+                      <a:solidFill>
+                        <a:srgbClr val="000000"/>
+                      </a:solidFill>
+                      <a:prstDash val="solid"/>
+                      <a:headEnd type="none" w="med" len="med"/>
+                      <a:tailEnd type="none" w="med" len="med"/>
+                    </a:lnL>
+                    <a:lnR w="9525" cap="flat" cmpd="sng">
+                      <a:solidFill>
+                        <a:srgbClr val="000000"/>
+                      </a:solidFill>
+                      <a:prstDash val="solid"/>
+                      <a:headEnd type="none" w="med" len="med"/>
+                      <a:tailEnd type="none" w="med" len="med"/>
+                    </a:lnR>
+                    <a:lnT w="9525" cap="flat" cmpd="sng">
+                      <a:solidFill>
+                        <a:srgbClr val="000000"/>
+                      </a:solidFill>
+                      <a:prstDash val="solid"/>
+                      <a:headEnd type="none" w="med" len="med"/>
+                      <a:tailEnd type="none" w="med" len="med"/>
+                    </a:lnT>
+                    <a:lnB w="9525" cap="flat" cmpd="sng">
+                      <a:solidFill>
+                        <a:srgbClr val="000000"/>
+                      </a:solidFill>
+                      <a:prstDash val="solid"/>
+                      <a:headEnd type="none" w="med" len="med"/>
+                      <a:tailEnd type="none" w="med" len="med"/>
+                    </a:lnB>
+                    <a:noFill/>
+                  </a:tcPr>
+                </a:tc>
+                <a:tc>
+                  <a:txBody>
+                    <a:bodyPr/>
+                    <a:p>
+                      <a:pPr marL="0" indent="0" algn="l" fontAlgn="t">
+                        <a:spcBef>
+                          <a:spcPct val="0"/>
+                        </a:spcBef>
+                        <a:spcAft>
+                          <a:spcPct val="0"/>
+                        </a:spcAft>
+                      </a:pPr>
+                      <a:r>
+                        <a:rPr sz="1100" b="0" i="0">
+                          <a:solidFill>
+                            <a:srgbClr val="202124"/>
+                          </a:solidFill>
+                          <a:latin typeface="Roboto"/>
+                          <a:ea typeface="Roboto"/>
+                        </a:rPr>
+                        <a:t>Azure Data Lake Analytics, HDInsight, Azure Databricks</a:t>
+                      </a:r>
+                      <a:endParaRPr sz="1100" b="0" i="0">
+                        <a:solidFill>
+                          <a:srgbClr val="202124"/>
+                        </a:solidFill>
+                        <a:latin typeface="Roboto"/>
+                        <a:ea typeface="Roboto"/>
+                      </a:endParaRPr>
+                    </a:p>
+                  </a:txBody>
+                  <a:tcPr marL="0" marR="0" marT="0" marB="0" anchor="t" anchorCtr="0">
+                    <a:lnL w="9525" cap="flat" cmpd="sng">
+                      <a:solidFill>
+                        <a:srgbClr val="000000"/>
+                      </a:solidFill>
+                      <a:prstDash val="solid"/>
+                      <a:headEnd type="none" w="med" len="med"/>
+                      <a:tailEnd type="none" w="med" len="med"/>
+                    </a:lnL>
+                    <a:lnR w="9525" cap="flat" cmpd="sng">
+                      <a:solidFill>
+                        <a:srgbClr val="000000"/>
+                      </a:solidFill>
+                      <a:prstDash val="solid"/>
+                      <a:headEnd type="none" w="med" len="med"/>
+                      <a:tailEnd type="none" w="med" len="med"/>
+                    </a:lnR>
+                    <a:lnT w="9525" cap="flat" cmpd="sng">
+                      <a:solidFill>
+                        <a:srgbClr val="000000"/>
+                      </a:solidFill>
+                      <a:prstDash val="solid"/>
+                      <a:headEnd type="none" w="med" len="med"/>
+                      <a:tailEnd type="none" w="med" len="med"/>
+                    </a:lnT>
+                    <a:lnB w="9525" cap="flat" cmpd="sng">
+                      <a:solidFill>
+                        <a:srgbClr val="000000"/>
+                      </a:solidFill>
+                      <a:prstDash val="solid"/>
+                      <a:headEnd type="none" w="med" len="med"/>
+                      <a:tailEnd type="none" w="med" len="med"/>
+                    </a:lnB>
+                    <a:noFill/>
+                  </a:tcPr>
+                </a:tc>
+              </a:tr>
+              <a:tr h="0">
+                <a:tc>
+                  <a:txBody>
+                    <a:bodyPr/>
+                    <a:p>
+                      <a:pPr marL="0" indent="0" algn="l" fontAlgn="t">
+                        <a:spcBef>
+                          <a:spcPct val="0"/>
+                        </a:spcBef>
+                        <a:spcAft>
+                          <a:spcPct val="0"/>
+                        </a:spcAft>
+                      </a:pPr>
+                      <a:r>
+                        <a:rPr sz="1100" b="0" i="0">
+                          <a:solidFill>
+                            <a:srgbClr val="202124"/>
+                          </a:solidFill>
+                          <a:latin typeface="Roboto"/>
+                          <a:ea typeface="Roboto"/>
+                        </a:rPr>
+                        <a:t>Data analytics</a:t>
+                      </a:r>
+                      <a:endParaRPr sz="1100" b="0" i="0">
+                        <a:solidFill>
+                          <a:srgbClr val="202124"/>
+                        </a:solidFill>
+                        <a:latin typeface="Roboto"/>
+                        <a:ea typeface="Roboto"/>
+                      </a:endParaRPr>
+                    </a:p>
+                  </a:txBody>
+                  <a:tcPr marL="0" marR="0" marT="0" marB="0" anchor="t" anchorCtr="0">
+                    <a:lnL w="9525" cap="flat" cmpd="sng">
+                      <a:solidFill>
+                        <a:srgbClr val="000000"/>
+                      </a:solidFill>
+                      <a:prstDash val="solid"/>
+                      <a:headEnd type="none" w="med" len="med"/>
+                      <a:tailEnd type="none" w="med" len="med"/>
+                    </a:lnL>
+                    <a:lnR w="9525" cap="flat" cmpd="sng">
+                      <a:solidFill>
+                        <a:srgbClr val="000000"/>
+                      </a:solidFill>
+                      <a:prstDash val="solid"/>
+                      <a:headEnd type="none" w="med" len="med"/>
+                      <a:tailEnd type="none" w="med" len="med"/>
+                    </a:lnR>
+                    <a:lnT w="9525" cap="flat" cmpd="sng">
+                      <a:solidFill>
+                        <a:srgbClr val="000000"/>
+                      </a:solidFill>
+                      <a:prstDash val="solid"/>
+                      <a:headEnd type="none" w="med" len="med"/>
+                      <a:tailEnd type="none" w="med" len="med"/>
+                    </a:lnT>
+                    <a:lnB w="9525" cap="flat" cmpd="sng">
+                      <a:solidFill>
+                        <a:srgbClr val="000000"/>
+                      </a:solidFill>
+                      <a:prstDash val="solid"/>
+                      <a:headEnd type="none" w="med" len="med"/>
+                      <a:tailEnd type="none" w="med" len="med"/>
+                    </a:lnB>
+                    <a:noFill/>
+                  </a:tcPr>
+                </a:tc>
+                <a:tc>
+                  <a:txBody>
+                    <a:bodyPr/>
+                    <a:p>
+                      <a:pPr marL="0" indent="0" algn="l" fontAlgn="t">
+                        <a:spcBef>
+                          <a:spcPct val="0"/>
+                        </a:spcBef>
+                        <a:spcAft>
+                          <a:spcPct val="0"/>
+                        </a:spcAft>
+                      </a:pPr>
+                      <a:r>
+                        <a:rPr sz="1100" b="0" i="0">
+                          <a:solidFill>
+                            <a:srgbClr val="202124"/>
+                          </a:solidFill>
+                          <a:latin typeface="Roboto"/>
+                          <a:ea typeface="Roboto"/>
+                        </a:rPr>
+                        <a:t>Data warehouse</a:t>
+                      </a:r>
+                      <a:endParaRPr sz="1100" b="0" i="0">
+                        <a:solidFill>
+                          <a:srgbClr val="202124"/>
+                        </a:solidFill>
+                        <a:latin typeface="Roboto"/>
+                        <a:ea typeface="Roboto"/>
+                      </a:endParaRPr>
+                    </a:p>
+                  </a:txBody>
+                  <a:tcPr marL="0" marR="0" marT="0" marB="0" anchor="t" anchorCtr="0">
+                    <a:lnL w="9525" cap="flat" cmpd="sng">
+                      <a:solidFill>
+                        <a:srgbClr val="000000"/>
+                      </a:solidFill>
+                      <a:prstDash val="solid"/>
+                      <a:headEnd type="none" w="med" len="med"/>
+                      <a:tailEnd type="none" w="med" len="med"/>
+                    </a:lnL>
+                    <a:lnR w="9525" cap="flat" cmpd="sng">
+                      <a:solidFill>
+                        <a:srgbClr val="000000"/>
+                      </a:solidFill>
+                      <a:prstDash val="solid"/>
+                      <a:headEnd type="none" w="med" len="med"/>
+                      <a:tailEnd type="none" w="med" len="med"/>
+                    </a:lnR>
+                    <a:lnT w="9525" cap="flat" cmpd="sng">
+                      <a:solidFill>
+                        <a:srgbClr val="000000"/>
+                      </a:solidFill>
+                      <a:prstDash val="solid"/>
+                      <a:headEnd type="none" w="med" len="med"/>
+                      <a:tailEnd type="none" w="med" len="med"/>
+                    </a:lnT>
+                    <a:lnB w="9525" cap="flat" cmpd="sng">
+                      <a:solidFill>
+                        <a:srgbClr val="000000"/>
+                      </a:solidFill>
+                      <a:prstDash val="solid"/>
+                      <a:headEnd type="none" w="med" len="med"/>
+                      <a:tailEnd type="none" w="med" len="med"/>
+                    </a:lnB>
+                    <a:noFill/>
+                  </a:tcPr>
+                </a:tc>
+                <a:tc>
+                  <a:txBody>
+                    <a:bodyPr/>
+                    <a:p>
+                      <a:pPr marL="0" indent="0" algn="l" fontAlgn="t" latinLnBrk="0">
+                        <a:spcBef>
+                          <a:spcPct val="0"/>
+                        </a:spcBef>
+                        <a:spcAft>
+                          <a:spcPct val="0"/>
+                        </a:spcAft>
+                      </a:pPr>
+                      <a:r>
+                        <a:rPr sz="1100" b="0" i="0">
+                          <a:solidFill>
+                            <a:srgbClr val="202124"/>
+                          </a:solidFill>
+                          <a:latin typeface="Roboto"/>
+                          <a:ea typeface="Roboto"/>
+                          <a:hlinkClick r:id="rId3"/>
+                        </a:rPr>
+                        <a:t>BigQuery</a:t>
+                      </a:r>
+                      <a:endParaRPr sz="1100" b="0" i="0">
+                        <a:solidFill>
+                          <a:srgbClr val="202124"/>
+                        </a:solidFill>
+                        <a:latin typeface="Roboto"/>
+                        <a:ea typeface="Roboto"/>
+                        <a:hlinkClick r:id="rId3"/>
+                      </a:endParaRPr>
+                    </a:p>
+                  </a:txBody>
+                  <a:tcPr marL="0" marR="0" marT="0" marB="0" anchor="t" anchorCtr="0">
+                    <a:lnL w="9525" cap="flat" cmpd="sng">
+                      <a:solidFill>
+                        <a:srgbClr val="000000"/>
+                      </a:solidFill>
+                      <a:prstDash val="solid"/>
+                      <a:headEnd type="none" w="med" len="med"/>
+                      <a:tailEnd type="none" w="med" len="med"/>
+                    </a:lnL>
+                    <a:lnR w="9525" cap="flat" cmpd="sng">
+                      <a:solidFill>
+                        <a:srgbClr val="000000"/>
+                      </a:solidFill>
+                      <a:prstDash val="solid"/>
+                      <a:headEnd type="none" w="med" len="med"/>
+                      <a:tailEnd type="none" w="med" len="med"/>
+                    </a:lnR>
+                    <a:lnT w="9525" cap="flat" cmpd="sng">
+                      <a:solidFill>
+                        <a:srgbClr val="000000"/>
+                      </a:solidFill>
+                      <a:prstDash val="solid"/>
+                      <a:headEnd type="none" w="med" len="med"/>
+                      <a:tailEnd type="none" w="med" len="med"/>
+                    </a:lnT>
+                    <a:lnB w="9525" cap="flat" cmpd="sng">
+                      <a:solidFill>
+                        <a:srgbClr val="000000"/>
+                      </a:solidFill>
+                      <a:prstDash val="solid"/>
+                      <a:headEnd type="none" w="med" len="med"/>
+                      <a:tailEnd type="none" w="med" len="med"/>
+                    </a:lnB>
+                    <a:noFill/>
+                  </a:tcPr>
+                </a:tc>
+                <a:tc>
+                  <a:txBody>
+                    <a:bodyPr/>
+                    <a:p>
+                      <a:pPr marL="0" indent="0" algn="l" fontAlgn="t">
+                        <a:spcBef>
+                          <a:spcPct val="0"/>
+                        </a:spcBef>
+                        <a:spcAft>
+                          <a:spcPct val="0"/>
+                        </a:spcAft>
+                      </a:pPr>
+                      <a:r>
+                        <a:rPr sz="1100" b="0" i="0">
+                          <a:solidFill>
+                            <a:srgbClr val="202124"/>
+                          </a:solidFill>
+                          <a:latin typeface="Roboto"/>
+                          <a:ea typeface="Roboto"/>
+                        </a:rPr>
+                        <a:t>Serverless, highly scalable, and cost-effective multi-cloud data warehouse designed for business agility.</a:t>
+                      </a:r>
+                      <a:endParaRPr sz="1100" b="0" i="0">
+                        <a:solidFill>
+                          <a:srgbClr val="202124"/>
+                        </a:solidFill>
+                        <a:latin typeface="Roboto"/>
+                        <a:ea typeface="Roboto"/>
+                      </a:endParaRPr>
+                    </a:p>
+                  </a:txBody>
+                  <a:tcPr marL="0" marR="0" marT="0" marB="0" anchor="t" anchorCtr="0">
+                    <a:lnL w="9525" cap="flat" cmpd="sng">
+                      <a:solidFill>
+                        <a:srgbClr val="000000"/>
+                      </a:solidFill>
+                      <a:prstDash val="solid"/>
+                      <a:headEnd type="none" w="med" len="med"/>
+                      <a:tailEnd type="none" w="med" len="med"/>
+                    </a:lnL>
+                    <a:lnR w="9525" cap="flat" cmpd="sng">
+                      <a:solidFill>
+                        <a:srgbClr val="000000"/>
+                      </a:solidFill>
+                      <a:prstDash val="solid"/>
+                      <a:headEnd type="none" w="med" len="med"/>
+                      <a:tailEnd type="none" w="med" len="med"/>
+                    </a:lnR>
+                    <a:lnT w="9525" cap="flat" cmpd="sng">
+                      <a:solidFill>
+                        <a:srgbClr val="000000"/>
+                      </a:solidFill>
+                      <a:prstDash val="solid"/>
+                      <a:headEnd type="none" w="med" len="med"/>
+                      <a:tailEnd type="none" w="med" len="med"/>
+                    </a:lnT>
+                    <a:lnB w="9525" cap="flat" cmpd="sng">
+                      <a:solidFill>
+                        <a:srgbClr val="000000"/>
+                      </a:solidFill>
+                      <a:prstDash val="solid"/>
+                      <a:headEnd type="none" w="med" len="med"/>
+                      <a:tailEnd type="none" w="med" len="med"/>
+                    </a:lnB>
+                    <a:noFill/>
+                  </a:tcPr>
+                </a:tc>
+                <a:tc>
+                  <a:txBody>
+                    <a:bodyPr/>
+                    <a:p>
+                      <a:pPr marL="0" indent="0" algn="l" fontAlgn="t">
+                        <a:spcBef>
+                          <a:spcPct val="0"/>
+                        </a:spcBef>
+                        <a:spcAft>
+                          <a:spcPct val="0"/>
+                        </a:spcAft>
+                      </a:pPr>
+                      <a:r>
+                        <a:rPr sz="1100" b="0" i="0">
+                          <a:solidFill>
+                            <a:srgbClr val="202124"/>
+                          </a:solidFill>
+                          <a:latin typeface="Roboto"/>
+                          <a:ea typeface="Roboto"/>
+                        </a:rPr>
+                        <a:t>Amazon Redshift</a:t>
+                      </a:r>
+                      <a:endParaRPr sz="1100" b="0" i="0">
+                        <a:solidFill>
+                          <a:srgbClr val="202124"/>
+                        </a:solidFill>
+                        <a:latin typeface="Roboto"/>
+                        <a:ea typeface="Roboto"/>
+                      </a:endParaRPr>
+                    </a:p>
+                  </a:txBody>
+                  <a:tcPr marL="0" marR="0" marT="0" marB="0" anchor="t" anchorCtr="0">
+                    <a:lnL w="9525" cap="flat" cmpd="sng">
+                      <a:solidFill>
+                        <a:srgbClr val="000000"/>
+                      </a:solidFill>
+                      <a:prstDash val="solid"/>
+                      <a:headEnd type="none" w="med" len="med"/>
+                      <a:tailEnd type="none" w="med" len="med"/>
+                    </a:lnL>
+                    <a:lnR w="9525" cap="flat" cmpd="sng">
+                      <a:solidFill>
+                        <a:srgbClr val="000000"/>
+                      </a:solidFill>
+                      <a:prstDash val="solid"/>
+                      <a:headEnd type="none" w="med" len="med"/>
+                      <a:tailEnd type="none" w="med" len="med"/>
+                    </a:lnR>
+                    <a:lnT w="9525" cap="flat" cmpd="sng">
+                      <a:solidFill>
+                        <a:srgbClr val="000000"/>
+                      </a:solidFill>
+                      <a:prstDash val="solid"/>
+                      <a:headEnd type="none" w="med" len="med"/>
+                      <a:tailEnd type="none" w="med" len="med"/>
+                    </a:lnT>
+                    <a:lnB w="9525" cap="flat" cmpd="sng">
+                      <a:solidFill>
+                        <a:srgbClr val="000000"/>
+                      </a:solidFill>
+                      <a:prstDash val="solid"/>
+                      <a:headEnd type="none" w="med" len="med"/>
+                      <a:tailEnd type="none" w="med" len="med"/>
+                    </a:lnB>
+                    <a:noFill/>
+                  </a:tcPr>
+                </a:tc>
+                <a:tc>
+                  <a:txBody>
+                    <a:bodyPr/>
+                    <a:p>
+                      <a:pPr marL="0" indent="0" algn="l" fontAlgn="t">
+                        <a:spcBef>
+                          <a:spcPct val="0"/>
+                        </a:spcBef>
+                        <a:spcAft>
+                          <a:spcPct val="0"/>
+                        </a:spcAft>
+                      </a:pPr>
+                      <a:r>
+                        <a:rPr sz="1100" b="0" i="0">
+                          <a:solidFill>
+                            <a:srgbClr val="202124"/>
+                          </a:solidFill>
+                          <a:latin typeface="Roboto"/>
+                          <a:ea typeface="Roboto"/>
+                        </a:rPr>
+                        <a:t>Azure Synapse Analytics</a:t>
+                      </a:r>
+                      <a:endParaRPr sz="1100" b="0" i="0">
+                        <a:solidFill>
+                          <a:srgbClr val="202124"/>
+                        </a:solidFill>
+                        <a:latin typeface="Roboto"/>
+                        <a:ea typeface="Roboto"/>
+                      </a:endParaRPr>
+                    </a:p>
+                  </a:txBody>
+                  <a:tcPr marL="0" marR="0" marT="0" marB="0" anchor="t" anchorCtr="0">
+                    <a:lnL w="9525" cap="flat" cmpd="sng">
+                      <a:solidFill>
+                        <a:srgbClr val="000000"/>
+                      </a:solidFill>
+                      <a:prstDash val="solid"/>
+                      <a:headEnd type="none" w="med" len="med"/>
+                      <a:tailEnd type="none" w="med" len="med"/>
+                    </a:lnL>
+                    <a:lnR w="9525" cap="flat" cmpd="sng">
+                      <a:solidFill>
+                        <a:srgbClr val="000000"/>
+                      </a:solidFill>
+                      <a:prstDash val="solid"/>
+                      <a:headEnd type="none" w="med" len="med"/>
+                      <a:tailEnd type="none" w="med" len="med"/>
+                    </a:lnR>
+                    <a:lnT w="9525" cap="flat" cmpd="sng">
+                      <a:solidFill>
+                        <a:srgbClr val="000000"/>
+                      </a:solidFill>
+                      <a:prstDash val="solid"/>
+                      <a:headEnd type="none" w="med" len="med"/>
+                      <a:tailEnd type="none" w="med" len="med"/>
+                    </a:lnT>
+                    <a:lnB w="9525" cap="flat" cmpd="sng">
+                      <a:solidFill>
+                        <a:srgbClr val="000000"/>
+                      </a:solidFill>
+                      <a:prstDash val="solid"/>
+                      <a:headEnd type="none" w="med" len="med"/>
+                      <a:tailEnd type="none" w="med" len="med"/>
+                    </a:lnB>
+                    <a:noFill/>
+                  </a:tcPr>
+                </a:tc>
+              </a:tr>
+              <a:tr h="0">
+                <a:tc>
+                  <a:txBody>
+                    <a:bodyPr/>
+                    <a:p>
+                      <a:pPr marL="0" indent="0" algn="l" fontAlgn="t">
+                        <a:spcBef>
+                          <a:spcPct val="0"/>
+                        </a:spcBef>
+                        <a:spcAft>
+                          <a:spcPct val="0"/>
+                        </a:spcAft>
+                      </a:pPr>
+                      <a:r>
+                        <a:rPr sz="1100" b="0" i="0">
+                          <a:solidFill>
+                            <a:srgbClr val="202124"/>
+                          </a:solidFill>
+                          <a:latin typeface="Roboto"/>
+                          <a:ea typeface="Roboto"/>
+                        </a:rPr>
+                        <a:t>Data analytics</a:t>
+                      </a:r>
+                      <a:endParaRPr sz="1100" b="0" i="0">
+                        <a:solidFill>
+                          <a:srgbClr val="202124"/>
+                        </a:solidFill>
+                        <a:latin typeface="Roboto"/>
+                        <a:ea typeface="Roboto"/>
+                      </a:endParaRPr>
+                    </a:p>
+                  </a:txBody>
+                  <a:tcPr marL="0" marR="0" marT="0" marB="0" anchor="t" anchorCtr="0">
+                    <a:lnL w="9525" cap="flat" cmpd="sng">
+                      <a:solidFill>
+                        <a:srgbClr val="000000"/>
+                      </a:solidFill>
+                      <a:prstDash val="solid"/>
+                      <a:headEnd type="none" w="med" len="med"/>
+                      <a:tailEnd type="none" w="med" len="med"/>
+                    </a:lnL>
+                    <a:lnR w="9525" cap="flat" cmpd="sng">
+                      <a:solidFill>
+                        <a:srgbClr val="000000"/>
+                      </a:solidFill>
+                      <a:prstDash val="solid"/>
+                      <a:headEnd type="none" w="med" len="med"/>
+                      <a:tailEnd type="none" w="med" len="med"/>
+                    </a:lnR>
+                    <a:lnT w="9525" cap="flat" cmpd="sng">
+                      <a:solidFill>
+                        <a:srgbClr val="000000"/>
+                      </a:solidFill>
+                      <a:prstDash val="solid"/>
+                      <a:headEnd type="none" w="med" len="med"/>
+                      <a:tailEnd type="none" w="med" len="med"/>
+                    </a:lnT>
+                    <a:lnB w="9525" cap="flat" cmpd="sng">
+                      <a:solidFill>
+                        <a:srgbClr val="000000"/>
+                      </a:solidFill>
+                      <a:prstDash val="solid"/>
+                      <a:headEnd type="none" w="med" len="med"/>
+                      <a:tailEnd type="none" w="med" len="med"/>
+                    </a:lnB>
+                    <a:noFill/>
+                  </a:tcPr>
+                </a:tc>
+                <a:tc>
+                  <a:txBody>
+                    <a:bodyPr/>
+                    <a:p>
+                      <a:pPr marL="0" indent="0" algn="l" fontAlgn="t">
+                        <a:spcBef>
+                          <a:spcPct val="0"/>
+                        </a:spcBef>
+                        <a:spcAft>
+                          <a:spcPct val="0"/>
+                        </a:spcAft>
+                      </a:pPr>
+                      <a:r>
+                        <a:rPr sz="1100" b="0" i="0">
+                          <a:solidFill>
+                            <a:srgbClr val="202124"/>
+                          </a:solidFill>
+                          <a:latin typeface="Roboto"/>
+                          <a:ea typeface="Roboto"/>
+                        </a:rPr>
+                        <a:t>Messaging</a:t>
+                      </a:r>
+                      <a:endParaRPr sz="1100" b="0" i="0">
+                        <a:solidFill>
+                          <a:srgbClr val="202124"/>
+                        </a:solidFill>
+                        <a:latin typeface="Roboto"/>
+                        <a:ea typeface="Roboto"/>
+                      </a:endParaRPr>
+                    </a:p>
+                  </a:txBody>
+                  <a:tcPr marL="0" marR="0" marT="0" marB="0" anchor="t" anchorCtr="0">
+                    <a:lnL w="9525" cap="flat" cmpd="sng">
+                      <a:solidFill>
+                        <a:srgbClr val="000000"/>
+                      </a:solidFill>
+                      <a:prstDash val="solid"/>
+                      <a:headEnd type="none" w="med" len="med"/>
+                      <a:tailEnd type="none" w="med" len="med"/>
+                    </a:lnL>
+                    <a:lnR w="9525" cap="flat" cmpd="sng">
+                      <a:solidFill>
+                        <a:srgbClr val="000000"/>
+                      </a:solidFill>
+                      <a:prstDash val="solid"/>
+                      <a:headEnd type="none" w="med" len="med"/>
+                      <a:tailEnd type="none" w="med" len="med"/>
+                    </a:lnR>
+                    <a:lnT w="9525" cap="flat" cmpd="sng">
+                      <a:solidFill>
+                        <a:srgbClr val="000000"/>
+                      </a:solidFill>
+                      <a:prstDash val="solid"/>
+                      <a:headEnd type="none" w="med" len="med"/>
+                      <a:tailEnd type="none" w="med" len="med"/>
+                    </a:lnT>
+                    <a:lnB w="9525" cap="flat" cmpd="sng">
+                      <a:solidFill>
+                        <a:srgbClr val="000000"/>
+                      </a:solidFill>
+                      <a:prstDash val="solid"/>
+                      <a:headEnd type="none" w="med" len="med"/>
+                      <a:tailEnd type="none" w="med" len="med"/>
+                    </a:lnB>
+                    <a:noFill/>
+                  </a:tcPr>
+                </a:tc>
+                <a:tc>
+                  <a:txBody>
+                    <a:bodyPr/>
+                    <a:p>
+                      <a:pPr marL="0" indent="0" algn="l" fontAlgn="t" latinLnBrk="0">
+                        <a:spcBef>
+                          <a:spcPct val="0"/>
+                        </a:spcBef>
+                        <a:spcAft>
+                          <a:spcPct val="0"/>
+                        </a:spcAft>
+                      </a:pPr>
+                      <a:r>
+                        <a:rPr sz="1100" b="0" i="0">
+                          <a:solidFill>
+                            <a:srgbClr val="202124"/>
+                          </a:solidFill>
+                          <a:latin typeface="Roboto"/>
+                          <a:ea typeface="Roboto"/>
+                          <a:hlinkClick r:id="rId4"/>
+                        </a:rPr>
+                        <a:t>Pub/Sub</a:t>
+                      </a:r>
+                      <a:endParaRPr sz="1100" b="0" i="0">
+                        <a:solidFill>
+                          <a:srgbClr val="202124"/>
+                        </a:solidFill>
+                        <a:latin typeface="Roboto"/>
+                        <a:ea typeface="Roboto"/>
+                        <a:hlinkClick r:id="rId4"/>
+                      </a:endParaRPr>
+                    </a:p>
+                  </a:txBody>
+                  <a:tcPr marL="0" marR="0" marT="0" marB="0" anchor="t" anchorCtr="0">
+                    <a:lnL w="9525" cap="flat" cmpd="sng">
+                      <a:solidFill>
+                        <a:srgbClr val="000000"/>
+                      </a:solidFill>
+                      <a:prstDash val="solid"/>
+                      <a:headEnd type="none" w="med" len="med"/>
+                      <a:tailEnd type="none" w="med" len="med"/>
+                    </a:lnL>
+                    <a:lnR w="9525" cap="flat" cmpd="sng">
+                      <a:solidFill>
+                        <a:srgbClr val="000000"/>
+                      </a:solidFill>
+                      <a:prstDash val="solid"/>
+                      <a:headEnd type="none" w="med" len="med"/>
+                      <a:tailEnd type="none" w="med" len="med"/>
+                    </a:lnR>
+                    <a:lnT w="9525" cap="flat" cmpd="sng">
+                      <a:solidFill>
+                        <a:srgbClr val="000000"/>
+                      </a:solidFill>
+                      <a:prstDash val="solid"/>
+                      <a:headEnd type="none" w="med" len="med"/>
+                      <a:tailEnd type="none" w="med" len="med"/>
+                    </a:lnT>
+                    <a:lnB w="9525" cap="flat" cmpd="sng">
+                      <a:solidFill>
+                        <a:srgbClr val="000000"/>
+                      </a:solidFill>
+                      <a:prstDash val="solid"/>
+                      <a:headEnd type="none" w="med" len="med"/>
+                      <a:tailEnd type="none" w="med" len="med"/>
+                    </a:lnB>
+                    <a:noFill/>
+                  </a:tcPr>
+                </a:tc>
+                <a:tc>
+                  <a:txBody>
+                    <a:bodyPr/>
+                    <a:p>
+                      <a:pPr marL="0" indent="0" algn="l" fontAlgn="t">
+                        <a:spcBef>
+                          <a:spcPct val="0"/>
+                        </a:spcBef>
+                        <a:spcAft>
+                          <a:spcPct val="0"/>
+                        </a:spcAft>
+                      </a:pPr>
+                      <a:r>
+                        <a:rPr sz="1100" b="0" i="0">
+                          <a:solidFill>
+                            <a:srgbClr val="202124"/>
+                          </a:solidFill>
+                          <a:latin typeface="Roboto"/>
+                          <a:ea typeface="Roboto"/>
+                        </a:rPr>
+                        <a:t>A highly scalable messaging service for publishing and subscribing.</a:t>
+                      </a:r>
+                      <a:endParaRPr sz="1100" b="0" i="0">
+                        <a:solidFill>
+                          <a:srgbClr val="202124"/>
+                        </a:solidFill>
+                        <a:latin typeface="Roboto"/>
+                        <a:ea typeface="Roboto"/>
+                      </a:endParaRPr>
+                    </a:p>
+                  </a:txBody>
+                  <a:tcPr marL="0" marR="0" marT="0" marB="0" anchor="t" anchorCtr="0">
+                    <a:lnL w="9525" cap="flat" cmpd="sng">
+                      <a:solidFill>
+                        <a:srgbClr val="000000"/>
+                      </a:solidFill>
+                      <a:prstDash val="solid"/>
+                      <a:headEnd type="none" w="med" len="med"/>
+                      <a:tailEnd type="none" w="med" len="med"/>
+                    </a:lnL>
+                    <a:lnR w="9525" cap="flat" cmpd="sng">
+                      <a:solidFill>
+                        <a:srgbClr val="000000"/>
+                      </a:solidFill>
+                      <a:prstDash val="solid"/>
+                      <a:headEnd type="none" w="med" len="med"/>
+                      <a:tailEnd type="none" w="med" len="med"/>
+                    </a:lnR>
+                    <a:lnT w="9525" cap="flat" cmpd="sng">
+                      <a:solidFill>
+                        <a:srgbClr val="000000"/>
+                      </a:solidFill>
+                      <a:prstDash val="solid"/>
+                      <a:headEnd type="none" w="med" len="med"/>
+                      <a:tailEnd type="none" w="med" len="med"/>
+                    </a:lnT>
+                    <a:lnB w="9525" cap="flat" cmpd="sng">
+                      <a:solidFill>
+                        <a:srgbClr val="000000"/>
+                      </a:solidFill>
+                      <a:prstDash val="solid"/>
+                      <a:headEnd type="none" w="med" len="med"/>
+                      <a:tailEnd type="none" w="med" len="med"/>
+                    </a:lnB>
+                    <a:noFill/>
+                  </a:tcPr>
+                </a:tc>
+                <a:tc>
+                  <a:txBody>
+                    <a:bodyPr/>
+                    <a:p>
+                      <a:pPr marL="0" indent="0" algn="l" fontAlgn="t">
+                        <a:spcBef>
+                          <a:spcPct val="0"/>
+                        </a:spcBef>
+                        <a:spcAft>
+                          <a:spcPct val="0"/>
+                        </a:spcAft>
+                      </a:pPr>
+                      <a:r>
+                        <a:rPr sz="1100" b="0" i="0">
+                          <a:solidFill>
+                            <a:srgbClr val="202124"/>
+                          </a:solidFill>
+                          <a:latin typeface="Roboto"/>
+                          <a:ea typeface="Roboto"/>
+                        </a:rPr>
+                        <a:t>Amazon Kinesis Data Streams, Amazon MQ</a:t>
+                      </a:r>
+                      <a:endParaRPr sz="1100" b="0" i="0">
+                        <a:solidFill>
+                          <a:srgbClr val="202124"/>
+                        </a:solidFill>
+                        <a:latin typeface="Roboto"/>
+                        <a:ea typeface="Roboto"/>
+                      </a:endParaRPr>
+                    </a:p>
+                  </a:txBody>
+                  <a:tcPr marL="0" marR="0" marT="0" marB="0" anchor="t" anchorCtr="0">
+                    <a:lnL w="9525" cap="flat" cmpd="sng">
+                      <a:solidFill>
+                        <a:srgbClr val="000000"/>
+                      </a:solidFill>
+                      <a:prstDash val="solid"/>
+                      <a:headEnd type="none" w="med" len="med"/>
+                      <a:tailEnd type="none" w="med" len="med"/>
+                    </a:lnL>
+                    <a:lnR w="9525" cap="flat" cmpd="sng">
+                      <a:solidFill>
+                        <a:srgbClr val="000000"/>
+                      </a:solidFill>
+                      <a:prstDash val="solid"/>
+                      <a:headEnd type="none" w="med" len="med"/>
+                      <a:tailEnd type="none" w="med" len="med"/>
+                    </a:lnR>
+                    <a:lnT w="9525" cap="flat" cmpd="sng">
+                      <a:solidFill>
+                        <a:srgbClr val="000000"/>
+                      </a:solidFill>
+                      <a:prstDash val="solid"/>
+                      <a:headEnd type="none" w="med" len="med"/>
+                      <a:tailEnd type="none" w="med" len="med"/>
+                    </a:lnT>
+                    <a:lnB w="9525" cap="flat" cmpd="sng">
+                      <a:solidFill>
+                        <a:srgbClr val="000000"/>
+                      </a:solidFill>
+                      <a:prstDash val="solid"/>
+                      <a:headEnd type="none" w="med" len="med"/>
+                      <a:tailEnd type="none" w="med" len="med"/>
+                    </a:lnB>
+                    <a:noFill/>
+                  </a:tcPr>
+                </a:tc>
+                <a:tc>
+                  <a:txBody>
+                    <a:bodyPr/>
+                    <a:p>
+                      <a:pPr marL="0" indent="0" algn="l" fontAlgn="t">
+                        <a:spcBef>
+                          <a:spcPct val="0"/>
+                        </a:spcBef>
+                        <a:spcAft>
+                          <a:spcPct val="0"/>
+                        </a:spcAft>
+                      </a:pPr>
+                      <a:r>
+                        <a:rPr sz="1100" b="0" i="0">
+                          <a:solidFill>
+                            <a:srgbClr val="202124"/>
+                          </a:solidFill>
+                          <a:latin typeface="Roboto"/>
+                          <a:ea typeface="Roboto"/>
+                        </a:rPr>
+                        <a:t>Azure Service Bus Messaging</a:t>
+                      </a:r>
+                      <a:endParaRPr sz="1100" b="0" i="0">
+                        <a:solidFill>
+                          <a:srgbClr val="202124"/>
+                        </a:solidFill>
+                        <a:latin typeface="Roboto"/>
+                        <a:ea typeface="Roboto"/>
+                      </a:endParaRPr>
+                    </a:p>
+                  </a:txBody>
+                  <a:tcPr marL="0" marR="0" marT="0" marB="0" anchor="t" anchorCtr="0">
+                    <a:lnL w="9525" cap="flat" cmpd="sng">
+                      <a:solidFill>
+                        <a:srgbClr val="000000"/>
+                      </a:solidFill>
+                      <a:prstDash val="solid"/>
+                      <a:headEnd type="none" w="med" len="med"/>
+                      <a:tailEnd type="none" w="med" len="med"/>
+                    </a:lnL>
+                    <a:lnR w="9525" cap="flat" cmpd="sng">
+                      <a:solidFill>
+                        <a:srgbClr val="000000"/>
+                      </a:solidFill>
+                      <a:prstDash val="solid"/>
+                      <a:headEnd type="none" w="med" len="med"/>
+                      <a:tailEnd type="none" w="med" len="med"/>
+                    </a:lnR>
+                    <a:lnT w="9525" cap="flat" cmpd="sng">
+                      <a:solidFill>
+                        <a:srgbClr val="000000"/>
+                      </a:solidFill>
+                      <a:prstDash val="solid"/>
+                      <a:headEnd type="none" w="med" len="med"/>
+                      <a:tailEnd type="none" w="med" len="med"/>
+                    </a:lnT>
+                    <a:lnB w="9525" cap="flat" cmpd="sng">
+                      <a:solidFill>
+                        <a:srgbClr val="000000"/>
+                      </a:solidFill>
+                      <a:prstDash val="solid"/>
+                      <a:headEnd type="none" w="med" len="med"/>
+                      <a:tailEnd type="none" w="med" len="med"/>
+                    </a:lnB>
+                    <a:noFill/>
+                  </a:tcPr>
+                </a:tc>
+              </a:tr>
+              <a:tr h="0">
+                <a:tc>
+                  <a:txBody>
+                    <a:bodyPr/>
+                    <a:p>
+                      <a:pPr marL="0" indent="0" algn="l" fontAlgn="t">
+                        <a:spcBef>
+                          <a:spcPct val="0"/>
+                        </a:spcBef>
+                        <a:spcAft>
+                          <a:spcPct val="0"/>
+                        </a:spcAft>
+                      </a:pPr>
+                      <a:r>
+                        <a:rPr sz="1100" b="0" i="0">
+                          <a:solidFill>
+                            <a:srgbClr val="202124"/>
+                          </a:solidFill>
+                          <a:latin typeface="Roboto"/>
+                          <a:ea typeface="Roboto"/>
+                        </a:rPr>
+                        <a:t>Data analytics</a:t>
+                      </a:r>
+                      <a:endParaRPr sz="1100" b="0" i="0">
+                        <a:solidFill>
+                          <a:srgbClr val="202124"/>
+                        </a:solidFill>
+                        <a:latin typeface="Roboto"/>
+                        <a:ea typeface="Roboto"/>
+                      </a:endParaRPr>
+                    </a:p>
+                  </a:txBody>
+                  <a:tcPr marL="0" marR="0" marT="0" marB="0" anchor="t" anchorCtr="0">
+                    <a:lnL w="9525" cap="flat" cmpd="sng">
+                      <a:solidFill>
+                        <a:srgbClr val="000000"/>
+                      </a:solidFill>
+                      <a:prstDash val="solid"/>
+                      <a:headEnd type="none" w="med" len="med"/>
+                      <a:tailEnd type="none" w="med" len="med"/>
+                    </a:lnL>
+                    <a:lnR w="9525" cap="flat" cmpd="sng">
+                      <a:solidFill>
+                        <a:srgbClr val="000000"/>
+                      </a:solidFill>
+                      <a:prstDash val="solid"/>
+                      <a:headEnd type="none" w="med" len="med"/>
+                      <a:tailEnd type="none" w="med" len="med"/>
+                    </a:lnR>
+                    <a:lnT w="9525" cap="flat" cmpd="sng">
+                      <a:solidFill>
+                        <a:srgbClr val="000000"/>
+                      </a:solidFill>
+                      <a:prstDash val="solid"/>
+                      <a:headEnd type="none" w="med" len="med"/>
+                      <a:tailEnd type="none" w="med" len="med"/>
+                    </a:lnT>
+                    <a:lnB w="9525" cap="flat" cmpd="sng">
+                      <a:solidFill>
+                        <a:srgbClr val="000000"/>
+                      </a:solidFill>
+                      <a:prstDash val="solid"/>
+                      <a:headEnd type="none" w="med" len="med"/>
+                      <a:tailEnd type="none" w="med" len="med"/>
+                    </a:lnB>
+                    <a:noFill/>
+                  </a:tcPr>
+                </a:tc>
+                <a:tc>
+                  <a:txBody>
+                    <a:bodyPr/>
+                    <a:p>
+                      <a:pPr marL="0" indent="0" algn="l" fontAlgn="t">
+                        <a:spcBef>
+                          <a:spcPct val="0"/>
+                        </a:spcBef>
+                        <a:spcAft>
+                          <a:spcPct val="0"/>
+                        </a:spcAft>
+                      </a:pPr>
+                      <a:r>
+                        <a:rPr sz="1100" b="0" i="0">
+                          <a:solidFill>
+                            <a:srgbClr val="202124"/>
+                          </a:solidFill>
+                          <a:latin typeface="Roboto"/>
+                          <a:ea typeface="Roboto"/>
+                        </a:rPr>
+                        <a:t>Query service</a:t>
+                      </a:r>
+                      <a:endParaRPr sz="1100" b="0" i="0">
+                        <a:solidFill>
+                          <a:srgbClr val="202124"/>
+                        </a:solidFill>
+                        <a:latin typeface="Roboto"/>
+                        <a:ea typeface="Roboto"/>
+                      </a:endParaRPr>
+                    </a:p>
+                  </a:txBody>
+                  <a:tcPr marL="0" marR="0" marT="0" marB="0" anchor="t" anchorCtr="0">
+                    <a:lnL w="9525" cap="flat" cmpd="sng">
+                      <a:solidFill>
+                        <a:srgbClr val="000000"/>
+                      </a:solidFill>
+                      <a:prstDash val="solid"/>
+                      <a:headEnd type="none" w="med" len="med"/>
+                      <a:tailEnd type="none" w="med" len="med"/>
+                    </a:lnL>
+                    <a:lnR w="9525" cap="flat" cmpd="sng">
+                      <a:solidFill>
+                        <a:srgbClr val="000000"/>
+                      </a:solidFill>
+                      <a:prstDash val="solid"/>
+                      <a:headEnd type="none" w="med" len="med"/>
+                      <a:tailEnd type="none" w="med" len="med"/>
+                    </a:lnR>
+                    <a:lnT w="9525" cap="flat" cmpd="sng">
+                      <a:solidFill>
+                        <a:srgbClr val="000000"/>
+                      </a:solidFill>
+                      <a:prstDash val="solid"/>
+                      <a:headEnd type="none" w="med" len="med"/>
+                      <a:tailEnd type="none" w="med" len="med"/>
+                    </a:lnT>
+                    <a:lnB w="9525" cap="flat" cmpd="sng">
+                      <a:solidFill>
+                        <a:srgbClr val="000000"/>
+                      </a:solidFill>
+                      <a:prstDash val="solid"/>
+                      <a:headEnd type="none" w="med" len="med"/>
+                      <a:tailEnd type="none" w="med" len="med"/>
+                    </a:lnB>
+                    <a:noFill/>
+                  </a:tcPr>
+                </a:tc>
+                <a:tc>
+                  <a:txBody>
+                    <a:bodyPr/>
+                    <a:p>
+                      <a:pPr marL="0" indent="0" algn="l" fontAlgn="t" latinLnBrk="0">
+                        <a:spcBef>
+                          <a:spcPct val="0"/>
+                        </a:spcBef>
+                        <a:spcAft>
+                          <a:spcPct val="0"/>
+                        </a:spcAft>
+                      </a:pPr>
+                      <a:r>
+                        <a:rPr sz="1100" b="0" i="0">
+                          <a:solidFill>
+                            <a:srgbClr val="202124"/>
+                          </a:solidFill>
+                          <a:latin typeface="Roboto"/>
+                          <a:ea typeface="Roboto"/>
+                          <a:hlinkClick r:id="rId3"/>
+                        </a:rPr>
+                        <a:t>BigQuery</a:t>
+                      </a:r>
+                      <a:endParaRPr sz="1100" b="0" i="0">
+                        <a:solidFill>
+                          <a:srgbClr val="202124"/>
+                        </a:solidFill>
+                        <a:latin typeface="Roboto"/>
+                        <a:ea typeface="Roboto"/>
+                        <a:hlinkClick r:id="rId3"/>
+                      </a:endParaRPr>
+                    </a:p>
+                  </a:txBody>
+                  <a:tcPr marL="0" marR="0" marT="0" marB="0" anchor="t" anchorCtr="0">
+                    <a:lnL w="9525" cap="flat" cmpd="sng">
+                      <a:solidFill>
+                        <a:srgbClr val="000000"/>
+                      </a:solidFill>
+                      <a:prstDash val="solid"/>
+                      <a:headEnd type="none" w="med" len="med"/>
+                      <a:tailEnd type="none" w="med" len="med"/>
+                    </a:lnL>
+                    <a:lnR w="9525" cap="flat" cmpd="sng">
+                      <a:solidFill>
+                        <a:srgbClr val="000000"/>
+                      </a:solidFill>
+                      <a:prstDash val="solid"/>
+                      <a:headEnd type="none" w="med" len="med"/>
+                      <a:tailEnd type="none" w="med" len="med"/>
+                    </a:lnR>
+                    <a:lnT w="9525" cap="flat" cmpd="sng">
+                      <a:solidFill>
+                        <a:srgbClr val="000000"/>
+                      </a:solidFill>
+                      <a:prstDash val="solid"/>
+                      <a:headEnd type="none" w="med" len="med"/>
+                      <a:tailEnd type="none" w="med" len="med"/>
+                    </a:lnT>
+                    <a:lnB w="9525" cap="flat" cmpd="sng">
+                      <a:solidFill>
+                        <a:srgbClr val="000000"/>
+                      </a:solidFill>
+                      <a:prstDash val="solid"/>
+                      <a:headEnd type="none" w="med" len="med"/>
+                      <a:tailEnd type="none" w="med" len="med"/>
+                    </a:lnB>
+                    <a:noFill/>
+                  </a:tcPr>
+                </a:tc>
+                <a:tc>
+                  <a:txBody>
+                    <a:bodyPr/>
+                    <a:p>
+                      <a:pPr marL="0" indent="0" algn="l" fontAlgn="t">
+                        <a:spcBef>
+                          <a:spcPct val="0"/>
+                        </a:spcBef>
+                        <a:spcAft>
+                          <a:spcPct val="0"/>
+                        </a:spcAft>
+                      </a:pPr>
+                      <a:r>
+                        <a:rPr sz="1100" b="0" i="0">
+                          <a:solidFill>
+                            <a:srgbClr val="202124"/>
+                          </a:solidFill>
+                          <a:latin typeface="Roboto"/>
+                          <a:ea typeface="Roboto"/>
+                        </a:rPr>
+                        <a:t>Analyze petabytes of data at scale using ANSI SQL and gain significantly lower three-year total cost of ownership (TCO) than competing cloud data warehouses.</a:t>
+                      </a:r>
+                      <a:endParaRPr sz="1100" b="0" i="0">
+                        <a:solidFill>
+                          <a:srgbClr val="202124"/>
+                        </a:solidFill>
+                        <a:latin typeface="Roboto"/>
+                        <a:ea typeface="Roboto"/>
+                      </a:endParaRPr>
+                    </a:p>
+                  </a:txBody>
+                  <a:tcPr marL="0" marR="0" marT="0" marB="0" anchor="t" anchorCtr="0">
+                    <a:lnL w="9525" cap="flat" cmpd="sng">
+                      <a:solidFill>
+                        <a:srgbClr val="000000"/>
+                      </a:solidFill>
+                      <a:prstDash val="solid"/>
+                      <a:headEnd type="none" w="med" len="med"/>
+                      <a:tailEnd type="none" w="med" len="med"/>
+                    </a:lnL>
+                    <a:lnR w="9525" cap="flat" cmpd="sng">
+                      <a:solidFill>
+                        <a:srgbClr val="000000"/>
+                      </a:solidFill>
+                      <a:prstDash val="solid"/>
+                      <a:headEnd type="none" w="med" len="med"/>
+                      <a:tailEnd type="none" w="med" len="med"/>
+                    </a:lnR>
+                    <a:lnT w="9525" cap="flat" cmpd="sng">
+                      <a:solidFill>
+                        <a:srgbClr val="000000"/>
+                      </a:solidFill>
+                      <a:prstDash val="solid"/>
+                      <a:headEnd type="none" w="med" len="med"/>
+                      <a:tailEnd type="none" w="med" len="med"/>
+                    </a:lnT>
+                    <a:lnB w="9525" cap="flat" cmpd="sng">
+                      <a:solidFill>
+                        <a:srgbClr val="000000"/>
+                      </a:solidFill>
+                      <a:prstDash val="solid"/>
+                      <a:headEnd type="none" w="med" len="med"/>
+                      <a:tailEnd type="none" w="med" len="med"/>
+                    </a:lnB>
+                    <a:noFill/>
+                  </a:tcPr>
+                </a:tc>
+                <a:tc>
+                  <a:txBody>
+                    <a:bodyPr/>
+                    <a:p>
+                      <a:pPr marL="0" indent="0" algn="l" fontAlgn="t">
+                        <a:spcBef>
+                          <a:spcPct val="0"/>
+                        </a:spcBef>
+                        <a:spcAft>
+                          <a:spcPct val="0"/>
+                        </a:spcAft>
+                      </a:pPr>
+                      <a:r>
+                        <a:rPr sz="1100" b="0" i="0">
+                          <a:solidFill>
+                            <a:srgbClr val="202124"/>
+                          </a:solidFill>
+                          <a:latin typeface="Roboto"/>
+                          <a:ea typeface="Roboto"/>
+                        </a:rPr>
+                        <a:t>Amazon Athena</a:t>
+                      </a:r>
+                      <a:endParaRPr sz="1100" b="0" i="0">
+                        <a:solidFill>
+                          <a:srgbClr val="202124"/>
+                        </a:solidFill>
+                        <a:latin typeface="Roboto"/>
+                        <a:ea typeface="Roboto"/>
+                      </a:endParaRPr>
+                    </a:p>
+                  </a:txBody>
+                  <a:tcPr marL="0" marR="0" marT="0" marB="0" anchor="t" anchorCtr="0">
+                    <a:lnL w="9525" cap="flat" cmpd="sng">
+                      <a:solidFill>
+                        <a:srgbClr val="000000"/>
+                      </a:solidFill>
+                      <a:prstDash val="solid"/>
+                      <a:headEnd type="none" w="med" len="med"/>
+                      <a:tailEnd type="none" w="med" len="med"/>
+                    </a:lnL>
+                    <a:lnR w="9525" cap="flat" cmpd="sng">
+                      <a:solidFill>
+                        <a:srgbClr val="000000"/>
+                      </a:solidFill>
+                      <a:prstDash val="solid"/>
+                      <a:headEnd type="none" w="med" len="med"/>
+                      <a:tailEnd type="none" w="med" len="med"/>
+                    </a:lnR>
+                    <a:lnT w="9525" cap="flat" cmpd="sng">
+                      <a:solidFill>
+                        <a:srgbClr val="000000"/>
+                      </a:solidFill>
+                      <a:prstDash val="solid"/>
+                      <a:headEnd type="none" w="med" len="med"/>
+                      <a:tailEnd type="none" w="med" len="med"/>
+                    </a:lnT>
+                    <a:lnB w="9525" cap="flat" cmpd="sng">
+                      <a:solidFill>
+                        <a:srgbClr val="000000"/>
+                      </a:solidFill>
+                      <a:prstDash val="solid"/>
+                      <a:headEnd type="none" w="med" len="med"/>
+                      <a:tailEnd type="none" w="med" len="med"/>
+                    </a:lnB>
+                    <a:noFill/>
+                  </a:tcPr>
+                </a:tc>
+                <a:tc>
+                  <a:txBody>
+                    <a:bodyPr/>
+                    <a:p>
+                      <a:pPr marL="0" indent="0" algn="l" fontAlgn="t">
+                        <a:spcBef>
+                          <a:spcPct val="0"/>
+                        </a:spcBef>
+                        <a:spcAft>
+                          <a:spcPct val="0"/>
+                        </a:spcAft>
+                      </a:pPr>
+                      <a:r>
+                        <a:rPr sz="1100" b="0" i="0">
+                          <a:solidFill>
+                            <a:srgbClr val="202124"/>
+                          </a:solidFill>
+                          <a:latin typeface="Roboto"/>
+                          <a:ea typeface="Roboto"/>
+                        </a:rPr>
+                        <a:t>Microsoft Fabric</a:t>
+                      </a:r>
+                      <a:endParaRPr sz="1100" b="0" i="0">
+                        <a:solidFill>
+                          <a:srgbClr val="202124"/>
+                        </a:solidFill>
+                        <a:latin typeface="Roboto"/>
+                        <a:ea typeface="Roboto"/>
+                      </a:endParaRPr>
+                    </a:p>
+                  </a:txBody>
+                  <a:tcPr marL="0" marR="0" marT="0" marB="0" anchor="t" anchorCtr="0">
+                    <a:lnL w="9525" cap="flat" cmpd="sng">
+                      <a:solidFill>
+                        <a:srgbClr val="000000"/>
+                      </a:solidFill>
+                      <a:prstDash val="solid"/>
+                      <a:headEnd type="none" w="med" len="med"/>
+                      <a:tailEnd type="none" w="med" len="med"/>
+                    </a:lnL>
+                    <a:lnR w="9525" cap="flat" cmpd="sng">
+                      <a:solidFill>
+                        <a:srgbClr val="000000"/>
+                      </a:solidFill>
+                      <a:prstDash val="solid"/>
+                      <a:headEnd type="none" w="med" len="med"/>
+                      <a:tailEnd type="none" w="med" len="med"/>
+                    </a:lnR>
+                    <a:lnT w="9525" cap="flat" cmpd="sng">
+                      <a:solidFill>
+                        <a:srgbClr val="000000"/>
+                      </a:solidFill>
+                      <a:prstDash val="solid"/>
+                      <a:headEnd type="none" w="med" len="med"/>
+                      <a:tailEnd type="none" w="med" len="med"/>
+                    </a:lnT>
+                    <a:lnB w="9525" cap="flat" cmpd="sng">
+                      <a:solidFill>
+                        <a:srgbClr val="000000"/>
+                      </a:solidFill>
+                      <a:prstDash val="solid"/>
+                      <a:headEnd type="none" w="med" len="med"/>
+                      <a:tailEnd type="none" w="med" len="med"/>
+                    </a:lnB>
+                    <a:noFill/>
+                  </a:tcPr>
+                </a:tc>
+              </a:tr>
+            </a:tbl>
+          </a:graphicData>
+        </a:graphic>
+      </p:graphicFrame>
+      <p:sp>
+        <p:nvSpPr>
+          <p:cNvPr id="4" name="Text Box 3"/>
+          <p:cNvSpPr txBox="1"/>
+          <p:nvPr/>
+        </p:nvSpPr>
+        <p:spPr>
+          <a:xfrm>
+            <a:off x="748665" y="0"/>
+            <a:ext cx="9147810" cy="368300"/>
+          </a:xfrm>
+          <a:prstGeom prst="rect">
+            <a:avLst/>
+          </a:prstGeom>
+          <a:noFill/>
+        </p:spPr>
+        <p:txBody>
+          <a:bodyPr wrap="square" rtlCol="0" anchor="t">
+            <a:spAutoFit/>
+          </a:bodyPr>
+          <a:p>
+            <a:r>
+              <a:rPr lang="en-US" altLang="en-US"/>
+              <a:t>https://cloud.google.com/docs/get-started/aws-azure-gcp-service-comparison</a:t>
+            </a:r>
+            <a:endParaRPr lang="en-US"/>
+          </a:p>
+        </p:txBody>
+      </p:sp>
+      <p:graphicFrame>
+        <p:nvGraphicFramePr>
+          <p:cNvPr id="5" name="Table 4"/>
+          <p:cNvGraphicFramePr/>
+          <p:nvPr/>
+        </p:nvGraphicFramePr>
+        <p:xfrm>
+          <a:off x="529590" y="3771900"/>
+          <a:ext cx="10485120" cy="0"/>
+        </p:xfrm>
+        <a:graphic>
+          <a:graphicData uri="http://schemas.openxmlformats.org/drawingml/2006/table">
+            <a:tbl>
+              <a:tblPr/>
+              <a:tblGrid>
+                <a:gridCol w="1747520"/>
+                <a:gridCol w="1747520"/>
+                <a:gridCol w="1747520"/>
+                <a:gridCol w="1747520"/>
+                <a:gridCol w="1747520"/>
+                <a:gridCol w="1747520"/>
+              </a:tblGrid>
+              <a:tr h="0">
+                <a:tc>
+                  <a:txBody>
+                    <a:bodyPr/>
+                    <a:p>
+                      <a:pPr marL="0" indent="0" algn="l" fontAlgn="t">
+                        <a:spcBef>
+                          <a:spcPct val="0"/>
+                        </a:spcBef>
+                        <a:spcAft>
+                          <a:spcPct val="0"/>
+                        </a:spcAft>
+                      </a:pPr>
+                      <a:r>
+                        <a:rPr sz="1100" b="0" i="0">
+                          <a:solidFill>
+                            <a:srgbClr val="202124"/>
+                          </a:solidFill>
+                          <a:latin typeface="Roboto"/>
+                          <a:ea typeface="Roboto"/>
+                        </a:rPr>
+                        <a:t>Data analytics</a:t>
+                      </a:r>
+                      <a:endParaRPr sz="1100" b="0" i="0">
+                        <a:solidFill>
+                          <a:srgbClr val="202124"/>
+                        </a:solidFill>
+                        <a:latin typeface="Roboto"/>
+                        <a:ea typeface="Roboto"/>
+                      </a:endParaRPr>
+                    </a:p>
+                  </a:txBody>
+                  <a:tcPr marL="0" marR="0" marT="0" marB="0" anchor="t" anchorCtr="0">
+                    <a:lnL w="9525" cap="flat" cmpd="sng">
+                      <a:solidFill>
+                        <a:srgbClr val="000000"/>
+                      </a:solidFill>
+                      <a:prstDash val="solid"/>
+                      <a:headEnd type="none" w="med" len="med"/>
+                      <a:tailEnd type="none" w="med" len="med"/>
+                    </a:lnL>
+                    <a:lnR w="9525" cap="flat" cmpd="sng">
+                      <a:solidFill>
+                        <a:srgbClr val="000000"/>
+                      </a:solidFill>
+                      <a:prstDash val="solid"/>
+                      <a:headEnd type="none" w="med" len="med"/>
+                      <a:tailEnd type="none" w="med" len="med"/>
+                    </a:lnR>
+                    <a:lnT w="9525" cap="flat" cmpd="sng">
+                      <a:solidFill>
+                        <a:srgbClr val="000000"/>
+                      </a:solidFill>
+                      <a:prstDash val="solid"/>
+                      <a:headEnd type="none" w="med" len="med"/>
+                      <a:tailEnd type="none" w="med" len="med"/>
+                    </a:lnT>
+                    <a:lnB w="9525" cap="flat" cmpd="sng">
+                      <a:solidFill>
+                        <a:srgbClr val="000000"/>
+                      </a:solidFill>
+                      <a:prstDash val="solid"/>
+                      <a:headEnd type="none" w="med" len="med"/>
+                      <a:tailEnd type="none" w="med" len="med"/>
+                    </a:lnB>
+                    <a:noFill/>
+                  </a:tcPr>
+                </a:tc>
+                <a:tc>
+                  <a:txBody>
+                    <a:bodyPr/>
+                    <a:p>
+                      <a:pPr marL="0" indent="0" algn="l" fontAlgn="t">
+                        <a:spcBef>
+                          <a:spcPct val="0"/>
+                        </a:spcBef>
+                        <a:spcAft>
+                          <a:spcPct val="0"/>
+                        </a:spcAft>
+                      </a:pPr>
+                      <a:r>
+                        <a:rPr sz="1100" b="0" i="0">
+                          <a:solidFill>
+                            <a:srgbClr val="202124"/>
+                          </a:solidFill>
+                          <a:latin typeface="Roboto"/>
+                          <a:ea typeface="Roboto"/>
+                        </a:rPr>
+                        <a:t>Stream data processing</a:t>
+                      </a:r>
+                      <a:endParaRPr sz="1100" b="0" i="0">
+                        <a:solidFill>
+                          <a:srgbClr val="202124"/>
+                        </a:solidFill>
+                        <a:latin typeface="Roboto"/>
+                        <a:ea typeface="Roboto"/>
+                      </a:endParaRPr>
+                    </a:p>
+                  </a:txBody>
+                  <a:tcPr marL="0" marR="0" marT="0" marB="0" anchor="t" anchorCtr="0">
+                    <a:lnL w="9525" cap="flat" cmpd="sng">
+                      <a:solidFill>
+                        <a:srgbClr val="000000"/>
+                      </a:solidFill>
+                      <a:prstDash val="solid"/>
+                      <a:headEnd type="none" w="med" len="med"/>
+                      <a:tailEnd type="none" w="med" len="med"/>
+                    </a:lnL>
+                    <a:lnR w="9525" cap="flat" cmpd="sng">
+                      <a:solidFill>
+                        <a:srgbClr val="000000"/>
+                      </a:solidFill>
+                      <a:prstDash val="solid"/>
+                      <a:headEnd type="none" w="med" len="med"/>
+                      <a:tailEnd type="none" w="med" len="med"/>
+                    </a:lnR>
+                    <a:lnT w="9525" cap="flat" cmpd="sng">
+                      <a:solidFill>
+                        <a:srgbClr val="000000"/>
+                      </a:solidFill>
+                      <a:prstDash val="solid"/>
+                      <a:headEnd type="none" w="med" len="med"/>
+                      <a:tailEnd type="none" w="med" len="med"/>
+                    </a:lnT>
+                    <a:lnB w="9525" cap="flat" cmpd="sng">
+                      <a:solidFill>
+                        <a:srgbClr val="000000"/>
+                      </a:solidFill>
+                      <a:prstDash val="solid"/>
+                      <a:headEnd type="none" w="med" len="med"/>
+                      <a:tailEnd type="none" w="med" len="med"/>
+                    </a:lnB>
+                    <a:noFill/>
+                  </a:tcPr>
+                </a:tc>
+                <a:tc>
+                  <a:txBody>
+                    <a:bodyPr/>
+                    <a:p>
+                      <a:pPr marL="0" indent="0" algn="l" fontAlgn="t" latinLnBrk="0">
+                        <a:spcBef>
+                          <a:spcPct val="0"/>
+                        </a:spcBef>
+                        <a:spcAft>
+                          <a:spcPct val="0"/>
+                        </a:spcAft>
+                      </a:pPr>
+                      <a:r>
+                        <a:rPr sz="1100" b="0" i="0">
+                          <a:solidFill>
+                            <a:srgbClr val="202124"/>
+                          </a:solidFill>
+                          <a:latin typeface="Roboto"/>
+                          <a:ea typeface="Roboto"/>
+                          <a:hlinkClick r:id="rId5"/>
+                        </a:rPr>
+                        <a:t>Dataflow</a:t>
+                      </a:r>
+                      <a:endParaRPr sz="1100" b="0" i="0">
+                        <a:solidFill>
+                          <a:srgbClr val="202124"/>
+                        </a:solidFill>
+                        <a:latin typeface="Roboto"/>
+                        <a:ea typeface="Roboto"/>
+                        <a:hlinkClick r:id="rId5"/>
+                      </a:endParaRPr>
+                    </a:p>
+                  </a:txBody>
+                  <a:tcPr marL="0" marR="0" marT="0" marB="0" anchor="t" anchorCtr="0">
+                    <a:lnL w="9525" cap="flat" cmpd="sng">
+                      <a:solidFill>
+                        <a:srgbClr val="000000"/>
+                      </a:solidFill>
+                      <a:prstDash val="solid"/>
+                      <a:headEnd type="none" w="med" len="med"/>
+                      <a:tailEnd type="none" w="med" len="med"/>
+                    </a:lnL>
+                    <a:lnR w="9525" cap="flat" cmpd="sng">
+                      <a:solidFill>
+                        <a:srgbClr val="000000"/>
+                      </a:solidFill>
+                      <a:prstDash val="solid"/>
+                      <a:headEnd type="none" w="med" len="med"/>
+                      <a:tailEnd type="none" w="med" len="med"/>
+                    </a:lnR>
+                    <a:lnT w="9525" cap="flat" cmpd="sng">
+                      <a:solidFill>
+                        <a:srgbClr val="000000"/>
+                      </a:solidFill>
+                      <a:prstDash val="solid"/>
+                      <a:headEnd type="none" w="med" len="med"/>
+                      <a:tailEnd type="none" w="med" len="med"/>
+                    </a:lnT>
+                    <a:lnB w="9525" cap="flat" cmpd="sng">
+                      <a:solidFill>
+                        <a:srgbClr val="000000"/>
+                      </a:solidFill>
+                      <a:prstDash val="solid"/>
+                      <a:headEnd type="none" w="med" len="med"/>
+                      <a:tailEnd type="none" w="med" len="med"/>
+                    </a:lnB>
+                    <a:noFill/>
+                  </a:tcPr>
+                </a:tc>
+                <a:tc>
+                  <a:txBody>
+                    <a:bodyPr/>
+                    <a:p>
+                      <a:pPr marL="0" indent="0" algn="l" fontAlgn="t">
+                        <a:spcBef>
+                          <a:spcPct val="0"/>
+                        </a:spcBef>
+                        <a:spcAft>
+                          <a:spcPct val="0"/>
+                        </a:spcAft>
+                      </a:pPr>
+                      <a:r>
+                        <a:rPr sz="1100" b="0" i="0">
+                          <a:solidFill>
+                            <a:srgbClr val="202124"/>
+                          </a:solidFill>
+                          <a:latin typeface="Roboto"/>
+                          <a:ea typeface="Roboto"/>
+                        </a:rPr>
+                        <a:t>Unify stream and batch data processing that's serverless, fast, and cost-effective.</a:t>
+                      </a:r>
+                      <a:endParaRPr sz="1100" b="0" i="0">
+                        <a:solidFill>
+                          <a:srgbClr val="202124"/>
+                        </a:solidFill>
+                        <a:latin typeface="Roboto"/>
+                        <a:ea typeface="Roboto"/>
+                      </a:endParaRPr>
+                    </a:p>
+                  </a:txBody>
+                  <a:tcPr marL="0" marR="0" marT="0" marB="0" anchor="t" anchorCtr="0">
+                    <a:lnL w="9525" cap="flat" cmpd="sng">
+                      <a:solidFill>
+                        <a:srgbClr val="000000"/>
+                      </a:solidFill>
+                      <a:prstDash val="solid"/>
+                      <a:headEnd type="none" w="med" len="med"/>
+                      <a:tailEnd type="none" w="med" len="med"/>
+                    </a:lnL>
+                    <a:lnR w="9525" cap="flat" cmpd="sng">
+                      <a:solidFill>
+                        <a:srgbClr val="000000"/>
+                      </a:solidFill>
+                      <a:prstDash val="solid"/>
+                      <a:headEnd type="none" w="med" len="med"/>
+                      <a:tailEnd type="none" w="med" len="med"/>
+                    </a:lnR>
+                    <a:lnT w="9525" cap="flat" cmpd="sng">
+                      <a:solidFill>
+                        <a:srgbClr val="000000"/>
+                      </a:solidFill>
+                      <a:prstDash val="solid"/>
+                      <a:headEnd type="none" w="med" len="med"/>
+                      <a:tailEnd type="none" w="med" len="med"/>
+                    </a:lnT>
+                    <a:lnB w="9525" cap="flat" cmpd="sng">
+                      <a:solidFill>
+                        <a:srgbClr val="000000"/>
+                      </a:solidFill>
+                      <a:prstDash val="solid"/>
+                      <a:headEnd type="none" w="med" len="med"/>
+                      <a:tailEnd type="none" w="med" len="med"/>
+                    </a:lnB>
+                    <a:noFill/>
+                  </a:tcPr>
+                </a:tc>
+                <a:tc>
+                  <a:txBody>
+                    <a:bodyPr/>
+                    <a:p>
+                      <a:pPr marL="0" indent="0" algn="l" fontAlgn="t">
+                        <a:spcBef>
+                          <a:spcPct val="0"/>
+                        </a:spcBef>
+                        <a:spcAft>
+                          <a:spcPct val="0"/>
+                        </a:spcAft>
+                      </a:pPr>
+                      <a:r>
+                        <a:rPr sz="1100" b="0" i="0">
+                          <a:solidFill>
+                            <a:srgbClr val="202124"/>
+                          </a:solidFill>
+                          <a:latin typeface="Roboto"/>
+                          <a:ea typeface="Roboto"/>
+                        </a:rPr>
+                        <a:t>AWS Kinesis Data Streams with Amazon Managed Service for Apache Flink</a:t>
+                      </a:r>
+                      <a:endParaRPr sz="1100" b="0" i="0">
+                        <a:solidFill>
+                          <a:srgbClr val="202124"/>
+                        </a:solidFill>
+                        <a:latin typeface="Roboto"/>
+                        <a:ea typeface="Roboto"/>
+                      </a:endParaRPr>
+                    </a:p>
+                  </a:txBody>
+                  <a:tcPr marL="0" marR="0" marT="0" marB="0" anchor="t" anchorCtr="0">
+                    <a:lnL w="9525" cap="flat" cmpd="sng">
+                      <a:solidFill>
+                        <a:srgbClr val="000000"/>
+                      </a:solidFill>
+                      <a:prstDash val="solid"/>
+                      <a:headEnd type="none" w="med" len="med"/>
+                      <a:tailEnd type="none" w="med" len="med"/>
+                    </a:lnL>
+                    <a:lnR w="9525" cap="flat" cmpd="sng">
+                      <a:solidFill>
+                        <a:srgbClr val="000000"/>
+                      </a:solidFill>
+                      <a:prstDash val="solid"/>
+                      <a:headEnd type="none" w="med" len="med"/>
+                      <a:tailEnd type="none" w="med" len="med"/>
+                    </a:lnR>
+                    <a:lnT w="9525" cap="flat" cmpd="sng">
+                      <a:solidFill>
+                        <a:srgbClr val="000000"/>
+                      </a:solidFill>
+                      <a:prstDash val="solid"/>
+                      <a:headEnd type="none" w="med" len="med"/>
+                      <a:tailEnd type="none" w="med" len="med"/>
+                    </a:lnT>
+                    <a:lnB w="9525" cap="flat" cmpd="sng">
+                      <a:solidFill>
+                        <a:srgbClr val="000000"/>
+                      </a:solidFill>
+                      <a:prstDash val="solid"/>
+                      <a:headEnd type="none" w="med" len="med"/>
+                      <a:tailEnd type="none" w="med" len="med"/>
+                    </a:lnB>
+                    <a:noFill/>
+                  </a:tcPr>
+                </a:tc>
+                <a:tc>
+                  <a:txBody>
+                    <a:bodyPr/>
+                    <a:p>
+                      <a:pPr marL="0" indent="0" algn="l" fontAlgn="t">
+                        <a:spcBef>
+                          <a:spcPct val="0"/>
+                        </a:spcBef>
+                        <a:spcAft>
+                          <a:spcPct val="0"/>
+                        </a:spcAft>
+                      </a:pPr>
+                      <a:r>
+                        <a:rPr sz="1100" b="0" i="0">
+                          <a:solidFill>
+                            <a:srgbClr val="202124"/>
+                          </a:solidFill>
+                          <a:latin typeface="Roboto"/>
+                          <a:ea typeface="Roboto"/>
+                        </a:rPr>
+                        <a:t>Azure Stream Analytics</a:t>
+                      </a:r>
+                      <a:endParaRPr sz="1100" b="0" i="0">
+                        <a:solidFill>
+                          <a:srgbClr val="202124"/>
+                        </a:solidFill>
+                        <a:latin typeface="Roboto"/>
+                        <a:ea typeface="Roboto"/>
+                      </a:endParaRPr>
+                    </a:p>
+                  </a:txBody>
+                  <a:tcPr marL="0" marR="0" marT="0" marB="0" anchor="t" anchorCtr="0">
+                    <a:lnL w="9525" cap="flat" cmpd="sng">
+                      <a:solidFill>
+                        <a:srgbClr val="000000"/>
+                      </a:solidFill>
+                      <a:prstDash val="solid"/>
+                      <a:headEnd type="none" w="med" len="med"/>
+                      <a:tailEnd type="none" w="med" len="med"/>
+                    </a:lnL>
+                    <a:lnR w="9525" cap="flat" cmpd="sng">
+                      <a:solidFill>
+                        <a:srgbClr val="000000"/>
+                      </a:solidFill>
+                      <a:prstDash val="solid"/>
+                      <a:headEnd type="none" w="med" len="med"/>
+                      <a:tailEnd type="none" w="med" len="med"/>
+                    </a:lnR>
+                    <a:lnT w="9525" cap="flat" cmpd="sng">
+                      <a:solidFill>
+                        <a:srgbClr val="000000"/>
+                      </a:solidFill>
+                      <a:prstDash val="solid"/>
+                      <a:headEnd type="none" w="med" len="med"/>
+                      <a:tailEnd type="none" w="med" len="med"/>
+                    </a:lnT>
+                    <a:lnB w="9525" cap="flat" cmpd="sng">
+                      <a:solidFill>
+                        <a:srgbClr val="000000"/>
+                      </a:solidFill>
+                      <a:prstDash val="solid"/>
+                      <a:headEnd type="none" w="med" len="med"/>
+                      <a:tailEnd type="none" w="med" len="med"/>
+                    </a:lnB>
+                    <a:noFill/>
+                  </a:tcPr>
+                </a:tc>
+              </a:tr>
+            </a:tbl>
+          </a:graphicData>
+        </a:graphic>
+      </p:graphicFrame>
+      <p:graphicFrame>
+        <p:nvGraphicFramePr>
+          <p:cNvPr id="6" name="Table 5"/>
+          <p:cNvGraphicFramePr/>
+          <p:nvPr>
+            <p:custDataLst>
+              <p:tags r:id="rId6"/>
+            </p:custDataLst>
+          </p:nvPr>
+        </p:nvGraphicFramePr>
+        <p:xfrm>
+          <a:off x="529590" y="4300220"/>
+          <a:ext cx="10485120" cy="1173480"/>
+        </p:xfrm>
+        <a:graphic>
+          <a:graphicData uri="http://schemas.openxmlformats.org/drawingml/2006/table">
+            <a:tbl>
+              <a:tblPr/>
+              <a:tblGrid>
+                <a:gridCol w="1747520"/>
+                <a:gridCol w="1747520"/>
+                <a:gridCol w="1130300"/>
+                <a:gridCol w="2668270"/>
+                <a:gridCol w="1443990"/>
+                <a:gridCol w="1747520"/>
+              </a:tblGrid>
+              <a:tr h="1173480">
+                <a:tc>
+                  <a:txBody>
+                    <a:bodyPr/>
+                    <a:p>
+                      <a:pPr marL="0" indent="0" algn="l" fontAlgn="t">
+                        <a:spcBef>
+                          <a:spcPct val="0"/>
+                        </a:spcBef>
+                        <a:spcAft>
+                          <a:spcPct val="0"/>
+                        </a:spcAft>
+                      </a:pPr>
+                      <a:r>
+                        <a:rPr sz="1100" b="0" i="0">
+                          <a:solidFill>
+                            <a:srgbClr val="202124"/>
+                          </a:solidFill>
+                          <a:latin typeface="Roboto"/>
+                          <a:ea typeface="Roboto"/>
+                        </a:rPr>
+                        <a:t>Data analytics</a:t>
+                      </a:r>
+                      <a:endParaRPr sz="1100" b="0" i="0">
+                        <a:solidFill>
+                          <a:srgbClr val="202124"/>
+                        </a:solidFill>
+                        <a:latin typeface="Roboto"/>
+                        <a:ea typeface="Roboto"/>
+                      </a:endParaRPr>
+                    </a:p>
+                  </a:txBody>
+                  <a:tcPr marL="0" marR="0" marT="0" marB="0" anchor="t" anchorCtr="0">
+                    <a:lnL w="9525" cap="flat" cmpd="sng">
+                      <a:solidFill>
+                        <a:srgbClr val="000000"/>
+                      </a:solidFill>
+                      <a:prstDash val="solid"/>
+                      <a:headEnd type="none" w="med" len="med"/>
+                      <a:tailEnd type="none" w="med" len="med"/>
+                    </a:lnL>
+                    <a:lnR w="9525" cap="flat" cmpd="sng">
+                      <a:solidFill>
+                        <a:srgbClr val="000000"/>
+                      </a:solidFill>
+                      <a:prstDash val="solid"/>
+                      <a:headEnd type="none" w="med" len="med"/>
+                      <a:tailEnd type="none" w="med" len="med"/>
+                    </a:lnR>
+                    <a:lnT w="9525" cap="flat" cmpd="sng">
+                      <a:solidFill>
+                        <a:srgbClr val="000000"/>
+                      </a:solidFill>
+                      <a:prstDash val="solid"/>
+                      <a:headEnd type="none" w="med" len="med"/>
+                      <a:tailEnd type="none" w="med" len="med"/>
+                    </a:lnT>
+                    <a:lnB w="9525" cap="flat" cmpd="sng">
+                      <a:solidFill>
+                        <a:srgbClr val="000000"/>
+                      </a:solidFill>
+                      <a:prstDash val="solid"/>
+                      <a:headEnd type="none" w="med" len="med"/>
+                      <a:tailEnd type="none" w="med" len="med"/>
+                    </a:lnB>
+                    <a:noFill/>
+                  </a:tcPr>
+                </a:tc>
+                <a:tc>
+                  <a:txBody>
+                    <a:bodyPr/>
+                    <a:p>
+                      <a:pPr marL="0" indent="0" algn="l" fontAlgn="t">
+                        <a:spcBef>
+                          <a:spcPct val="0"/>
+                        </a:spcBef>
+                        <a:spcAft>
+                          <a:spcPct val="0"/>
+                        </a:spcAft>
+                      </a:pPr>
+                      <a:r>
+                        <a:rPr sz="1100" b="0" i="0">
+                          <a:solidFill>
+                            <a:srgbClr val="202124"/>
+                          </a:solidFill>
+                          <a:latin typeface="Roboto"/>
+                          <a:ea typeface="Roboto"/>
+                        </a:rPr>
+                        <a:t>Workflow orchestration</a:t>
+                      </a:r>
+                      <a:endParaRPr sz="1100" b="0" i="0">
+                        <a:solidFill>
+                          <a:srgbClr val="202124"/>
+                        </a:solidFill>
+                        <a:latin typeface="Roboto"/>
+                        <a:ea typeface="Roboto"/>
+                      </a:endParaRPr>
+                    </a:p>
+                  </a:txBody>
+                  <a:tcPr marL="0" marR="0" marT="0" marB="0" anchor="t" anchorCtr="0">
+                    <a:lnL w="9525" cap="flat" cmpd="sng">
+                      <a:solidFill>
+                        <a:srgbClr val="000000"/>
+                      </a:solidFill>
+                      <a:prstDash val="solid"/>
+                      <a:headEnd type="none" w="med" len="med"/>
+                      <a:tailEnd type="none" w="med" len="med"/>
+                    </a:lnL>
+                    <a:lnR w="9525" cap="flat" cmpd="sng">
+                      <a:solidFill>
+                        <a:srgbClr val="000000"/>
+                      </a:solidFill>
+                      <a:prstDash val="solid"/>
+                      <a:headEnd type="none" w="med" len="med"/>
+                      <a:tailEnd type="none" w="med" len="med"/>
+                    </a:lnR>
+                    <a:lnT w="9525" cap="flat" cmpd="sng">
+                      <a:solidFill>
+                        <a:srgbClr val="000000"/>
+                      </a:solidFill>
+                      <a:prstDash val="solid"/>
+                      <a:headEnd type="none" w="med" len="med"/>
+                      <a:tailEnd type="none" w="med" len="med"/>
+                    </a:lnT>
+                    <a:lnB w="9525" cap="flat" cmpd="sng">
+                      <a:solidFill>
+                        <a:srgbClr val="000000"/>
+                      </a:solidFill>
+                      <a:prstDash val="solid"/>
+                      <a:headEnd type="none" w="med" len="med"/>
+                      <a:tailEnd type="none" w="med" len="med"/>
+                    </a:lnB>
+                    <a:noFill/>
+                  </a:tcPr>
+                </a:tc>
+                <a:tc>
+                  <a:txBody>
+                    <a:bodyPr/>
+                    <a:p>
+                      <a:pPr marL="0" indent="0" algn="l" fontAlgn="t" latinLnBrk="0">
+                        <a:spcBef>
+                          <a:spcPct val="0"/>
+                        </a:spcBef>
+                        <a:spcAft>
+                          <a:spcPct val="0"/>
+                        </a:spcAft>
+                      </a:pPr>
+                      <a:r>
+                        <a:rPr sz="1100" b="0" i="0">
+                          <a:solidFill>
+                            <a:srgbClr val="202124"/>
+                          </a:solidFill>
+                          <a:latin typeface="Roboto"/>
+                          <a:ea typeface="Roboto"/>
+                          <a:hlinkClick r:id="rId7"/>
+                        </a:rPr>
+                        <a:t>Cloud Composer</a:t>
+                      </a:r>
+                      <a:endParaRPr sz="1100" b="0" i="0">
+                        <a:solidFill>
+                          <a:srgbClr val="202124"/>
+                        </a:solidFill>
+                        <a:latin typeface="Roboto"/>
+                        <a:ea typeface="Roboto"/>
+                        <a:hlinkClick r:id="rId7"/>
+                      </a:endParaRPr>
+                    </a:p>
+                  </a:txBody>
+                  <a:tcPr marL="0" marR="0" marT="0" marB="0" anchor="t" anchorCtr="0">
+                    <a:lnL w="9525" cap="flat" cmpd="sng">
+                      <a:solidFill>
+                        <a:srgbClr val="000000"/>
+                      </a:solidFill>
+                      <a:prstDash val="solid"/>
+                      <a:headEnd type="none" w="med" len="med"/>
+                      <a:tailEnd type="none" w="med" len="med"/>
+                    </a:lnL>
+                    <a:lnR w="9525" cap="flat" cmpd="sng">
+                      <a:solidFill>
+                        <a:srgbClr val="000000"/>
+                      </a:solidFill>
+                      <a:prstDash val="solid"/>
+                      <a:headEnd type="none" w="med" len="med"/>
+                      <a:tailEnd type="none" w="med" len="med"/>
+                    </a:lnR>
+                    <a:lnT w="9525" cap="flat" cmpd="sng">
+                      <a:solidFill>
+                        <a:srgbClr val="000000"/>
+                      </a:solidFill>
+                      <a:prstDash val="solid"/>
+                      <a:headEnd type="none" w="med" len="med"/>
+                      <a:tailEnd type="none" w="med" len="med"/>
+                    </a:lnT>
+                    <a:lnB w="9525" cap="flat" cmpd="sng">
+                      <a:solidFill>
+                        <a:srgbClr val="000000"/>
+                      </a:solidFill>
+                      <a:prstDash val="solid"/>
+                      <a:headEnd type="none" w="med" len="med"/>
+                      <a:tailEnd type="none" w="med" len="med"/>
+                    </a:lnB>
+                    <a:noFill/>
+                  </a:tcPr>
+                </a:tc>
+                <a:tc>
+                  <a:txBody>
+                    <a:bodyPr/>
+                    <a:p>
+                      <a:pPr marL="0" indent="0" algn="l" fontAlgn="t">
+                        <a:spcBef>
+                          <a:spcPct val="0"/>
+                        </a:spcBef>
+                        <a:spcAft>
+                          <a:spcPct val="0"/>
+                        </a:spcAft>
+                      </a:pPr>
+                      <a:r>
+                        <a:rPr sz="1100" b="0" i="0">
+                          <a:solidFill>
+                            <a:srgbClr val="202124"/>
+                          </a:solidFill>
+                          <a:latin typeface="Roboto"/>
+                          <a:ea typeface="Roboto"/>
+                        </a:rPr>
+                        <a:t>Author, schedule, and monitor pipelines that span across hybrid and multi-cloud environments using this fully managed workflow orchestration service built on Apache Airflow.</a:t>
+                      </a:r>
+                      <a:endParaRPr sz="1100" b="0" i="0">
+                        <a:solidFill>
+                          <a:srgbClr val="202124"/>
+                        </a:solidFill>
+                        <a:latin typeface="Roboto"/>
+                        <a:ea typeface="Roboto"/>
+                      </a:endParaRPr>
+                    </a:p>
+                  </a:txBody>
+                  <a:tcPr marL="0" marR="0" marT="0" marB="0" anchor="t" anchorCtr="0">
+                    <a:lnL w="9525" cap="flat" cmpd="sng">
+                      <a:solidFill>
+                        <a:srgbClr val="000000"/>
+                      </a:solidFill>
+                      <a:prstDash val="solid"/>
+                      <a:headEnd type="none" w="med" len="med"/>
+                      <a:tailEnd type="none" w="med" len="med"/>
+                    </a:lnL>
+                    <a:lnR w="9525" cap="flat" cmpd="sng">
+                      <a:solidFill>
+                        <a:srgbClr val="000000"/>
+                      </a:solidFill>
+                      <a:prstDash val="solid"/>
+                      <a:headEnd type="none" w="med" len="med"/>
+                      <a:tailEnd type="none" w="med" len="med"/>
+                    </a:lnR>
+                    <a:lnT w="9525" cap="flat" cmpd="sng">
+                      <a:solidFill>
+                        <a:srgbClr val="000000"/>
+                      </a:solidFill>
+                      <a:prstDash val="solid"/>
+                      <a:headEnd type="none" w="med" len="med"/>
+                      <a:tailEnd type="none" w="med" len="med"/>
+                    </a:lnT>
+                    <a:lnB w="9525" cap="flat" cmpd="sng">
+                      <a:solidFill>
+                        <a:srgbClr val="000000"/>
+                      </a:solidFill>
+                      <a:prstDash val="solid"/>
+                      <a:headEnd type="none" w="med" len="med"/>
+                      <a:tailEnd type="none" w="med" len="med"/>
+                    </a:lnB>
+                    <a:noFill/>
+                  </a:tcPr>
+                </a:tc>
+                <a:tc>
+                  <a:txBody>
+                    <a:bodyPr/>
+                    <a:p>
+                      <a:pPr marL="0" indent="0" algn="l" fontAlgn="t">
+                        <a:spcBef>
+                          <a:spcPct val="0"/>
+                        </a:spcBef>
+                        <a:spcAft>
+                          <a:spcPct val="0"/>
+                        </a:spcAft>
+                      </a:pPr>
+                      <a:r>
+                        <a:rPr sz="1100" b="0" i="0">
+                          <a:solidFill>
+                            <a:srgbClr val="202124"/>
+                          </a:solidFill>
+                          <a:latin typeface="Roboto"/>
+                          <a:ea typeface="Roboto"/>
+                        </a:rPr>
+                        <a:t>Managed Workflows for Apache Airflow</a:t>
+                      </a:r>
+                      <a:endParaRPr sz="1100" b="0" i="0">
+                        <a:solidFill>
+                          <a:srgbClr val="202124"/>
+                        </a:solidFill>
+                        <a:latin typeface="Roboto"/>
+                        <a:ea typeface="Roboto"/>
+                      </a:endParaRPr>
+                    </a:p>
+                  </a:txBody>
+                  <a:tcPr marL="0" marR="0" marT="0" marB="0" anchor="t" anchorCtr="0">
+                    <a:lnL w="9525" cap="flat" cmpd="sng">
+                      <a:solidFill>
+                        <a:srgbClr val="000000"/>
+                      </a:solidFill>
+                      <a:prstDash val="solid"/>
+                      <a:headEnd type="none" w="med" len="med"/>
+                      <a:tailEnd type="none" w="med" len="med"/>
+                    </a:lnL>
+                    <a:lnR w="9525" cap="flat" cmpd="sng">
+                      <a:solidFill>
+                        <a:srgbClr val="000000"/>
+                      </a:solidFill>
+                      <a:prstDash val="solid"/>
+                      <a:headEnd type="none" w="med" len="med"/>
+                      <a:tailEnd type="none" w="med" len="med"/>
+                    </a:lnR>
+                    <a:lnT w="9525" cap="flat" cmpd="sng">
+                      <a:solidFill>
+                        <a:srgbClr val="000000"/>
+                      </a:solidFill>
+                      <a:prstDash val="solid"/>
+                      <a:headEnd type="none" w="med" len="med"/>
+                      <a:tailEnd type="none" w="med" len="med"/>
+                    </a:lnT>
+                    <a:lnB w="9525" cap="flat" cmpd="sng">
+                      <a:solidFill>
+                        <a:srgbClr val="000000"/>
+                      </a:solidFill>
+                      <a:prstDash val="solid"/>
+                      <a:headEnd type="none" w="med" len="med"/>
+                      <a:tailEnd type="none" w="med" len="med"/>
+                    </a:lnB>
+                    <a:noFill/>
+                  </a:tcPr>
+                </a:tc>
+                <a:tc>
+                  <a:txBody>
+                    <a:bodyPr/>
+                    <a:p>
+                      <a:pPr marL="0" indent="0" algn="l" fontAlgn="t">
+                        <a:spcBef>
+                          <a:spcPct val="0"/>
+                        </a:spcBef>
+                        <a:spcAft>
+                          <a:spcPct val="0"/>
+                        </a:spcAft>
+                      </a:pPr>
+                      <a:r>
+                        <a:rPr sz="1100" b="0" i="0">
+                          <a:solidFill>
+                            <a:srgbClr val="202124"/>
+                          </a:solidFill>
+                          <a:latin typeface="Roboto"/>
+                          <a:ea typeface="Roboto"/>
+                        </a:rPr>
+                        <a:t>Workflow Orchestration Manager for Azure Data Factory</a:t>
+                      </a:r>
+                      <a:endParaRPr sz="1100" b="0" i="0">
+                        <a:solidFill>
+                          <a:srgbClr val="202124"/>
+                        </a:solidFill>
+                        <a:latin typeface="Roboto"/>
+                        <a:ea typeface="Roboto"/>
+                      </a:endParaRPr>
+                    </a:p>
+                  </a:txBody>
+                  <a:tcPr marL="0" marR="0" marT="0" marB="0" anchor="t" anchorCtr="0">
+                    <a:lnL w="9525" cap="flat" cmpd="sng">
+                      <a:solidFill>
+                        <a:srgbClr val="000000"/>
+                      </a:solidFill>
+                      <a:prstDash val="solid"/>
+                      <a:headEnd type="none" w="med" len="med"/>
+                      <a:tailEnd type="none" w="med" len="med"/>
+                    </a:lnL>
+                    <a:lnR w="9525" cap="flat" cmpd="sng">
+                      <a:solidFill>
+                        <a:srgbClr val="000000"/>
+                      </a:solidFill>
+                      <a:prstDash val="solid"/>
+                      <a:headEnd type="none" w="med" len="med"/>
+                      <a:tailEnd type="none" w="med" len="med"/>
+                    </a:lnR>
+                    <a:lnT w="9525" cap="flat" cmpd="sng">
+                      <a:solidFill>
+                        <a:srgbClr val="000000"/>
+                      </a:solidFill>
+                      <a:prstDash val="solid"/>
+                      <a:headEnd type="none" w="med" len="med"/>
+                      <a:tailEnd type="none" w="med" len="med"/>
+                    </a:lnT>
+                    <a:lnB w="9525" cap="flat" cmpd="sng">
+                      <a:solidFill>
+                        <a:srgbClr val="000000"/>
+                      </a:solidFill>
+                      <a:prstDash val="solid"/>
+                      <a:headEnd type="none" w="med" len="med"/>
+                      <a:tailEnd type="none" w="med" len="med"/>
+                    </a:lnB>
+                    <a:noFill/>
+                  </a:tcPr>
+                </a:tc>
+              </a:tr>
+            </a:tbl>
+          </a:graphicData>
+        </a:graphic>
+      </p:graphicFrame>
+      <p:graphicFrame>
+        <p:nvGraphicFramePr>
+          <p:cNvPr id="7" name="Table 6"/>
+          <p:cNvGraphicFramePr/>
+          <p:nvPr/>
+        </p:nvGraphicFramePr>
+        <p:xfrm>
+          <a:off x="529590" y="5473700"/>
+          <a:ext cx="10485120" cy="0"/>
+        </p:xfrm>
+        <a:graphic>
+          <a:graphicData uri="http://schemas.openxmlformats.org/drawingml/2006/table">
+            <a:tbl>
+              <a:tblPr/>
+              <a:tblGrid>
+                <a:gridCol w="1747520"/>
+                <a:gridCol w="1747520"/>
+                <a:gridCol w="1747520"/>
+                <a:gridCol w="1747520"/>
+                <a:gridCol w="1747520"/>
+                <a:gridCol w="1747520"/>
+              </a:tblGrid>
+              <a:tr h="0">
+                <a:tc>
+                  <a:txBody>
+                    <a:bodyPr/>
+                    <a:p>
+                      <a:pPr marL="0" indent="0" algn="l" fontAlgn="t">
+                        <a:spcBef>
+                          <a:spcPct val="0"/>
+                        </a:spcBef>
+                        <a:spcAft>
+                          <a:spcPct val="0"/>
+                        </a:spcAft>
+                      </a:pPr>
+                      <a:r>
+                        <a:rPr sz="1100" b="0" i="0">
+                          <a:solidFill>
+                            <a:srgbClr val="202124"/>
+                          </a:solidFill>
+                          <a:latin typeface="Roboto"/>
+                          <a:ea typeface="Roboto"/>
+                        </a:rPr>
+                        <a:t>Database</a:t>
+                      </a:r>
+                      <a:endParaRPr sz="1100" b="0" i="0">
+                        <a:solidFill>
+                          <a:srgbClr val="202124"/>
+                        </a:solidFill>
+                        <a:latin typeface="Roboto"/>
+                        <a:ea typeface="Roboto"/>
+                      </a:endParaRPr>
+                    </a:p>
+                  </a:txBody>
+                  <a:tcPr marL="0" marR="0" marT="0" marB="0" anchor="t" anchorCtr="0">
+                    <a:lnL w="9525" cap="flat" cmpd="sng">
+                      <a:solidFill>
+                        <a:srgbClr val="000000"/>
+                      </a:solidFill>
+                      <a:prstDash val="solid"/>
+                      <a:headEnd type="none" w="med" len="med"/>
+                      <a:tailEnd type="none" w="med" len="med"/>
+                    </a:lnL>
+                    <a:lnR w="9525" cap="flat" cmpd="sng">
+                      <a:solidFill>
+                        <a:srgbClr val="000000"/>
+                      </a:solidFill>
+                      <a:prstDash val="solid"/>
+                      <a:headEnd type="none" w="med" len="med"/>
+                      <a:tailEnd type="none" w="med" len="med"/>
+                    </a:lnR>
+                    <a:lnT w="9525" cap="flat" cmpd="sng">
+                      <a:solidFill>
+                        <a:srgbClr val="000000"/>
+                      </a:solidFill>
+                      <a:prstDash val="solid"/>
+                      <a:headEnd type="none" w="med" len="med"/>
+                      <a:tailEnd type="none" w="med" len="med"/>
+                    </a:lnT>
+                    <a:lnB w="9525" cap="flat" cmpd="sng">
+                      <a:solidFill>
+                        <a:srgbClr val="000000"/>
+                      </a:solidFill>
+                      <a:prstDash val="solid"/>
+                      <a:headEnd type="none" w="med" len="med"/>
+                      <a:tailEnd type="none" w="med" len="med"/>
+                    </a:lnB>
+                    <a:noFill/>
+                  </a:tcPr>
+                </a:tc>
+                <a:tc>
+                  <a:txBody>
+                    <a:bodyPr/>
+                    <a:p>
+                      <a:pPr marL="0" indent="0" algn="l" fontAlgn="t">
+                        <a:spcBef>
+                          <a:spcPct val="0"/>
+                        </a:spcBef>
+                        <a:spcAft>
+                          <a:spcPct val="0"/>
+                        </a:spcAft>
+                      </a:pPr>
+                      <a:r>
+                        <a:rPr sz="1100" b="0" i="0">
+                          <a:solidFill>
+                            <a:srgbClr val="202124"/>
+                          </a:solidFill>
+                          <a:latin typeface="Roboto"/>
+                          <a:ea typeface="Roboto"/>
+                        </a:rPr>
+                        <a:t>RDBMS</a:t>
+                      </a:r>
+                      <a:endParaRPr sz="1100" b="0" i="0">
+                        <a:solidFill>
+                          <a:srgbClr val="202124"/>
+                        </a:solidFill>
+                        <a:latin typeface="Roboto"/>
+                        <a:ea typeface="Roboto"/>
+                      </a:endParaRPr>
+                    </a:p>
+                  </a:txBody>
+                  <a:tcPr marL="0" marR="0" marT="0" marB="0" anchor="t" anchorCtr="0">
+                    <a:lnL w="9525" cap="flat" cmpd="sng">
+                      <a:solidFill>
+                        <a:srgbClr val="000000"/>
+                      </a:solidFill>
+                      <a:prstDash val="solid"/>
+                      <a:headEnd type="none" w="med" len="med"/>
+                      <a:tailEnd type="none" w="med" len="med"/>
+                    </a:lnL>
+                    <a:lnR w="9525" cap="flat" cmpd="sng">
+                      <a:solidFill>
+                        <a:srgbClr val="000000"/>
+                      </a:solidFill>
+                      <a:prstDash val="solid"/>
+                      <a:headEnd type="none" w="med" len="med"/>
+                      <a:tailEnd type="none" w="med" len="med"/>
+                    </a:lnR>
+                    <a:lnT w="9525" cap="flat" cmpd="sng">
+                      <a:solidFill>
+                        <a:srgbClr val="000000"/>
+                      </a:solidFill>
+                      <a:prstDash val="solid"/>
+                      <a:headEnd type="none" w="med" len="med"/>
+                      <a:tailEnd type="none" w="med" len="med"/>
+                    </a:lnT>
+                    <a:lnB w="9525" cap="flat" cmpd="sng">
+                      <a:solidFill>
+                        <a:srgbClr val="000000"/>
+                      </a:solidFill>
+                      <a:prstDash val="solid"/>
+                      <a:headEnd type="none" w="med" len="med"/>
+                      <a:tailEnd type="none" w="med" len="med"/>
+                    </a:lnB>
+                    <a:noFill/>
+                  </a:tcPr>
+                </a:tc>
+                <a:tc>
+                  <a:txBody>
+                    <a:bodyPr/>
+                    <a:p>
+                      <a:pPr marL="0" indent="0" algn="l" fontAlgn="t" latinLnBrk="0">
+                        <a:spcBef>
+                          <a:spcPct val="0"/>
+                        </a:spcBef>
+                        <a:spcAft>
+                          <a:spcPct val="0"/>
+                        </a:spcAft>
+                      </a:pPr>
+                      <a:r>
+                        <a:rPr sz="1100" b="0" i="0">
+                          <a:solidFill>
+                            <a:srgbClr val="202124"/>
+                          </a:solidFill>
+                          <a:latin typeface="Roboto"/>
+                          <a:ea typeface="Roboto"/>
+                          <a:hlinkClick r:id="rId8"/>
+                        </a:rPr>
+                        <a:t>Cloud SQL</a:t>
+                      </a:r>
+                      <a:endParaRPr sz="1100" b="0" i="0">
+                        <a:solidFill>
+                          <a:srgbClr val="202124"/>
+                        </a:solidFill>
+                        <a:latin typeface="Roboto"/>
+                        <a:ea typeface="Roboto"/>
+                        <a:hlinkClick r:id="rId8"/>
+                      </a:endParaRPr>
+                    </a:p>
+                  </a:txBody>
+                  <a:tcPr marL="0" marR="0" marT="0" marB="0" anchor="t" anchorCtr="0">
+                    <a:lnL w="9525" cap="flat" cmpd="sng">
+                      <a:solidFill>
+                        <a:srgbClr val="000000"/>
+                      </a:solidFill>
+                      <a:prstDash val="solid"/>
+                      <a:headEnd type="none" w="med" len="med"/>
+                      <a:tailEnd type="none" w="med" len="med"/>
+                    </a:lnL>
+                    <a:lnR w="9525" cap="flat" cmpd="sng">
+                      <a:solidFill>
+                        <a:srgbClr val="000000"/>
+                      </a:solidFill>
+                      <a:prstDash val="solid"/>
+                      <a:headEnd type="none" w="med" len="med"/>
+                      <a:tailEnd type="none" w="med" len="med"/>
+                    </a:lnR>
+                    <a:lnT w="9525" cap="flat" cmpd="sng">
+                      <a:solidFill>
+                        <a:srgbClr val="000000"/>
+                      </a:solidFill>
+                      <a:prstDash val="solid"/>
+                      <a:headEnd type="none" w="med" len="med"/>
+                      <a:tailEnd type="none" w="med" len="med"/>
+                    </a:lnT>
+                    <a:lnB w="9525" cap="flat" cmpd="sng">
+                      <a:solidFill>
+                        <a:srgbClr val="000000"/>
+                      </a:solidFill>
+                      <a:prstDash val="solid"/>
+                      <a:headEnd type="none" w="med" len="med"/>
+                      <a:tailEnd type="none" w="med" len="med"/>
+                    </a:lnB>
+                    <a:noFill/>
+                  </a:tcPr>
+                </a:tc>
+                <a:tc>
+                  <a:txBody>
+                    <a:bodyPr/>
+                    <a:p>
+                      <a:pPr marL="0" indent="0" algn="l" fontAlgn="t">
+                        <a:spcBef>
+                          <a:spcPct val="0"/>
+                        </a:spcBef>
+                        <a:spcAft>
+                          <a:spcPct val="0"/>
+                        </a:spcAft>
+                      </a:pPr>
+                      <a:r>
+                        <a:rPr sz="1100" b="0" i="0">
+                          <a:solidFill>
+                            <a:srgbClr val="202124"/>
+                          </a:solidFill>
+                          <a:latin typeface="Roboto"/>
+                          <a:ea typeface="Roboto"/>
+                        </a:rPr>
+                        <a:t>Manage relational data for MySQL, PostgreSQL, and SQL Server for workloads under 64 TB.</a:t>
+                      </a:r>
+                      <a:endParaRPr sz="1100" b="0" i="0">
+                        <a:solidFill>
+                          <a:srgbClr val="202124"/>
+                        </a:solidFill>
+                        <a:latin typeface="Roboto"/>
+                        <a:ea typeface="Roboto"/>
+                      </a:endParaRPr>
+                    </a:p>
+                  </a:txBody>
+                  <a:tcPr marL="0" marR="0" marT="0" marB="0" anchor="t" anchorCtr="0">
+                    <a:lnL w="9525" cap="flat" cmpd="sng">
+                      <a:solidFill>
+                        <a:srgbClr val="000000"/>
+                      </a:solidFill>
+                      <a:prstDash val="solid"/>
+                      <a:headEnd type="none" w="med" len="med"/>
+                      <a:tailEnd type="none" w="med" len="med"/>
+                    </a:lnL>
+                    <a:lnR w="9525" cap="flat" cmpd="sng">
+                      <a:solidFill>
+                        <a:srgbClr val="000000"/>
+                      </a:solidFill>
+                      <a:prstDash val="solid"/>
+                      <a:headEnd type="none" w="med" len="med"/>
+                      <a:tailEnd type="none" w="med" len="med"/>
+                    </a:lnR>
+                    <a:lnT w="9525" cap="flat" cmpd="sng">
+                      <a:solidFill>
+                        <a:srgbClr val="000000"/>
+                      </a:solidFill>
+                      <a:prstDash val="solid"/>
+                      <a:headEnd type="none" w="med" len="med"/>
+                      <a:tailEnd type="none" w="med" len="med"/>
+                    </a:lnT>
+                    <a:lnB w="9525" cap="flat" cmpd="sng">
+                      <a:solidFill>
+                        <a:srgbClr val="000000"/>
+                      </a:solidFill>
+                      <a:prstDash val="solid"/>
+                      <a:headEnd type="none" w="med" len="med"/>
+                      <a:tailEnd type="none" w="med" len="med"/>
+                    </a:lnB>
+                    <a:noFill/>
+                  </a:tcPr>
+                </a:tc>
+                <a:tc>
+                  <a:txBody>
+                    <a:bodyPr/>
+                    <a:p>
+                      <a:pPr marL="0" indent="0" algn="l" fontAlgn="t">
+                        <a:spcBef>
+                          <a:spcPct val="0"/>
+                        </a:spcBef>
+                        <a:spcAft>
+                          <a:spcPct val="0"/>
+                        </a:spcAft>
+                      </a:pPr>
+                      <a:r>
+                        <a:rPr sz="1100" b="0" i="0">
+                          <a:solidFill>
+                            <a:srgbClr val="202124"/>
+                          </a:solidFill>
+                          <a:latin typeface="Roboto"/>
+                          <a:ea typeface="Roboto"/>
+                        </a:rPr>
+                        <a:t>Amazon Relational Database Service (RDS), Amazon Aurora</a:t>
+                      </a:r>
+                      <a:endParaRPr sz="1100" b="0" i="0">
+                        <a:solidFill>
+                          <a:srgbClr val="202124"/>
+                        </a:solidFill>
+                        <a:latin typeface="Roboto"/>
+                        <a:ea typeface="Roboto"/>
+                      </a:endParaRPr>
+                    </a:p>
+                  </a:txBody>
+                  <a:tcPr marL="0" marR="0" marT="0" marB="0" anchor="t" anchorCtr="0">
+                    <a:lnL w="9525" cap="flat" cmpd="sng">
+                      <a:solidFill>
+                        <a:srgbClr val="000000"/>
+                      </a:solidFill>
+                      <a:prstDash val="solid"/>
+                      <a:headEnd type="none" w="med" len="med"/>
+                      <a:tailEnd type="none" w="med" len="med"/>
+                    </a:lnL>
+                    <a:lnR w="9525" cap="flat" cmpd="sng">
+                      <a:solidFill>
+                        <a:srgbClr val="000000"/>
+                      </a:solidFill>
+                      <a:prstDash val="solid"/>
+                      <a:headEnd type="none" w="med" len="med"/>
+                      <a:tailEnd type="none" w="med" len="med"/>
+                    </a:lnR>
+                    <a:lnT w="9525" cap="flat" cmpd="sng">
+                      <a:solidFill>
+                        <a:srgbClr val="000000"/>
+                      </a:solidFill>
+                      <a:prstDash val="solid"/>
+                      <a:headEnd type="none" w="med" len="med"/>
+                      <a:tailEnd type="none" w="med" len="med"/>
+                    </a:lnT>
+                    <a:lnB w="9525" cap="flat" cmpd="sng">
+                      <a:solidFill>
+                        <a:srgbClr val="000000"/>
+                      </a:solidFill>
+                      <a:prstDash val="solid"/>
+                      <a:headEnd type="none" w="med" len="med"/>
+                      <a:tailEnd type="none" w="med" len="med"/>
+                    </a:lnB>
+                    <a:noFill/>
+                  </a:tcPr>
+                </a:tc>
+                <a:tc>
+                  <a:txBody>
+                    <a:bodyPr/>
+                    <a:p>
+                      <a:pPr marL="0" indent="0" algn="l" fontAlgn="t">
+                        <a:spcBef>
+                          <a:spcPct val="0"/>
+                        </a:spcBef>
+                        <a:spcAft>
+                          <a:spcPct val="0"/>
+                        </a:spcAft>
+                      </a:pPr>
+                      <a:r>
+                        <a:rPr sz="1100" b="0" i="0">
+                          <a:solidFill>
+                            <a:srgbClr val="202124"/>
+                          </a:solidFill>
+                          <a:latin typeface="Roboto"/>
+                          <a:ea typeface="Roboto"/>
+                        </a:rPr>
+                        <a:t>Azure Database for MySQL, Azure Database for PostgreSQL, Azure SQL Database</a:t>
+                      </a:r>
+                      <a:endParaRPr sz="1100" b="0" i="0">
+                        <a:solidFill>
+                          <a:srgbClr val="202124"/>
+                        </a:solidFill>
+                        <a:latin typeface="Roboto"/>
+                        <a:ea typeface="Roboto"/>
+                      </a:endParaRPr>
+                    </a:p>
+                  </a:txBody>
+                  <a:tcPr marL="0" marR="0" marT="0" marB="0" anchor="t" anchorCtr="0">
+                    <a:lnL w="9525" cap="flat" cmpd="sng">
+                      <a:solidFill>
+                        <a:srgbClr val="000000"/>
+                      </a:solidFill>
+                      <a:prstDash val="solid"/>
+                      <a:headEnd type="none" w="med" len="med"/>
+                      <a:tailEnd type="none" w="med" len="med"/>
+                    </a:lnL>
+                    <a:lnR w="9525" cap="flat" cmpd="sng">
+                      <a:solidFill>
+                        <a:srgbClr val="000000"/>
+                      </a:solidFill>
+                      <a:prstDash val="solid"/>
+                      <a:headEnd type="none" w="med" len="med"/>
+                      <a:tailEnd type="none" w="med" len="med"/>
+                    </a:lnR>
+                    <a:lnT w="9525" cap="flat" cmpd="sng">
+                      <a:solidFill>
+                        <a:srgbClr val="000000"/>
+                      </a:solidFill>
+                      <a:prstDash val="solid"/>
+                      <a:headEnd type="none" w="med" len="med"/>
+                      <a:tailEnd type="none" w="med" len="med"/>
+                    </a:lnT>
+                    <a:lnB w="9525" cap="flat" cmpd="sng">
+                      <a:solidFill>
+                        <a:srgbClr val="000000"/>
+                      </a:solidFill>
+                      <a:prstDash val="solid"/>
+                      <a:headEnd type="none" w="med" len="med"/>
+                      <a:tailEnd type="none" w="med" len="med"/>
+                    </a:lnB>
+                    <a:noFill/>
+                  </a:tcPr>
+                </a:tc>
+              </a:tr>
+            </a:tbl>
+          </a:graphicData>
+        </a:graphic>
+      </p:graphicFrame>
+    </p:spTree>
+  </p:cSld>
+  <p:clrMapOvr>
+    <a:masterClrMapping/>
+  </p:clrMapOvr>
+</p:sld>
+</file>
+
+<file path=ppt/slides/slide5.xml><?xml version="1.0" encoding="utf-8"?>
+<p:sld xmlns:a="http://schemas.openxmlformats.org/drawingml/2006/main" xmlns:r="http://schemas.openxmlformats.org/officeDocument/2006/relationships" xmlns:p="http://schemas.openxmlformats.org/presentationml/2006/main">
+  <p:cSld>
+    <p:spTree>
+      <p:nvGrpSpPr>
+        <p:cNvPr id="1" name=""/>
+        <p:cNvGrpSpPr/>
+        <p:nvPr/>
+      </p:nvGrpSpPr>
+      <p:grpSpPr/>
+      <p:graphicFrame>
+        <p:nvGraphicFramePr>
+          <p:cNvPr id="3" name="Table 2"/>
+          <p:cNvGraphicFramePr/>
+          <p:nvPr/>
+        </p:nvGraphicFramePr>
+        <p:xfrm>
+          <a:off x="372110" y="469265"/>
+          <a:ext cx="10485120" cy="0"/>
+        </p:xfrm>
+        <a:graphic>
+          <a:graphicData uri="http://schemas.openxmlformats.org/drawingml/2006/table">
+            <a:tbl>
+              <a:tblPr/>
+              <a:tblGrid>
+                <a:gridCol w="1747520"/>
+                <a:gridCol w="1747520"/>
+                <a:gridCol w="1747520"/>
+                <a:gridCol w="1747520"/>
+                <a:gridCol w="1747520"/>
+                <a:gridCol w="1747520"/>
+              </a:tblGrid>
+              <a:tr h="0">
+                <a:tc>
+                  <a:txBody>
+                    <a:bodyPr/>
+                    <a:p>
+                      <a:pPr marL="0" indent="0" algn="l" fontAlgn="t">
+                        <a:spcBef>
+                          <a:spcPct val="0"/>
+                        </a:spcBef>
+                        <a:spcAft>
+                          <a:spcPct val="0"/>
+                        </a:spcAft>
+                      </a:pPr>
+                      <a:r>
+                        <a:rPr sz="1100" b="0" i="0">
+                          <a:solidFill>
+                            <a:srgbClr val="202124"/>
+                          </a:solidFill>
+                          <a:latin typeface="Roboto"/>
+                          <a:ea typeface="Roboto"/>
+                        </a:rPr>
+                        <a:t>Developer tools</a:t>
+                      </a:r>
+                      <a:endParaRPr sz="1100" b="0" i="0">
+                        <a:solidFill>
+                          <a:srgbClr val="202124"/>
+                        </a:solidFill>
+                        <a:latin typeface="Roboto"/>
+                        <a:ea typeface="Roboto"/>
+                      </a:endParaRPr>
+                    </a:p>
+                  </a:txBody>
+                  <a:tcPr marL="0" marR="0" marT="0" marB="0" anchor="t" anchorCtr="0">
+                    <a:lnL w="9525" cap="flat" cmpd="sng">
+                      <a:solidFill>
+                        <a:srgbClr val="000000"/>
+                      </a:solidFill>
+                      <a:prstDash val="solid"/>
+                      <a:headEnd type="none" w="med" len="med"/>
+                      <a:tailEnd type="none" w="med" len="med"/>
+                    </a:lnL>
+                    <a:lnR w="9525" cap="flat" cmpd="sng">
+                      <a:solidFill>
+                        <a:srgbClr val="000000"/>
+                      </a:solidFill>
+                      <a:prstDash val="solid"/>
+                      <a:headEnd type="none" w="med" len="med"/>
+                      <a:tailEnd type="none" w="med" len="med"/>
+                    </a:lnR>
+                    <a:lnT w="9525" cap="flat" cmpd="sng">
+                      <a:solidFill>
+                        <a:srgbClr val="000000"/>
+                      </a:solidFill>
+                      <a:prstDash val="solid"/>
+                      <a:headEnd type="none" w="med" len="med"/>
+                      <a:tailEnd type="none" w="med" len="med"/>
+                    </a:lnT>
+                    <a:lnB w="9525" cap="flat" cmpd="sng">
+                      <a:solidFill>
+                        <a:srgbClr val="000000"/>
+                      </a:solidFill>
+                      <a:prstDash val="solid"/>
+                      <a:headEnd type="none" w="med" len="med"/>
+                      <a:tailEnd type="none" w="med" len="med"/>
+                    </a:lnB>
+                    <a:noFill/>
+                  </a:tcPr>
+                </a:tc>
+                <a:tc>
+                  <a:txBody>
+                    <a:bodyPr/>
+                    <a:p>
+                      <a:pPr marL="0" indent="0" algn="l" fontAlgn="t">
+                        <a:spcBef>
+                          <a:spcPct val="0"/>
+                        </a:spcBef>
+                        <a:spcAft>
+                          <a:spcPct val="0"/>
+                        </a:spcAft>
+                      </a:pPr>
+                      <a:r>
+                        <a:rPr sz="1100" b="0" i="0">
+                          <a:solidFill>
+                            <a:srgbClr val="202124"/>
+                          </a:solidFill>
+                          <a:latin typeface="Roboto"/>
+                          <a:ea typeface="Roboto"/>
+                        </a:rPr>
+                        <a:t>Client libraries</a:t>
+                      </a:r>
+                      <a:endParaRPr sz="1100" b="0" i="0">
+                        <a:solidFill>
+                          <a:srgbClr val="202124"/>
+                        </a:solidFill>
+                        <a:latin typeface="Roboto"/>
+                        <a:ea typeface="Roboto"/>
+                      </a:endParaRPr>
+                    </a:p>
+                  </a:txBody>
+                  <a:tcPr marL="0" marR="0" marT="0" marB="0" anchor="t" anchorCtr="0">
+                    <a:lnL w="9525" cap="flat" cmpd="sng">
+                      <a:solidFill>
+                        <a:srgbClr val="000000"/>
+                      </a:solidFill>
+                      <a:prstDash val="solid"/>
+                      <a:headEnd type="none" w="med" len="med"/>
+                      <a:tailEnd type="none" w="med" len="med"/>
+                    </a:lnL>
+                    <a:lnR w="9525" cap="flat" cmpd="sng">
+                      <a:solidFill>
+                        <a:srgbClr val="000000"/>
+                      </a:solidFill>
+                      <a:prstDash val="solid"/>
+                      <a:headEnd type="none" w="med" len="med"/>
+                      <a:tailEnd type="none" w="med" len="med"/>
+                    </a:lnR>
+                    <a:lnT w="9525" cap="flat" cmpd="sng">
+                      <a:solidFill>
+                        <a:srgbClr val="000000"/>
+                      </a:solidFill>
+                      <a:prstDash val="solid"/>
+                      <a:headEnd type="none" w="med" len="med"/>
+                      <a:tailEnd type="none" w="med" len="med"/>
+                    </a:lnT>
+                    <a:lnB w="9525" cap="flat" cmpd="sng">
+                      <a:solidFill>
+                        <a:srgbClr val="000000"/>
+                      </a:solidFill>
+                      <a:prstDash val="solid"/>
+                      <a:headEnd type="none" w="med" len="med"/>
+                      <a:tailEnd type="none" w="med" len="med"/>
+                    </a:lnB>
+                    <a:noFill/>
+                  </a:tcPr>
+                </a:tc>
+                <a:tc>
+                  <a:txBody>
+                    <a:bodyPr/>
+                    <a:p>
+                      <a:pPr marL="0" indent="0" algn="l" fontAlgn="t" latinLnBrk="0">
+                        <a:spcBef>
+                          <a:spcPct val="0"/>
+                        </a:spcBef>
+                        <a:spcAft>
+                          <a:spcPct val="0"/>
+                        </a:spcAft>
+                      </a:pPr>
+                      <a:r>
+                        <a:rPr sz="1100" b="0" i="0">
+                          <a:solidFill>
+                            <a:srgbClr val="202124"/>
+                          </a:solidFill>
+                          <a:latin typeface="Roboto"/>
+                          <a:ea typeface="Roboto"/>
+                          <a:hlinkClick r:id="rId1"/>
+                        </a:rPr>
+                        <a:t>Google Cloud SDK</a:t>
+                      </a:r>
+                      <a:endParaRPr sz="1100" b="0" i="0">
+                        <a:solidFill>
+                          <a:srgbClr val="202124"/>
+                        </a:solidFill>
+                        <a:latin typeface="Roboto"/>
+                        <a:ea typeface="Roboto"/>
+                        <a:hlinkClick r:id="rId1"/>
+                      </a:endParaRPr>
+                    </a:p>
+                  </a:txBody>
+                  <a:tcPr marL="0" marR="0" marT="0" marB="0" anchor="t" anchorCtr="0">
+                    <a:lnL w="9525" cap="flat" cmpd="sng">
+                      <a:solidFill>
+                        <a:srgbClr val="000000"/>
+                      </a:solidFill>
+                      <a:prstDash val="solid"/>
+                      <a:headEnd type="none" w="med" len="med"/>
+                      <a:tailEnd type="none" w="med" len="med"/>
+                    </a:lnL>
+                    <a:lnR w="9525" cap="flat" cmpd="sng">
+                      <a:solidFill>
+                        <a:srgbClr val="000000"/>
+                      </a:solidFill>
+                      <a:prstDash val="solid"/>
+                      <a:headEnd type="none" w="med" len="med"/>
+                      <a:tailEnd type="none" w="med" len="med"/>
+                    </a:lnR>
+                    <a:lnT w="9525" cap="flat" cmpd="sng">
+                      <a:solidFill>
+                        <a:srgbClr val="000000"/>
+                      </a:solidFill>
+                      <a:prstDash val="solid"/>
+                      <a:headEnd type="none" w="med" len="med"/>
+                      <a:tailEnd type="none" w="med" len="med"/>
+                    </a:lnT>
+                    <a:lnB w="9525" cap="flat" cmpd="sng">
+                      <a:solidFill>
+                        <a:srgbClr val="000000"/>
+                      </a:solidFill>
+                      <a:prstDash val="solid"/>
+                      <a:headEnd type="none" w="med" len="med"/>
+                      <a:tailEnd type="none" w="med" len="med"/>
+                    </a:lnB>
+                    <a:noFill/>
+                  </a:tcPr>
+                </a:tc>
+                <a:tc>
+                  <a:txBody>
+                    <a:bodyPr/>
+                    <a:p>
+                      <a:pPr marL="0" indent="0" algn="l" fontAlgn="t">
+                        <a:spcBef>
+                          <a:spcPct val="0"/>
+                        </a:spcBef>
+                        <a:spcAft>
+                          <a:spcPct val="0"/>
+                        </a:spcAft>
+                      </a:pPr>
+                      <a:r>
+                        <a:rPr sz="1100" b="0" i="0">
+                          <a:solidFill>
+                            <a:srgbClr val="202124"/>
+                          </a:solidFill>
+                          <a:latin typeface="Roboto"/>
+                          <a:ea typeface="Roboto"/>
+                        </a:rPr>
+                        <a:t>Tools and libraries for interacting with Google Cloud products and services.</a:t>
+                      </a:r>
+                      <a:endParaRPr sz="1100" b="0" i="0">
+                        <a:solidFill>
+                          <a:srgbClr val="202124"/>
+                        </a:solidFill>
+                        <a:latin typeface="Roboto"/>
+                        <a:ea typeface="Roboto"/>
+                      </a:endParaRPr>
+                    </a:p>
+                  </a:txBody>
+                  <a:tcPr marL="0" marR="0" marT="0" marB="0" anchor="t" anchorCtr="0">
+                    <a:lnL w="9525" cap="flat" cmpd="sng">
+                      <a:solidFill>
+                        <a:srgbClr val="000000"/>
+                      </a:solidFill>
+                      <a:prstDash val="solid"/>
+                      <a:headEnd type="none" w="med" len="med"/>
+                      <a:tailEnd type="none" w="med" len="med"/>
+                    </a:lnL>
+                    <a:lnR w="9525" cap="flat" cmpd="sng">
+                      <a:solidFill>
+                        <a:srgbClr val="000000"/>
+                      </a:solidFill>
+                      <a:prstDash val="solid"/>
+                      <a:headEnd type="none" w="med" len="med"/>
+                      <a:tailEnd type="none" w="med" len="med"/>
+                    </a:lnR>
+                    <a:lnT w="9525" cap="flat" cmpd="sng">
+                      <a:solidFill>
+                        <a:srgbClr val="000000"/>
+                      </a:solidFill>
+                      <a:prstDash val="solid"/>
+                      <a:headEnd type="none" w="med" len="med"/>
+                      <a:tailEnd type="none" w="med" len="med"/>
+                    </a:lnT>
+                    <a:lnB w="9525" cap="flat" cmpd="sng">
+                      <a:solidFill>
+                        <a:srgbClr val="000000"/>
+                      </a:solidFill>
+                      <a:prstDash val="solid"/>
+                      <a:headEnd type="none" w="med" len="med"/>
+                      <a:tailEnd type="none" w="med" len="med"/>
+                    </a:lnB>
+                    <a:noFill/>
+                  </a:tcPr>
+                </a:tc>
+                <a:tc>
+                  <a:txBody>
+                    <a:bodyPr/>
+                    <a:p>
+                      <a:pPr marL="0" indent="0" algn="l" fontAlgn="t">
+                        <a:spcBef>
+                          <a:spcPct val="0"/>
+                        </a:spcBef>
+                        <a:spcAft>
+                          <a:spcPct val="0"/>
+                        </a:spcAft>
+                      </a:pPr>
+                      <a:r>
+                        <a:rPr sz="1100" b="0" i="0">
+                          <a:solidFill>
+                            <a:srgbClr val="202124"/>
+                          </a:solidFill>
+                          <a:latin typeface="Roboto"/>
+                          <a:ea typeface="Roboto"/>
+                        </a:rPr>
+                        <a:t>AWS SDKs</a:t>
+                      </a:r>
+                      <a:endParaRPr sz="1100" b="0" i="0">
+                        <a:solidFill>
+                          <a:srgbClr val="202124"/>
+                        </a:solidFill>
+                        <a:latin typeface="Roboto"/>
+                        <a:ea typeface="Roboto"/>
+                      </a:endParaRPr>
+                    </a:p>
+                  </a:txBody>
+                  <a:tcPr marL="0" marR="0" marT="0" marB="0" anchor="t" anchorCtr="0">
+                    <a:lnL w="9525" cap="flat" cmpd="sng">
+                      <a:solidFill>
+                        <a:srgbClr val="000000"/>
+                      </a:solidFill>
+                      <a:prstDash val="solid"/>
+                      <a:headEnd type="none" w="med" len="med"/>
+                      <a:tailEnd type="none" w="med" len="med"/>
+                    </a:lnL>
+                    <a:lnR w="9525" cap="flat" cmpd="sng">
+                      <a:solidFill>
+                        <a:srgbClr val="000000"/>
+                      </a:solidFill>
+                      <a:prstDash val="solid"/>
+                      <a:headEnd type="none" w="med" len="med"/>
+                      <a:tailEnd type="none" w="med" len="med"/>
+                    </a:lnR>
+                    <a:lnT w="9525" cap="flat" cmpd="sng">
+                      <a:solidFill>
+                        <a:srgbClr val="000000"/>
+                      </a:solidFill>
+                      <a:prstDash val="solid"/>
+                      <a:headEnd type="none" w="med" len="med"/>
+                      <a:tailEnd type="none" w="med" len="med"/>
+                    </a:lnT>
+                    <a:lnB w="9525" cap="flat" cmpd="sng">
+                      <a:solidFill>
+                        <a:srgbClr val="000000"/>
+                      </a:solidFill>
+                      <a:prstDash val="solid"/>
+                      <a:headEnd type="none" w="med" len="med"/>
+                      <a:tailEnd type="none" w="med" len="med"/>
+                    </a:lnB>
+                    <a:noFill/>
+                  </a:tcPr>
+                </a:tc>
+                <a:tc>
+                  <a:txBody>
+                    <a:bodyPr/>
+                    <a:p>
+                      <a:pPr marL="0" indent="0" algn="l" fontAlgn="t">
+                        <a:spcBef>
+                          <a:spcPct val="0"/>
+                        </a:spcBef>
+                        <a:spcAft>
+                          <a:spcPct val="0"/>
+                        </a:spcAft>
+                      </a:pPr>
+                      <a:r>
+                        <a:rPr sz="1100" b="0" i="0">
+                          <a:solidFill>
+                            <a:srgbClr val="202124"/>
+                          </a:solidFill>
+                          <a:latin typeface="Roboto"/>
+                          <a:ea typeface="Roboto"/>
+                        </a:rPr>
+                        <a:t>Azure SDKs</a:t>
+                      </a:r>
+                      <a:endParaRPr sz="1100" b="0" i="0">
+                        <a:solidFill>
+                          <a:srgbClr val="202124"/>
+                        </a:solidFill>
+                        <a:latin typeface="Roboto"/>
+                        <a:ea typeface="Roboto"/>
+                      </a:endParaRPr>
+                    </a:p>
+                  </a:txBody>
+                  <a:tcPr marL="0" marR="0" marT="0" marB="0" anchor="t" anchorCtr="0">
+                    <a:lnL w="9525" cap="flat" cmpd="sng">
+                      <a:solidFill>
+                        <a:srgbClr val="000000"/>
+                      </a:solidFill>
+                      <a:prstDash val="solid"/>
+                      <a:headEnd type="none" w="med" len="med"/>
+                      <a:tailEnd type="none" w="med" len="med"/>
+                    </a:lnL>
+                    <a:lnR w="9525" cap="flat" cmpd="sng">
+                      <a:solidFill>
+                        <a:srgbClr val="000000"/>
+                      </a:solidFill>
+                      <a:prstDash val="solid"/>
+                      <a:headEnd type="none" w="med" len="med"/>
+                      <a:tailEnd type="none" w="med" len="med"/>
+                    </a:lnR>
+                    <a:lnT w="9525" cap="flat" cmpd="sng">
+                      <a:solidFill>
+                        <a:srgbClr val="000000"/>
+                      </a:solidFill>
+                      <a:prstDash val="solid"/>
+                      <a:headEnd type="none" w="med" len="med"/>
+                      <a:tailEnd type="none" w="med" len="med"/>
+                    </a:lnT>
+                    <a:lnB w="9525" cap="flat" cmpd="sng">
+                      <a:solidFill>
+                        <a:srgbClr val="000000"/>
+                      </a:solidFill>
+                      <a:prstDash val="solid"/>
+                      <a:headEnd type="none" w="med" len="med"/>
+                      <a:tailEnd type="none" w="med" len="med"/>
+                    </a:lnB>
+                    <a:noFill/>
+                  </a:tcPr>
+                </a:tc>
+              </a:tr>
+            </a:tbl>
+          </a:graphicData>
+        </a:graphic>
+      </p:graphicFrame>
+      <p:graphicFrame>
+        <p:nvGraphicFramePr>
+          <p:cNvPr id="4" name="Table 3"/>
+          <p:cNvGraphicFramePr/>
+          <p:nvPr/>
+        </p:nvGraphicFramePr>
+        <p:xfrm>
+          <a:off x="372110" y="972185"/>
+          <a:ext cx="10485120" cy="0"/>
+        </p:xfrm>
+        <a:graphic>
+          <a:graphicData uri="http://schemas.openxmlformats.org/drawingml/2006/table">
+            <a:tbl>
+              <a:tblPr/>
+              <a:tblGrid>
+                <a:gridCol w="1747520"/>
+                <a:gridCol w="1747520"/>
+                <a:gridCol w="1747520"/>
+                <a:gridCol w="1747520"/>
+                <a:gridCol w="1747520"/>
+                <a:gridCol w="1747520"/>
+              </a:tblGrid>
+              <a:tr h="0">
+                <a:tc>
+                  <a:txBody>
+                    <a:bodyPr/>
+                    <a:p>
+                      <a:pPr marL="0" indent="0" algn="l" fontAlgn="t">
+                        <a:spcBef>
+                          <a:spcPct val="0"/>
+                        </a:spcBef>
+                        <a:spcAft>
+                          <a:spcPct val="0"/>
+                        </a:spcAft>
+                      </a:pPr>
+                      <a:r>
+                        <a:rPr sz="1100" b="0" i="0">
+                          <a:solidFill>
+                            <a:srgbClr val="202124"/>
+                          </a:solidFill>
+                          <a:latin typeface="Roboto"/>
+                          <a:ea typeface="Roboto"/>
+                        </a:rPr>
+                        <a:t>Developer tools</a:t>
+                      </a:r>
+                      <a:endParaRPr sz="1100" b="0" i="0">
+                        <a:solidFill>
+                          <a:srgbClr val="202124"/>
+                        </a:solidFill>
+                        <a:latin typeface="Roboto"/>
+                        <a:ea typeface="Roboto"/>
+                      </a:endParaRPr>
+                    </a:p>
+                  </a:txBody>
+                  <a:tcPr marL="0" marR="0" marT="0" marB="0" anchor="t" anchorCtr="0">
+                    <a:lnL w="9525" cap="flat" cmpd="sng">
+                      <a:solidFill>
+                        <a:srgbClr val="000000"/>
+                      </a:solidFill>
+                      <a:prstDash val="solid"/>
+                      <a:headEnd type="none" w="med" len="med"/>
+                      <a:tailEnd type="none" w="med" len="med"/>
+                    </a:lnL>
+                    <a:lnR w="9525" cap="flat" cmpd="sng">
+                      <a:solidFill>
+                        <a:srgbClr val="000000"/>
+                      </a:solidFill>
+                      <a:prstDash val="solid"/>
+                      <a:headEnd type="none" w="med" len="med"/>
+                      <a:tailEnd type="none" w="med" len="med"/>
+                    </a:lnR>
+                    <a:lnT w="9525" cap="flat" cmpd="sng">
+                      <a:solidFill>
+                        <a:srgbClr val="000000"/>
+                      </a:solidFill>
+                      <a:prstDash val="solid"/>
+                      <a:headEnd type="none" w="med" len="med"/>
+                      <a:tailEnd type="none" w="med" len="med"/>
+                    </a:lnT>
+                    <a:lnB w="9525" cap="flat" cmpd="sng">
+                      <a:solidFill>
+                        <a:srgbClr val="000000"/>
+                      </a:solidFill>
+                      <a:prstDash val="solid"/>
+                      <a:headEnd type="none" w="med" len="med"/>
+                      <a:tailEnd type="none" w="med" len="med"/>
+                    </a:lnB>
+                    <a:noFill/>
+                  </a:tcPr>
+                </a:tc>
+                <a:tc>
+                  <a:txBody>
+                    <a:bodyPr/>
+                    <a:p>
+                      <a:pPr marL="0" indent="0" algn="l" fontAlgn="t">
+                        <a:spcBef>
+                          <a:spcPct val="0"/>
+                        </a:spcBef>
+                        <a:spcAft>
+                          <a:spcPct val="0"/>
+                        </a:spcAft>
+                      </a:pPr>
+                      <a:r>
+                        <a:rPr sz="1100" b="0" i="0">
+                          <a:solidFill>
+                            <a:srgbClr val="202124"/>
+                          </a:solidFill>
+                          <a:latin typeface="Roboto"/>
+                          <a:ea typeface="Roboto"/>
+                        </a:rPr>
+                        <a:t>Cloud-based IDE</a:t>
+                      </a:r>
+                      <a:endParaRPr sz="1100" b="0" i="0">
+                        <a:solidFill>
+                          <a:srgbClr val="202124"/>
+                        </a:solidFill>
+                        <a:latin typeface="Roboto"/>
+                        <a:ea typeface="Roboto"/>
+                      </a:endParaRPr>
+                    </a:p>
+                  </a:txBody>
+                  <a:tcPr marL="0" marR="0" marT="0" marB="0" anchor="t" anchorCtr="0">
+                    <a:lnL w="9525" cap="flat" cmpd="sng">
+                      <a:solidFill>
+                        <a:srgbClr val="000000"/>
+                      </a:solidFill>
+                      <a:prstDash val="solid"/>
+                      <a:headEnd type="none" w="med" len="med"/>
+                      <a:tailEnd type="none" w="med" len="med"/>
+                    </a:lnL>
+                    <a:lnR w="9525" cap="flat" cmpd="sng">
+                      <a:solidFill>
+                        <a:srgbClr val="000000"/>
+                      </a:solidFill>
+                      <a:prstDash val="solid"/>
+                      <a:headEnd type="none" w="med" len="med"/>
+                      <a:tailEnd type="none" w="med" len="med"/>
+                    </a:lnR>
+                    <a:lnT w="9525" cap="flat" cmpd="sng">
+                      <a:solidFill>
+                        <a:srgbClr val="000000"/>
+                      </a:solidFill>
+                      <a:prstDash val="solid"/>
+                      <a:headEnd type="none" w="med" len="med"/>
+                      <a:tailEnd type="none" w="med" len="med"/>
+                    </a:lnT>
+                    <a:lnB w="9525" cap="flat" cmpd="sng">
+                      <a:solidFill>
+                        <a:srgbClr val="000000"/>
+                      </a:solidFill>
+                      <a:prstDash val="solid"/>
+                      <a:headEnd type="none" w="med" len="med"/>
+                      <a:tailEnd type="none" w="med" len="med"/>
+                    </a:lnB>
+                    <a:noFill/>
+                  </a:tcPr>
+                </a:tc>
+                <a:tc>
+                  <a:txBody>
+                    <a:bodyPr/>
+                    <a:p>
+                      <a:pPr marL="0" indent="0" algn="l" fontAlgn="t" latinLnBrk="0">
+                        <a:spcBef>
+                          <a:spcPct val="0"/>
+                        </a:spcBef>
+                        <a:spcAft>
+                          <a:spcPct val="0"/>
+                        </a:spcAft>
+                      </a:pPr>
+                      <a:r>
+                        <a:rPr sz="1100" b="0" i="0">
+                          <a:solidFill>
+                            <a:srgbClr val="202124"/>
+                          </a:solidFill>
+                          <a:latin typeface="Roboto"/>
+                          <a:ea typeface="Roboto"/>
+                          <a:hlinkClick r:id="rId2"/>
+                        </a:rPr>
+                        <a:t>Cloud Shell</a:t>
+                      </a:r>
+                      <a:endParaRPr sz="1100" b="0" i="0">
+                        <a:solidFill>
+                          <a:srgbClr val="202124"/>
+                        </a:solidFill>
+                        <a:latin typeface="Roboto"/>
+                        <a:ea typeface="Roboto"/>
+                        <a:hlinkClick r:id="rId2"/>
+                      </a:endParaRPr>
+                    </a:p>
+                  </a:txBody>
+                  <a:tcPr marL="0" marR="0" marT="0" marB="0" anchor="t" anchorCtr="0">
+                    <a:lnL w="9525" cap="flat" cmpd="sng">
+                      <a:solidFill>
+                        <a:srgbClr val="000000"/>
+                      </a:solidFill>
+                      <a:prstDash val="solid"/>
+                      <a:headEnd type="none" w="med" len="med"/>
+                      <a:tailEnd type="none" w="med" len="med"/>
+                    </a:lnL>
+                    <a:lnR w="9525" cap="flat" cmpd="sng">
+                      <a:solidFill>
+                        <a:srgbClr val="000000"/>
+                      </a:solidFill>
+                      <a:prstDash val="solid"/>
+                      <a:headEnd type="none" w="med" len="med"/>
+                      <a:tailEnd type="none" w="med" len="med"/>
+                    </a:lnR>
+                    <a:lnT w="9525" cap="flat" cmpd="sng">
+                      <a:solidFill>
+                        <a:srgbClr val="000000"/>
+                      </a:solidFill>
+                      <a:prstDash val="solid"/>
+                      <a:headEnd type="none" w="med" len="med"/>
+                      <a:tailEnd type="none" w="med" len="med"/>
+                    </a:lnT>
+                    <a:lnB w="9525" cap="flat" cmpd="sng">
+                      <a:solidFill>
+                        <a:srgbClr val="000000"/>
+                      </a:solidFill>
+                      <a:prstDash val="solid"/>
+                      <a:headEnd type="none" w="med" len="med"/>
+                      <a:tailEnd type="none" w="med" len="med"/>
+                    </a:lnB>
+                    <a:noFill/>
+                  </a:tcPr>
+                </a:tc>
+                <a:tc>
+                  <a:txBody>
+                    <a:bodyPr/>
+                    <a:p>
+                      <a:pPr marL="0" indent="0" algn="l" fontAlgn="t">
+                        <a:spcBef>
+                          <a:spcPct val="0"/>
+                        </a:spcBef>
+                        <a:spcAft>
+                          <a:spcPct val="0"/>
+                        </a:spcAft>
+                      </a:pPr>
+                      <a:r>
+                        <a:rPr sz="1100" b="0" i="0">
+                          <a:solidFill>
+                            <a:srgbClr val="202124"/>
+                          </a:solidFill>
+                          <a:latin typeface="Roboto"/>
+                          <a:ea typeface="Roboto"/>
+                        </a:rPr>
+                        <a:t>Manage your infrastructure and develop your applications from any browser.</a:t>
+                      </a:r>
+                      <a:endParaRPr sz="1100" b="0" i="0">
+                        <a:solidFill>
+                          <a:srgbClr val="202124"/>
+                        </a:solidFill>
+                        <a:latin typeface="Roboto"/>
+                        <a:ea typeface="Roboto"/>
+                      </a:endParaRPr>
+                    </a:p>
+                  </a:txBody>
+                  <a:tcPr marL="0" marR="0" marT="0" marB="0" anchor="t" anchorCtr="0">
+                    <a:lnL w="9525" cap="flat" cmpd="sng">
+                      <a:solidFill>
+                        <a:srgbClr val="000000"/>
+                      </a:solidFill>
+                      <a:prstDash val="solid"/>
+                      <a:headEnd type="none" w="med" len="med"/>
+                      <a:tailEnd type="none" w="med" len="med"/>
+                    </a:lnL>
+                    <a:lnR w="9525" cap="flat" cmpd="sng">
+                      <a:solidFill>
+                        <a:srgbClr val="000000"/>
+                      </a:solidFill>
+                      <a:prstDash val="solid"/>
+                      <a:headEnd type="none" w="med" len="med"/>
+                      <a:tailEnd type="none" w="med" len="med"/>
+                    </a:lnR>
+                    <a:lnT w="9525" cap="flat" cmpd="sng">
+                      <a:solidFill>
+                        <a:srgbClr val="000000"/>
+                      </a:solidFill>
+                      <a:prstDash val="solid"/>
+                      <a:headEnd type="none" w="med" len="med"/>
+                      <a:tailEnd type="none" w="med" len="med"/>
+                    </a:lnT>
+                    <a:lnB w="9525" cap="flat" cmpd="sng">
+                      <a:solidFill>
+                        <a:srgbClr val="000000"/>
+                      </a:solidFill>
+                      <a:prstDash val="solid"/>
+                      <a:headEnd type="none" w="med" len="med"/>
+                      <a:tailEnd type="none" w="med" len="med"/>
+                    </a:lnB>
+                    <a:noFill/>
+                  </a:tcPr>
+                </a:tc>
+                <a:tc>
+                  <a:txBody>
+                    <a:bodyPr/>
+                    <a:p>
+                      <a:pPr marL="0" indent="0" algn="l" fontAlgn="t">
+                        <a:spcBef>
+                          <a:spcPct val="0"/>
+                        </a:spcBef>
+                        <a:spcAft>
+                          <a:spcPct val="0"/>
+                        </a:spcAft>
+                      </a:pPr>
+                      <a:r>
+                        <a:rPr sz="1100" b="0" i="0">
+                          <a:solidFill>
+                            <a:srgbClr val="202124"/>
+                          </a:solidFill>
+                          <a:latin typeface="Roboto"/>
+                          <a:ea typeface="Roboto"/>
+                        </a:rPr>
+                        <a:t>AWS CloudShell</a:t>
+                      </a:r>
+                      <a:endParaRPr sz="1100" b="0" i="0">
+                        <a:solidFill>
+                          <a:srgbClr val="202124"/>
+                        </a:solidFill>
+                        <a:latin typeface="Roboto"/>
+                        <a:ea typeface="Roboto"/>
+                      </a:endParaRPr>
+                    </a:p>
+                  </a:txBody>
+                  <a:tcPr marL="0" marR="0" marT="0" marB="0" anchor="t" anchorCtr="0">
+                    <a:lnL w="9525" cap="flat" cmpd="sng">
+                      <a:solidFill>
+                        <a:srgbClr val="000000"/>
+                      </a:solidFill>
+                      <a:prstDash val="solid"/>
+                      <a:headEnd type="none" w="med" len="med"/>
+                      <a:tailEnd type="none" w="med" len="med"/>
+                    </a:lnL>
+                    <a:lnR w="9525" cap="flat" cmpd="sng">
+                      <a:solidFill>
+                        <a:srgbClr val="000000"/>
+                      </a:solidFill>
+                      <a:prstDash val="solid"/>
+                      <a:headEnd type="none" w="med" len="med"/>
+                      <a:tailEnd type="none" w="med" len="med"/>
+                    </a:lnR>
+                    <a:lnT w="9525" cap="flat" cmpd="sng">
+                      <a:solidFill>
+                        <a:srgbClr val="000000"/>
+                      </a:solidFill>
+                      <a:prstDash val="solid"/>
+                      <a:headEnd type="none" w="med" len="med"/>
+                      <a:tailEnd type="none" w="med" len="med"/>
+                    </a:lnT>
+                    <a:lnB w="9525" cap="flat" cmpd="sng">
+                      <a:solidFill>
+                        <a:srgbClr val="000000"/>
+                      </a:solidFill>
+                      <a:prstDash val="solid"/>
+                      <a:headEnd type="none" w="med" len="med"/>
+                      <a:tailEnd type="none" w="med" len="med"/>
+                    </a:lnB>
+                    <a:noFill/>
+                  </a:tcPr>
+                </a:tc>
+                <a:tc>
+                  <a:txBody>
+                    <a:bodyPr/>
+                    <a:p>
+                      <a:pPr marL="0" indent="0" algn="l" fontAlgn="t">
+                        <a:spcBef>
+                          <a:spcPct val="0"/>
+                        </a:spcBef>
+                        <a:spcAft>
+                          <a:spcPct val="0"/>
+                        </a:spcAft>
+                      </a:pPr>
+                      <a:r>
+                        <a:rPr sz="1100" b="0" i="0">
+                          <a:solidFill>
+                            <a:srgbClr val="202124"/>
+                          </a:solidFill>
+                          <a:latin typeface="Roboto"/>
+                          <a:ea typeface="Roboto"/>
+                        </a:rPr>
+                        <a:t>Azure Cloud Shell</a:t>
+                      </a:r>
+                      <a:endParaRPr sz="1100" b="0" i="0">
+                        <a:solidFill>
+                          <a:srgbClr val="202124"/>
+                        </a:solidFill>
+                        <a:latin typeface="Roboto"/>
+                        <a:ea typeface="Roboto"/>
+                      </a:endParaRPr>
+                    </a:p>
+                  </a:txBody>
+                  <a:tcPr marL="0" marR="0" marT="0" marB="0" anchor="t" anchorCtr="0">
+                    <a:lnL w="9525" cap="flat" cmpd="sng">
+                      <a:solidFill>
+                        <a:srgbClr val="000000"/>
+                      </a:solidFill>
+                      <a:prstDash val="solid"/>
+                      <a:headEnd type="none" w="med" len="med"/>
+                      <a:tailEnd type="none" w="med" len="med"/>
+                    </a:lnL>
+                    <a:lnR w="9525" cap="flat" cmpd="sng">
+                      <a:solidFill>
+                        <a:srgbClr val="000000"/>
+                      </a:solidFill>
+                      <a:prstDash val="solid"/>
+                      <a:headEnd type="none" w="med" len="med"/>
+                      <a:tailEnd type="none" w="med" len="med"/>
+                    </a:lnR>
+                    <a:lnT w="9525" cap="flat" cmpd="sng">
+                      <a:solidFill>
+                        <a:srgbClr val="000000"/>
+                      </a:solidFill>
+                      <a:prstDash val="solid"/>
+                      <a:headEnd type="none" w="med" len="med"/>
+                      <a:tailEnd type="none" w="med" len="med"/>
+                    </a:lnT>
+                    <a:lnB w="9525" cap="flat" cmpd="sng">
+                      <a:solidFill>
+                        <a:srgbClr val="000000"/>
+                      </a:solidFill>
+                      <a:prstDash val="solid"/>
+                      <a:headEnd type="none" w="med" len="med"/>
+                      <a:tailEnd type="none" w="med" len="med"/>
+                    </a:lnB>
+                    <a:noFill/>
+                  </a:tcPr>
+                </a:tc>
+              </a:tr>
+            </a:tbl>
+          </a:graphicData>
+        </a:graphic>
+      </p:graphicFrame>
+      <p:graphicFrame>
+        <p:nvGraphicFramePr>
+          <p:cNvPr id="5" name="Table 4"/>
+          <p:cNvGraphicFramePr/>
+          <p:nvPr/>
+        </p:nvGraphicFramePr>
+        <p:xfrm>
+          <a:off x="372110" y="1475105"/>
+          <a:ext cx="10485120" cy="0"/>
+        </p:xfrm>
+        <a:graphic>
+          <a:graphicData uri="http://schemas.openxmlformats.org/drawingml/2006/table">
+            <a:tbl>
+              <a:tblPr/>
+              <a:tblGrid>
+                <a:gridCol w="1747520"/>
+                <a:gridCol w="1747520"/>
+                <a:gridCol w="1747520"/>
+                <a:gridCol w="1747520"/>
+                <a:gridCol w="1747520"/>
+                <a:gridCol w="1747520"/>
+              </a:tblGrid>
+              <a:tr h="0">
+                <a:tc>
+                  <a:txBody>
+                    <a:bodyPr/>
+                    <a:p>
+                      <a:pPr marL="0" indent="0" algn="l" fontAlgn="t">
+                        <a:spcBef>
+                          <a:spcPct val="0"/>
+                        </a:spcBef>
+                        <a:spcAft>
+                          <a:spcPct val="0"/>
+                        </a:spcAft>
+                      </a:pPr>
+                      <a:r>
+                        <a:rPr sz="1100" b="0" i="0">
+                          <a:solidFill>
+                            <a:srgbClr val="202124"/>
+                          </a:solidFill>
+                          <a:latin typeface="Roboto"/>
+                          <a:ea typeface="Roboto"/>
+                        </a:rPr>
+                        <a:t>Developer tools</a:t>
+                      </a:r>
+                      <a:endParaRPr sz="1100" b="0" i="0">
+                        <a:solidFill>
+                          <a:srgbClr val="202124"/>
+                        </a:solidFill>
+                        <a:latin typeface="Roboto"/>
+                        <a:ea typeface="Roboto"/>
+                      </a:endParaRPr>
+                    </a:p>
+                  </a:txBody>
+                  <a:tcPr marL="0" marR="0" marT="0" marB="0" anchor="t" anchorCtr="0">
+                    <a:lnL w="9525" cap="flat" cmpd="sng">
+                      <a:solidFill>
+                        <a:srgbClr val="000000"/>
+                      </a:solidFill>
+                      <a:prstDash val="solid"/>
+                      <a:headEnd type="none" w="med" len="med"/>
+                      <a:tailEnd type="none" w="med" len="med"/>
+                    </a:lnL>
+                    <a:lnR w="9525" cap="flat" cmpd="sng">
+                      <a:solidFill>
+                        <a:srgbClr val="000000"/>
+                      </a:solidFill>
+                      <a:prstDash val="solid"/>
+                      <a:headEnd type="none" w="med" len="med"/>
+                      <a:tailEnd type="none" w="med" len="med"/>
+                    </a:lnR>
+                    <a:lnT w="9525" cap="flat" cmpd="sng">
+                      <a:solidFill>
+                        <a:srgbClr val="000000"/>
+                      </a:solidFill>
+                      <a:prstDash val="solid"/>
+                      <a:headEnd type="none" w="med" len="med"/>
+                      <a:tailEnd type="none" w="med" len="med"/>
+                    </a:lnT>
+                    <a:lnB w="9525" cap="flat" cmpd="sng">
+                      <a:solidFill>
+                        <a:srgbClr val="000000"/>
+                      </a:solidFill>
+                      <a:prstDash val="solid"/>
+                      <a:headEnd type="none" w="med" len="med"/>
+                      <a:tailEnd type="none" w="med" len="med"/>
+                    </a:lnB>
+                    <a:noFill/>
+                  </a:tcPr>
+                </a:tc>
+                <a:tc>
+                  <a:txBody>
+                    <a:bodyPr/>
+                    <a:p>
+                      <a:pPr marL="0" indent="0" algn="l" fontAlgn="t">
+                        <a:spcBef>
+                          <a:spcPct val="0"/>
+                        </a:spcBef>
+                        <a:spcAft>
+                          <a:spcPct val="0"/>
+                        </a:spcAft>
+                      </a:pPr>
+                      <a:r>
+                        <a:rPr sz="1100" b="0" i="0">
+                          <a:solidFill>
+                            <a:srgbClr val="202124"/>
+                          </a:solidFill>
+                          <a:latin typeface="Roboto"/>
+                          <a:ea typeface="Roboto"/>
+                        </a:rPr>
+                        <a:t>Command-line interface (CLI)</a:t>
+                      </a:r>
+                      <a:endParaRPr sz="1100" b="0" i="0">
+                        <a:solidFill>
+                          <a:srgbClr val="202124"/>
+                        </a:solidFill>
+                        <a:latin typeface="Roboto"/>
+                        <a:ea typeface="Roboto"/>
+                      </a:endParaRPr>
+                    </a:p>
+                  </a:txBody>
+                  <a:tcPr marL="0" marR="0" marT="0" marB="0" anchor="t" anchorCtr="0">
+                    <a:lnL w="9525" cap="flat" cmpd="sng">
+                      <a:solidFill>
+                        <a:srgbClr val="000000"/>
+                      </a:solidFill>
+                      <a:prstDash val="solid"/>
+                      <a:headEnd type="none" w="med" len="med"/>
+                      <a:tailEnd type="none" w="med" len="med"/>
+                    </a:lnL>
+                    <a:lnR w="9525" cap="flat" cmpd="sng">
+                      <a:solidFill>
+                        <a:srgbClr val="000000"/>
+                      </a:solidFill>
+                      <a:prstDash val="solid"/>
+                      <a:headEnd type="none" w="med" len="med"/>
+                      <a:tailEnd type="none" w="med" len="med"/>
+                    </a:lnR>
+                    <a:lnT w="9525" cap="flat" cmpd="sng">
+                      <a:solidFill>
+                        <a:srgbClr val="000000"/>
+                      </a:solidFill>
+                      <a:prstDash val="solid"/>
+                      <a:headEnd type="none" w="med" len="med"/>
+                      <a:tailEnd type="none" w="med" len="med"/>
+                    </a:lnT>
+                    <a:lnB w="9525" cap="flat" cmpd="sng">
+                      <a:solidFill>
+                        <a:srgbClr val="000000"/>
+                      </a:solidFill>
+                      <a:prstDash val="solid"/>
+                      <a:headEnd type="none" w="med" len="med"/>
+                      <a:tailEnd type="none" w="med" len="med"/>
+                    </a:lnB>
+                    <a:noFill/>
+                  </a:tcPr>
+                </a:tc>
+                <a:tc>
+                  <a:txBody>
+                    <a:bodyPr/>
+                    <a:p>
+                      <a:pPr marL="0" indent="0" algn="l" fontAlgn="t" latinLnBrk="0">
+                        <a:spcBef>
+                          <a:spcPct val="0"/>
+                        </a:spcBef>
+                        <a:spcAft>
+                          <a:spcPct val="0"/>
+                        </a:spcAft>
+                      </a:pPr>
+                      <a:r>
+                        <a:rPr sz="1100" b="0" i="0">
+                          <a:solidFill>
+                            <a:srgbClr val="202124"/>
+                          </a:solidFill>
+                          <a:latin typeface="Roboto"/>
+                          <a:ea typeface="Roboto"/>
+                          <a:hlinkClick r:id="rId1"/>
+                        </a:rPr>
+                        <a:t>Google Cloud SDK</a:t>
+                      </a:r>
+                      <a:endParaRPr sz="1100" b="0" i="0">
+                        <a:solidFill>
+                          <a:srgbClr val="202124"/>
+                        </a:solidFill>
+                        <a:latin typeface="Roboto"/>
+                        <a:ea typeface="Roboto"/>
+                        <a:hlinkClick r:id="rId1"/>
+                      </a:endParaRPr>
+                    </a:p>
+                  </a:txBody>
+                  <a:tcPr marL="0" marR="0" marT="0" marB="0" anchor="t" anchorCtr="0">
+                    <a:lnL w="9525" cap="flat" cmpd="sng">
+                      <a:solidFill>
+                        <a:srgbClr val="000000"/>
+                      </a:solidFill>
+                      <a:prstDash val="solid"/>
+                      <a:headEnd type="none" w="med" len="med"/>
+                      <a:tailEnd type="none" w="med" len="med"/>
+                    </a:lnL>
+                    <a:lnR w="9525" cap="flat" cmpd="sng">
+                      <a:solidFill>
+                        <a:srgbClr val="000000"/>
+                      </a:solidFill>
+                      <a:prstDash val="solid"/>
+                      <a:headEnd type="none" w="med" len="med"/>
+                      <a:tailEnd type="none" w="med" len="med"/>
+                    </a:lnR>
+                    <a:lnT w="9525" cap="flat" cmpd="sng">
+                      <a:solidFill>
+                        <a:srgbClr val="000000"/>
+                      </a:solidFill>
+                      <a:prstDash val="solid"/>
+                      <a:headEnd type="none" w="med" len="med"/>
+                      <a:tailEnd type="none" w="med" len="med"/>
+                    </a:lnT>
+                    <a:lnB w="9525" cap="flat" cmpd="sng">
+                      <a:solidFill>
+                        <a:srgbClr val="000000"/>
+                      </a:solidFill>
+                      <a:prstDash val="solid"/>
+                      <a:headEnd type="none" w="med" len="med"/>
+                      <a:tailEnd type="none" w="med" len="med"/>
+                    </a:lnB>
+                    <a:noFill/>
+                  </a:tcPr>
+                </a:tc>
+                <a:tc>
+                  <a:txBody>
+                    <a:bodyPr/>
+                    <a:p>
+                      <a:pPr marL="0" indent="0" algn="l" fontAlgn="t">
+                        <a:spcBef>
+                          <a:spcPct val="0"/>
+                        </a:spcBef>
+                        <a:spcAft>
+                          <a:spcPct val="0"/>
+                        </a:spcAft>
+                      </a:pPr>
+                      <a:r>
+                        <a:rPr sz="1100" b="0" i="0">
+                          <a:solidFill>
+                            <a:srgbClr val="202124"/>
+                          </a:solidFill>
+                          <a:latin typeface="Roboto"/>
+                          <a:ea typeface="Roboto"/>
+                        </a:rPr>
+                        <a:t>Tools and libraries for interacting with Google Cloud products and services.</a:t>
+                      </a:r>
+                      <a:endParaRPr sz="1100" b="0" i="0">
+                        <a:solidFill>
+                          <a:srgbClr val="202124"/>
+                        </a:solidFill>
+                        <a:latin typeface="Roboto"/>
+                        <a:ea typeface="Roboto"/>
+                      </a:endParaRPr>
+                    </a:p>
+                  </a:txBody>
+                  <a:tcPr marL="0" marR="0" marT="0" marB="0" anchor="t" anchorCtr="0">
+                    <a:lnL w="9525" cap="flat" cmpd="sng">
+                      <a:solidFill>
+                        <a:srgbClr val="000000"/>
+                      </a:solidFill>
+                      <a:prstDash val="solid"/>
+                      <a:headEnd type="none" w="med" len="med"/>
+                      <a:tailEnd type="none" w="med" len="med"/>
+                    </a:lnL>
+                    <a:lnR w="9525" cap="flat" cmpd="sng">
+                      <a:solidFill>
+                        <a:srgbClr val="000000"/>
+                      </a:solidFill>
+                      <a:prstDash val="solid"/>
+                      <a:headEnd type="none" w="med" len="med"/>
+                      <a:tailEnd type="none" w="med" len="med"/>
+                    </a:lnR>
+                    <a:lnT w="9525" cap="flat" cmpd="sng">
+                      <a:solidFill>
+                        <a:srgbClr val="000000"/>
+                      </a:solidFill>
+                      <a:prstDash val="solid"/>
+                      <a:headEnd type="none" w="med" len="med"/>
+                      <a:tailEnd type="none" w="med" len="med"/>
+                    </a:lnT>
+                    <a:lnB w="9525" cap="flat" cmpd="sng">
+                      <a:solidFill>
+                        <a:srgbClr val="000000"/>
+                      </a:solidFill>
+                      <a:prstDash val="solid"/>
+                      <a:headEnd type="none" w="med" len="med"/>
+                      <a:tailEnd type="none" w="med" len="med"/>
+                    </a:lnB>
+                    <a:noFill/>
+                  </a:tcPr>
+                </a:tc>
+                <a:tc>
+                  <a:txBody>
+                    <a:bodyPr/>
+                    <a:p>
+                      <a:pPr marL="0" indent="0" algn="l" fontAlgn="t">
+                        <a:spcBef>
+                          <a:spcPct val="0"/>
+                        </a:spcBef>
+                        <a:spcAft>
+                          <a:spcPct val="0"/>
+                        </a:spcAft>
+                      </a:pPr>
+                      <a:r>
+                        <a:rPr sz="1100" b="0" i="0">
+                          <a:solidFill>
+                            <a:srgbClr val="202124"/>
+                          </a:solidFill>
+                          <a:latin typeface="Roboto"/>
+                          <a:ea typeface="Roboto"/>
+                        </a:rPr>
+                        <a:t>AWS CLI</a:t>
+                      </a:r>
+                      <a:endParaRPr sz="1100" b="0" i="0">
+                        <a:solidFill>
+                          <a:srgbClr val="202124"/>
+                        </a:solidFill>
+                        <a:latin typeface="Roboto"/>
+                        <a:ea typeface="Roboto"/>
+                      </a:endParaRPr>
+                    </a:p>
+                  </a:txBody>
+                  <a:tcPr marL="0" marR="0" marT="0" marB="0" anchor="t" anchorCtr="0">
+                    <a:lnL w="9525" cap="flat" cmpd="sng">
+                      <a:solidFill>
+                        <a:srgbClr val="000000"/>
+                      </a:solidFill>
+                      <a:prstDash val="solid"/>
+                      <a:headEnd type="none" w="med" len="med"/>
+                      <a:tailEnd type="none" w="med" len="med"/>
+                    </a:lnL>
+                    <a:lnR w="9525" cap="flat" cmpd="sng">
+                      <a:solidFill>
+                        <a:srgbClr val="000000"/>
+                      </a:solidFill>
+                      <a:prstDash val="solid"/>
+                      <a:headEnd type="none" w="med" len="med"/>
+                      <a:tailEnd type="none" w="med" len="med"/>
+                    </a:lnR>
+                    <a:lnT w="9525" cap="flat" cmpd="sng">
+                      <a:solidFill>
+                        <a:srgbClr val="000000"/>
+                      </a:solidFill>
+                      <a:prstDash val="solid"/>
+                      <a:headEnd type="none" w="med" len="med"/>
+                      <a:tailEnd type="none" w="med" len="med"/>
+                    </a:lnT>
+                    <a:lnB w="9525" cap="flat" cmpd="sng">
+                      <a:solidFill>
+                        <a:srgbClr val="000000"/>
+                      </a:solidFill>
+                      <a:prstDash val="solid"/>
+                      <a:headEnd type="none" w="med" len="med"/>
+                      <a:tailEnd type="none" w="med" len="med"/>
+                    </a:lnB>
+                    <a:noFill/>
+                  </a:tcPr>
+                </a:tc>
+                <a:tc>
+                  <a:txBody>
+                    <a:bodyPr/>
+                    <a:p>
+                      <a:pPr marL="0" indent="0" algn="l" fontAlgn="t">
+                        <a:spcBef>
+                          <a:spcPct val="0"/>
+                        </a:spcBef>
+                        <a:spcAft>
+                          <a:spcPct val="0"/>
+                        </a:spcAft>
+                      </a:pPr>
+                      <a:r>
+                        <a:rPr sz="1100" b="0" i="0">
+                          <a:solidFill>
+                            <a:srgbClr val="202124"/>
+                          </a:solidFill>
+                          <a:latin typeface="Roboto"/>
+                          <a:ea typeface="Roboto"/>
+                        </a:rPr>
+                        <a:t>Azure CLI</a:t>
+                      </a:r>
+                      <a:endParaRPr sz="1100" b="0" i="0">
+                        <a:solidFill>
+                          <a:srgbClr val="202124"/>
+                        </a:solidFill>
+                        <a:latin typeface="Roboto"/>
+                        <a:ea typeface="Roboto"/>
+                      </a:endParaRPr>
+                    </a:p>
+                  </a:txBody>
+                  <a:tcPr marL="0" marR="0" marT="0" marB="0" anchor="t" anchorCtr="0">
+                    <a:lnL w="9525" cap="flat" cmpd="sng">
+                      <a:solidFill>
+                        <a:srgbClr val="000000"/>
+                      </a:solidFill>
+                      <a:prstDash val="solid"/>
+                      <a:headEnd type="none" w="med" len="med"/>
+                      <a:tailEnd type="none" w="med" len="med"/>
+                    </a:lnL>
+                    <a:lnR w="9525" cap="flat" cmpd="sng">
+                      <a:solidFill>
+                        <a:srgbClr val="000000"/>
+                      </a:solidFill>
+                      <a:prstDash val="solid"/>
+                      <a:headEnd type="none" w="med" len="med"/>
+                      <a:tailEnd type="none" w="med" len="med"/>
+                    </a:lnR>
+                    <a:lnT w="9525" cap="flat" cmpd="sng">
+                      <a:solidFill>
+                        <a:srgbClr val="000000"/>
+                      </a:solidFill>
+                      <a:prstDash val="solid"/>
+                      <a:headEnd type="none" w="med" len="med"/>
+                      <a:tailEnd type="none" w="med" len="med"/>
+                    </a:lnT>
+                    <a:lnB w="9525" cap="flat" cmpd="sng">
+                      <a:solidFill>
+                        <a:srgbClr val="000000"/>
+                      </a:solidFill>
+                      <a:prstDash val="solid"/>
+                      <a:headEnd type="none" w="med" len="med"/>
+                      <a:tailEnd type="none" w="med" len="med"/>
+                    </a:lnB>
+                    <a:noFill/>
+                  </a:tcPr>
+                </a:tc>
+              </a:tr>
+            </a:tbl>
+          </a:graphicData>
+        </a:graphic>
+      </p:graphicFrame>
+      <p:graphicFrame>
+        <p:nvGraphicFramePr>
+          <p:cNvPr id="6" name="Table 5"/>
+          <p:cNvGraphicFramePr/>
+          <p:nvPr/>
+        </p:nvGraphicFramePr>
+        <p:xfrm>
+          <a:off x="372110" y="1978025"/>
+          <a:ext cx="10485120" cy="0"/>
+        </p:xfrm>
+        <a:graphic>
+          <a:graphicData uri="http://schemas.openxmlformats.org/drawingml/2006/table">
+            <a:tbl>
+              <a:tblPr/>
+              <a:tblGrid>
+                <a:gridCol w="1747520"/>
+                <a:gridCol w="1747520"/>
+                <a:gridCol w="1747520"/>
+                <a:gridCol w="1747520"/>
+                <a:gridCol w="1747520"/>
+                <a:gridCol w="1747520"/>
+              </a:tblGrid>
+              <a:tr h="0">
+                <a:tc>
+                  <a:txBody>
+                    <a:bodyPr/>
+                    <a:p>
+                      <a:pPr marL="0" indent="0" algn="l" fontAlgn="t">
+                        <a:spcBef>
+                          <a:spcPct val="0"/>
+                        </a:spcBef>
+                        <a:spcAft>
+                          <a:spcPct val="0"/>
+                        </a:spcAft>
+                      </a:pPr>
+                      <a:r>
+                        <a:rPr sz="1100" b="0" i="0">
+                          <a:solidFill>
+                            <a:srgbClr val="202124"/>
+                          </a:solidFill>
+                          <a:latin typeface="Roboto"/>
+                          <a:ea typeface="Roboto"/>
+                        </a:rPr>
+                        <a:t>Generative AI services</a:t>
+                      </a:r>
+                      <a:endParaRPr sz="1100" b="0" i="0">
+                        <a:solidFill>
+                          <a:srgbClr val="202124"/>
+                        </a:solidFill>
+                        <a:latin typeface="Roboto"/>
+                        <a:ea typeface="Roboto"/>
+                      </a:endParaRPr>
+                    </a:p>
+                  </a:txBody>
+                  <a:tcPr marL="0" marR="0" marT="0" marB="0" anchor="t" anchorCtr="0">
+                    <a:lnL w="9525" cap="flat" cmpd="sng">
+                      <a:solidFill>
+                        <a:srgbClr val="000000"/>
+                      </a:solidFill>
+                      <a:prstDash val="solid"/>
+                      <a:headEnd type="none" w="med" len="med"/>
+                      <a:tailEnd type="none" w="med" len="med"/>
+                    </a:lnL>
+                    <a:lnR w="9525" cap="flat" cmpd="sng">
+                      <a:solidFill>
+                        <a:srgbClr val="000000"/>
+                      </a:solidFill>
+                      <a:prstDash val="solid"/>
+                      <a:headEnd type="none" w="med" len="med"/>
+                      <a:tailEnd type="none" w="med" len="med"/>
+                    </a:lnR>
+                    <a:lnT w="9525" cap="flat" cmpd="sng">
+                      <a:solidFill>
+                        <a:srgbClr val="000000"/>
+                      </a:solidFill>
+                      <a:prstDash val="solid"/>
+                      <a:headEnd type="none" w="med" len="med"/>
+                      <a:tailEnd type="none" w="med" len="med"/>
+                    </a:lnT>
+                    <a:lnB w="9525" cap="flat" cmpd="sng">
+                      <a:solidFill>
+                        <a:srgbClr val="000000"/>
+                      </a:solidFill>
+                      <a:prstDash val="solid"/>
+                      <a:headEnd type="none" w="med" len="med"/>
+                      <a:tailEnd type="none" w="med" len="med"/>
+                    </a:lnB>
+                    <a:noFill/>
+                  </a:tcPr>
+                </a:tc>
+                <a:tc>
+                  <a:txBody>
+                    <a:bodyPr/>
+                    <a:p>
+                      <a:pPr marL="0" indent="0" algn="l" fontAlgn="t">
+                        <a:spcBef>
+                          <a:spcPct val="0"/>
+                        </a:spcBef>
+                        <a:spcAft>
+                          <a:spcPct val="0"/>
+                        </a:spcAft>
+                      </a:pPr>
+                      <a:r>
+                        <a:rPr sz="1100" b="0" i="0">
+                          <a:solidFill>
+                            <a:srgbClr val="202124"/>
+                          </a:solidFill>
+                          <a:latin typeface="Roboto"/>
+                          <a:ea typeface="Roboto"/>
+                        </a:rPr>
+                        <a:t>Model deployment</a:t>
+                      </a:r>
+                      <a:endParaRPr sz="1100" b="0" i="0">
+                        <a:solidFill>
+                          <a:srgbClr val="202124"/>
+                        </a:solidFill>
+                        <a:latin typeface="Roboto"/>
+                        <a:ea typeface="Roboto"/>
+                      </a:endParaRPr>
+                    </a:p>
+                  </a:txBody>
+                  <a:tcPr marL="0" marR="0" marT="0" marB="0" anchor="t" anchorCtr="0">
+                    <a:lnL w="9525" cap="flat" cmpd="sng">
+                      <a:solidFill>
+                        <a:srgbClr val="000000"/>
+                      </a:solidFill>
+                      <a:prstDash val="solid"/>
+                      <a:headEnd type="none" w="med" len="med"/>
+                      <a:tailEnd type="none" w="med" len="med"/>
+                    </a:lnL>
+                    <a:lnR w="9525" cap="flat" cmpd="sng">
+                      <a:solidFill>
+                        <a:srgbClr val="000000"/>
+                      </a:solidFill>
+                      <a:prstDash val="solid"/>
+                      <a:headEnd type="none" w="med" len="med"/>
+                      <a:tailEnd type="none" w="med" len="med"/>
+                    </a:lnR>
+                    <a:lnT w="9525" cap="flat" cmpd="sng">
+                      <a:solidFill>
+                        <a:srgbClr val="000000"/>
+                      </a:solidFill>
+                      <a:prstDash val="solid"/>
+                      <a:headEnd type="none" w="med" len="med"/>
+                      <a:tailEnd type="none" w="med" len="med"/>
+                    </a:lnT>
+                    <a:lnB w="9525" cap="flat" cmpd="sng">
+                      <a:solidFill>
+                        <a:srgbClr val="000000"/>
+                      </a:solidFill>
+                      <a:prstDash val="solid"/>
+                      <a:headEnd type="none" w="med" len="med"/>
+                      <a:tailEnd type="none" w="med" len="med"/>
+                    </a:lnB>
+                    <a:noFill/>
+                  </a:tcPr>
+                </a:tc>
+                <a:tc>
+                  <a:txBody>
+                    <a:bodyPr/>
+                    <a:p>
+                      <a:pPr marL="0" indent="0" algn="l" fontAlgn="t" latinLnBrk="0">
+                        <a:spcBef>
+                          <a:spcPct val="0"/>
+                        </a:spcBef>
+                        <a:spcAft>
+                          <a:spcPct val="0"/>
+                        </a:spcAft>
+                      </a:pPr>
+                      <a:r>
+                        <a:rPr sz="1100" b="0" i="0">
+                          <a:solidFill>
+                            <a:srgbClr val="202124"/>
+                          </a:solidFill>
+                          <a:latin typeface="Roboto"/>
+                          <a:ea typeface="Roboto"/>
+                          <a:hlinkClick r:id="rId3"/>
+                        </a:rPr>
+                        <a:t>Vertex AI Studio</a:t>
+                      </a:r>
+                      <a:endParaRPr sz="1100" b="0" i="0">
+                        <a:solidFill>
+                          <a:srgbClr val="202124"/>
+                        </a:solidFill>
+                        <a:latin typeface="Roboto"/>
+                        <a:ea typeface="Roboto"/>
+                        <a:hlinkClick r:id="rId3"/>
+                      </a:endParaRPr>
+                    </a:p>
+                  </a:txBody>
+                  <a:tcPr marL="0" marR="0" marT="0" marB="0" anchor="t" anchorCtr="0">
+                    <a:lnL w="9525" cap="flat" cmpd="sng">
+                      <a:solidFill>
+                        <a:srgbClr val="000000"/>
+                      </a:solidFill>
+                      <a:prstDash val="solid"/>
+                      <a:headEnd type="none" w="med" len="med"/>
+                      <a:tailEnd type="none" w="med" len="med"/>
+                    </a:lnL>
+                    <a:lnR w="9525" cap="flat" cmpd="sng">
+                      <a:solidFill>
+                        <a:srgbClr val="000000"/>
+                      </a:solidFill>
+                      <a:prstDash val="solid"/>
+                      <a:headEnd type="none" w="med" len="med"/>
+                      <a:tailEnd type="none" w="med" len="med"/>
+                    </a:lnR>
+                    <a:lnT w="9525" cap="flat" cmpd="sng">
+                      <a:solidFill>
+                        <a:srgbClr val="000000"/>
+                      </a:solidFill>
+                      <a:prstDash val="solid"/>
+                      <a:headEnd type="none" w="med" len="med"/>
+                      <a:tailEnd type="none" w="med" len="med"/>
+                    </a:lnT>
+                    <a:lnB w="9525" cap="flat" cmpd="sng">
+                      <a:solidFill>
+                        <a:srgbClr val="000000"/>
+                      </a:solidFill>
+                      <a:prstDash val="solid"/>
+                      <a:headEnd type="none" w="med" len="med"/>
+                      <a:tailEnd type="none" w="med" len="med"/>
+                    </a:lnB>
+                    <a:noFill/>
+                  </a:tcPr>
+                </a:tc>
+                <a:tc>
+                  <a:txBody>
+                    <a:bodyPr/>
+                    <a:p>
+                      <a:pPr marL="0" indent="0" algn="l" fontAlgn="t">
+                        <a:spcBef>
+                          <a:spcPct val="0"/>
+                        </a:spcBef>
+                        <a:spcAft>
+                          <a:spcPct val="0"/>
+                        </a:spcAft>
+                      </a:pPr>
+                      <a:r>
+                        <a:rPr sz="1100" b="0" i="0">
+                          <a:solidFill>
+                            <a:srgbClr val="202124"/>
+                          </a:solidFill>
+                          <a:latin typeface="Roboto"/>
+                          <a:ea typeface="Roboto"/>
+                        </a:rPr>
+                        <a:t>Rapidly prototype and test generative AI models.</a:t>
+                      </a:r>
+                      <a:endParaRPr sz="1100" b="0" i="0">
+                        <a:solidFill>
+                          <a:srgbClr val="202124"/>
+                        </a:solidFill>
+                        <a:latin typeface="Roboto"/>
+                        <a:ea typeface="Roboto"/>
+                      </a:endParaRPr>
+                    </a:p>
+                  </a:txBody>
+                  <a:tcPr marL="0" marR="0" marT="0" marB="0" anchor="t" anchorCtr="0">
+                    <a:lnL w="9525" cap="flat" cmpd="sng">
+                      <a:solidFill>
+                        <a:srgbClr val="000000"/>
+                      </a:solidFill>
+                      <a:prstDash val="solid"/>
+                      <a:headEnd type="none" w="med" len="med"/>
+                      <a:tailEnd type="none" w="med" len="med"/>
+                    </a:lnL>
+                    <a:lnR w="9525" cap="flat" cmpd="sng">
+                      <a:solidFill>
+                        <a:srgbClr val="000000"/>
+                      </a:solidFill>
+                      <a:prstDash val="solid"/>
+                      <a:headEnd type="none" w="med" len="med"/>
+                      <a:tailEnd type="none" w="med" len="med"/>
+                    </a:lnR>
+                    <a:lnT w="9525" cap="flat" cmpd="sng">
+                      <a:solidFill>
+                        <a:srgbClr val="000000"/>
+                      </a:solidFill>
+                      <a:prstDash val="solid"/>
+                      <a:headEnd type="none" w="med" len="med"/>
+                      <a:tailEnd type="none" w="med" len="med"/>
+                    </a:lnT>
+                    <a:lnB w="9525" cap="flat" cmpd="sng">
+                      <a:solidFill>
+                        <a:srgbClr val="000000"/>
+                      </a:solidFill>
+                      <a:prstDash val="solid"/>
+                      <a:headEnd type="none" w="med" len="med"/>
+                      <a:tailEnd type="none" w="med" len="med"/>
+                    </a:lnB>
+                    <a:noFill/>
+                  </a:tcPr>
+                </a:tc>
+                <a:tc>
+                  <a:txBody>
+                    <a:bodyPr/>
+                    <a:p>
+                      <a:pPr marL="0" indent="0" algn="l" fontAlgn="t">
+                        <a:spcBef>
+                          <a:spcPct val="0"/>
+                        </a:spcBef>
+                        <a:spcAft>
+                          <a:spcPct val="0"/>
+                        </a:spcAft>
+                      </a:pPr>
+                      <a:r>
+                        <a:rPr sz="1100" b="0" i="0">
+                          <a:solidFill>
+                            <a:srgbClr val="202124"/>
+                          </a:solidFill>
+                          <a:latin typeface="Roboto"/>
+                          <a:ea typeface="Roboto"/>
+                        </a:rPr>
+                        <a:t>AWS App Studio</a:t>
+                      </a:r>
+                      <a:endParaRPr sz="1100" b="0" i="0">
+                        <a:solidFill>
+                          <a:srgbClr val="202124"/>
+                        </a:solidFill>
+                        <a:latin typeface="Roboto"/>
+                        <a:ea typeface="Roboto"/>
+                      </a:endParaRPr>
+                    </a:p>
+                  </a:txBody>
+                  <a:tcPr marL="0" marR="0" marT="0" marB="0" anchor="t" anchorCtr="0">
+                    <a:lnL w="9525" cap="flat" cmpd="sng">
+                      <a:solidFill>
+                        <a:srgbClr val="000000"/>
+                      </a:solidFill>
+                      <a:prstDash val="solid"/>
+                      <a:headEnd type="none" w="med" len="med"/>
+                      <a:tailEnd type="none" w="med" len="med"/>
+                    </a:lnL>
+                    <a:lnR w="9525" cap="flat" cmpd="sng">
+                      <a:solidFill>
+                        <a:srgbClr val="000000"/>
+                      </a:solidFill>
+                      <a:prstDash val="solid"/>
+                      <a:headEnd type="none" w="med" len="med"/>
+                      <a:tailEnd type="none" w="med" len="med"/>
+                    </a:lnR>
+                    <a:lnT w="9525" cap="flat" cmpd="sng">
+                      <a:solidFill>
+                        <a:srgbClr val="000000"/>
+                      </a:solidFill>
+                      <a:prstDash val="solid"/>
+                      <a:headEnd type="none" w="med" len="med"/>
+                      <a:tailEnd type="none" w="med" len="med"/>
+                    </a:lnT>
+                    <a:lnB w="9525" cap="flat" cmpd="sng">
+                      <a:solidFill>
+                        <a:srgbClr val="000000"/>
+                      </a:solidFill>
+                      <a:prstDash val="solid"/>
+                      <a:headEnd type="none" w="med" len="med"/>
+                      <a:tailEnd type="none" w="med" len="med"/>
+                    </a:lnB>
+                    <a:noFill/>
+                  </a:tcPr>
+                </a:tc>
+                <a:tc>
+                  <a:txBody>
+                    <a:bodyPr/>
+                    <a:p>
+                      <a:pPr marL="0" indent="0" algn="l" fontAlgn="t">
+                        <a:spcBef>
+                          <a:spcPct val="0"/>
+                        </a:spcBef>
+                        <a:spcAft>
+                          <a:spcPct val="0"/>
+                        </a:spcAft>
+                      </a:pPr>
+                      <a:r>
+                        <a:rPr sz="1100" b="0" i="0">
+                          <a:solidFill>
+                            <a:srgbClr val="202124"/>
+                          </a:solidFill>
+                          <a:latin typeface="Roboto"/>
+                          <a:ea typeface="Roboto"/>
+                        </a:rPr>
+                        <a:t>Azure AI Studio</a:t>
+                      </a:r>
+                      <a:endParaRPr sz="1100" b="0" i="0">
+                        <a:solidFill>
+                          <a:srgbClr val="202124"/>
+                        </a:solidFill>
+                        <a:latin typeface="Roboto"/>
+                        <a:ea typeface="Roboto"/>
+                      </a:endParaRPr>
+                    </a:p>
+                  </a:txBody>
+                  <a:tcPr marL="0" marR="0" marT="0" marB="0" anchor="t" anchorCtr="0">
+                    <a:lnL w="9525" cap="flat" cmpd="sng">
+                      <a:solidFill>
+                        <a:srgbClr val="000000"/>
+                      </a:solidFill>
+                      <a:prstDash val="solid"/>
+                      <a:headEnd type="none" w="med" len="med"/>
+                      <a:tailEnd type="none" w="med" len="med"/>
+                    </a:lnL>
+                    <a:lnR w="9525" cap="flat" cmpd="sng">
+                      <a:solidFill>
+                        <a:srgbClr val="000000"/>
+                      </a:solidFill>
+                      <a:prstDash val="solid"/>
+                      <a:headEnd type="none" w="med" len="med"/>
+                      <a:tailEnd type="none" w="med" len="med"/>
+                    </a:lnR>
+                    <a:lnT w="9525" cap="flat" cmpd="sng">
+                      <a:solidFill>
+                        <a:srgbClr val="000000"/>
+                      </a:solidFill>
+                      <a:prstDash val="solid"/>
+                      <a:headEnd type="none" w="med" len="med"/>
+                      <a:tailEnd type="none" w="med" len="med"/>
+                    </a:lnT>
+                    <a:lnB w="9525" cap="flat" cmpd="sng">
+                      <a:solidFill>
+                        <a:srgbClr val="000000"/>
+                      </a:solidFill>
+                      <a:prstDash val="solid"/>
+                      <a:headEnd type="none" w="med" len="med"/>
+                      <a:tailEnd type="none" w="med" len="med"/>
+                    </a:lnB>
+                    <a:noFill/>
+                  </a:tcPr>
+                </a:tc>
+              </a:tr>
+            </a:tbl>
+          </a:graphicData>
+        </a:graphic>
+      </p:graphicFrame>
+    </p:spTree>
+  </p:cSld>
+  <p:clrMapOvr>
+    <a:masterClrMapping/>
+  </p:clrMapOvr>
+</p:sld>
+</file>
+
+<file path=ppt/slides/slide6.xml><?xml version="1.0" encoding="utf-8"?>
 <p:sld xmlns:a="http://schemas.openxmlformats.org/drawingml/2006/main" xmlns:r="http://schemas.openxmlformats.org/officeDocument/2006/relationships" xmlns:p="http://schemas.openxmlformats.org/presentationml/2006/main">
   <p:cSld>
     <p:spTree>
@@ -4430,7 +9917,7 @@
 </p:sld>
 </file>
 
-<file path=ppt/slides/slide5.xml><?xml version="1.0" encoding="utf-8"?>
+<file path=ppt/slides/slide7.xml><?xml version="1.0" encoding="utf-8"?>
 <p:sld xmlns:a="http://schemas.openxmlformats.org/drawingml/2006/main" xmlns:r="http://schemas.openxmlformats.org/officeDocument/2006/relationships" xmlns:p="http://schemas.openxmlformats.org/presentationml/2006/main">
   <p:cSld>
     <p:spTree>
@@ -4895,7 +10382,7 @@
 </p:sld>
 </file>
 
-<file path=ppt/slides/slide6.xml><?xml version="1.0" encoding="utf-8"?>
+<file path=ppt/slides/slide8.xml><?xml version="1.0" encoding="utf-8"?>
 <p:sld xmlns:a="http://schemas.openxmlformats.org/drawingml/2006/main" xmlns:r="http://schemas.openxmlformats.org/officeDocument/2006/relationships" xmlns:p="http://schemas.openxmlformats.org/presentationml/2006/main">
   <p:cSld>
     <p:spTree>
@@ -5309,7 +10796,7 @@
 </p:sld>
 </file>
 
-<file path=ppt/slides/slide7.xml><?xml version="1.0" encoding="utf-8"?>
+<file path=ppt/slides/slide9.xml><?xml version="1.0" encoding="utf-8"?>
 <p:sld xmlns:a="http://schemas.openxmlformats.org/drawingml/2006/main" xmlns:r="http://schemas.openxmlformats.org/officeDocument/2006/relationships" xmlns:p="http://schemas.openxmlformats.org/presentationml/2006/main">
   <p:cSld>
     <p:spTree>
@@ -6666,6 +12153,13 @@
 </file>
 
 <file path=ppt/tags/tag1.xml><?xml version="1.0" encoding="utf-8"?>
+<p:tagLst xmlns:p="http://schemas.openxmlformats.org/presentationml/2006/main">
+  <p:tag name="TABLE_ENDDRAG_ORIGIN_RECT" val="825*57"/>
+  <p:tag name="TABLE_ENDDRAG_RECT" val="41*338*825*57"/>
+</p:tagLst>
+</file>
+
+<file path=ppt/tags/tag2.xml><?xml version="1.0" encoding="utf-8"?>
 <p:tagLst xmlns:p="http://schemas.openxmlformats.org/presentationml/2006/main">
   <p:tag name="TABLE_ENDDRAG_ORIGIN_RECT" val="563*92"/>
   <p:tag name="TABLE_ENDDRAG_RECT" val="159*92*563*92"/>
@@ -7288,19 +12782,19 @@
 </p:properties>
 </file>
 
-<file path=customXml/itemProps2.xml><?xml version="1.0" encoding="utf-8"?>
+<file path=customXml/itemProps3.xml><?xml version="1.0" encoding="utf-8"?>
 <ds:datastoreItem xmlns:ds="http://schemas.openxmlformats.org/officeDocument/2006/customXml" ds:itemID="{19DAD249-BF80-48EF-9AFB-36A11BCDC2CE}">
   <ds:schemaRefs/>
 </ds:datastoreItem>
 </file>
 
-<file path=customXml/itemProps3.xml><?xml version="1.0" encoding="utf-8"?>
+<file path=customXml/itemProps4.xml><?xml version="1.0" encoding="utf-8"?>
 <ds:datastoreItem xmlns:ds="http://schemas.openxmlformats.org/officeDocument/2006/customXml" ds:itemID="{C5A59D56-2157-4202-9D02-F44E447A241D}">
   <ds:schemaRefs/>
 </ds:datastoreItem>
 </file>
 
-<file path=customXml/itemProps4.xml><?xml version="1.0" encoding="utf-8"?>
+<file path=customXml/itemProps5.xml><?xml version="1.0" encoding="utf-8"?>
 <ds:datastoreItem xmlns:ds="http://schemas.openxmlformats.org/officeDocument/2006/customXml" ds:itemID="{6F4F4D41-822D-40F2-A7AC-E4E6CB36CA7A}">
   <ds:schemaRefs/>
 </ds:datastoreItem>
